--- a/ML_Algorithm_Review/Dimensionality_Reduction_Review.pptx
+++ b/ML_Algorithm_Review/Dimensionality_Reduction_Review.pptx
@@ -252,7 +252,7 @@
             <a:fld id="{65771C21-3757-4199-83DE-22960358A2A5}" type="datetimeFigureOut">
               <a:rPr lang="ko-KR" altLang="en-US" smtClean="0"/>
               <a:pPr/>
-              <a:t>2021-02-20</a:t>
+              <a:t>2021-02-23</a:t>
             </a:fld>
             <a:endParaRPr lang="ko-KR" altLang="en-US"/>
           </a:p>
@@ -582,15 +582,7 @@
             </a:pPr>
             <a:r>
               <a:rPr lang="ko-KR" altLang="en-US" sz="1200" dirty="0"/>
-              <a:t>서포트 벡터 </a:t>
-            </a:r>
-            <a:r>
-              <a:rPr lang="ko-KR" altLang="en-US" sz="1200" dirty="0" err="1"/>
-              <a:t>머신의</a:t>
-            </a:r>
-            <a:r>
-              <a:rPr lang="ko-KR" altLang="en-US" sz="1200" dirty="0"/>
-              <a:t> 발표를 맡은 이석준입니다</a:t>
+              <a:t>차원 축소의 발표를 맡은 이석준입니다</a:t>
             </a:r>
             <a:r>
               <a:rPr lang="en-US" altLang="ko-KR" sz="1200" dirty="0"/>
@@ -724,23 +716,15 @@
             </a:pPr>
             <a:r>
               <a:rPr lang="ko-KR" altLang="en-US" dirty="0"/>
-              <a:t>서포트 벡터 </a:t>
-            </a:r>
-            <a:r>
-              <a:rPr lang="ko-KR" altLang="en-US" dirty="0" err="1"/>
-              <a:t>머신은</a:t>
-            </a:r>
-            <a:r>
-              <a:rPr lang="ko-KR" altLang="en-US" dirty="0"/>
-              <a:t> 선형</a:t>
-            </a:r>
-            <a:r>
-              <a:rPr lang="en-US" altLang="ko-KR" dirty="0"/>
-              <a:t>, </a:t>
-            </a:r>
-            <a:r>
-              <a:rPr lang="ko-KR" altLang="en-US" dirty="0"/>
-              <a:t>비선형의 데이터셋에 대한 분류와 회귀 모델로 사용될 수 있습니다</a:t>
+              <a:t>그럼</a:t>
+            </a:r>
+            <a:r>
+              <a:rPr lang="en-US" altLang="ko-KR" dirty="0"/>
+              <a:t>, PCA</a:t>
+            </a:r>
+            <a:r>
+              <a:rPr lang="ko-KR" altLang="en-US" dirty="0"/>
+              <a:t>가 동작하는 방식을 순차적으로 알아보겠습니다</a:t>
             </a:r>
             <a:r>
               <a:rPr lang="en-US" altLang="ko-KR" dirty="0"/>
@@ -767,7 +751,7 @@
             </a:pPr>
             <a:r>
               <a:rPr lang="ko-KR" altLang="en-US" dirty="0"/>
-              <a:t>또한</a:t>
+              <a:t>제가 앞에서</a:t>
             </a:r>
             <a:r>
               <a:rPr lang="en-US" altLang="ko-KR" dirty="0"/>
@@ -775,15 +759,15 @@
             </a:r>
             <a:r>
               <a:rPr lang="ko-KR" altLang="en-US" dirty="0"/>
-              <a:t>이상치 탐지 등에도 사용이 가능한 다목적 </a:t>
-            </a:r>
-            <a:r>
-              <a:rPr lang="ko-KR" altLang="en-US" dirty="0" err="1"/>
-              <a:t>머신러닝</a:t>
-            </a:r>
-            <a:r>
-              <a:rPr lang="ko-KR" altLang="en-US" dirty="0"/>
-              <a:t> 모델입니다</a:t>
+              <a:t>분산을 가장 많이 보존하는 초평면에 샘플들을 투영한다고 했는데</a:t>
+            </a:r>
+            <a:r>
+              <a:rPr lang="en-US" altLang="ko-KR" dirty="0"/>
+              <a:t>, </a:t>
+            </a:r>
+            <a:r>
+              <a:rPr lang="ko-KR" altLang="en-US" dirty="0"/>
+              <a:t>이 초평면을 찾기 위해서는 샘플들의 중점을 찾아서 원점을 설정해줘야 합니다</a:t>
             </a:r>
             <a:r>
               <a:rPr lang="en-US" altLang="ko-KR" dirty="0"/>
@@ -809,20 +793,8 @@
               <a:defRPr/>
             </a:pPr>
             <a:r>
-              <a:rPr lang="ko-KR" altLang="en-US" dirty="0"/>
-              <a:t>서포트 벡터 </a:t>
-            </a:r>
-            <a:r>
-              <a:rPr lang="ko-KR" altLang="en-US" dirty="0" err="1"/>
-              <a:t>머신의</a:t>
-            </a:r>
-            <a:r>
-              <a:rPr lang="ko-KR" altLang="en-US" dirty="0"/>
-              <a:t> 가장 기본 컨셉은 왼쪽 그림에서 나타난 것처럼 클래스 사이에 마진을 설정하는 것입니다</a:t>
-            </a:r>
-            <a:r>
-              <a:rPr lang="en-US" altLang="ko-KR" dirty="0"/>
-              <a:t>.</a:t>
+              <a:rPr lang="en-US" altLang="ko-KR" dirty="0"/>
+              <a:t>(click)</a:t>
             </a:r>
           </a:p>
           <a:p>
@@ -844,8 +816,44 @@
               <a:defRPr/>
             </a:pPr>
             <a:r>
-              <a:rPr lang="en-US" altLang="ko-KR" dirty="0"/>
-              <a:t>(click)</a:t>
+              <a:rPr lang="ko-KR" altLang="en-US" dirty="0"/>
+              <a:t>그 다음에</a:t>
+            </a:r>
+            <a:r>
+              <a:rPr lang="en-US" altLang="ko-KR" dirty="0"/>
+              <a:t>, </a:t>
+            </a:r>
+            <a:r>
+              <a:rPr lang="ko-KR" altLang="en-US" dirty="0"/>
+              <a:t>분산을 가장 많이 보존하는 초평면을 찾습니다</a:t>
+            </a:r>
+            <a:r>
+              <a:rPr lang="en-US" altLang="ko-KR" dirty="0"/>
+              <a:t>. </a:t>
+            </a:r>
+            <a:r>
+              <a:rPr lang="ko-KR" altLang="en-US" dirty="0"/>
+              <a:t>분산을 가장 많이 보존한다는 것을 다르게 설명하면</a:t>
+            </a:r>
+            <a:r>
+              <a:rPr lang="en-US" altLang="ko-KR" dirty="0"/>
+              <a:t>, </a:t>
+            </a:r>
+            <a:r>
+              <a:rPr lang="ko-KR" altLang="en-US" dirty="0"/>
+              <a:t>샘플들을 초평면에 투영했을 때</a:t>
+            </a:r>
+            <a:r>
+              <a:rPr lang="en-US" altLang="ko-KR" dirty="0"/>
+              <a:t>,</a:t>
+            </a:r>
+            <a:r>
+              <a:rPr lang="ko-KR" altLang="en-US" dirty="0"/>
+              <a:t> 그 지점에서 원점까지의 거리의 합이 가장 큰 초평면을 의미합니다</a:t>
+            </a:r>
+            <a:r>
+              <a:rPr lang="en-US" altLang="ko-KR" dirty="0"/>
+              <a:t>.</a:t>
             </a:r>
           </a:p>
           <a:p>
@@ -867,32 +875,39 @@
               <a:defRPr/>
             </a:pPr>
             <a:r>
-              <a:rPr lang="ko-KR" altLang="en-US" dirty="0"/>
-              <a:t>서포트 벡터 </a:t>
-            </a:r>
-            <a:r>
-              <a:rPr lang="ko-KR" altLang="en-US" dirty="0" err="1"/>
-              <a:t>머신의</a:t>
-            </a:r>
-            <a:r>
-              <a:rPr lang="ko-KR" altLang="en-US" dirty="0"/>
-              <a:t> 장점으로는 이상치에 대한 영향이 적고</a:t>
-            </a:r>
-            <a:r>
-              <a:rPr lang="en-US" altLang="ko-KR" dirty="0"/>
-              <a:t>, </a:t>
-            </a:r>
-            <a:r>
-              <a:rPr lang="ko-KR" altLang="en-US" dirty="0" err="1"/>
-              <a:t>오버피팅의</a:t>
-            </a:r>
-            <a:r>
-              <a:rPr lang="ko-KR" altLang="en-US" dirty="0"/>
-              <a:t> 가능성이 낮다는 점이 있습니다</a:t>
+              <a:rPr lang="en-US" altLang="ko-KR" dirty="0"/>
+              <a:t>4</a:t>
+            </a:r>
+            <a:r>
+              <a:rPr lang="ko-KR" altLang="en-US" dirty="0"/>
+              <a:t>번의 붉은색 직선의 단위 벡터가 첫 번째 주성분이 됩니다</a:t>
             </a:r>
             <a:r>
               <a:rPr lang="en-US" altLang="ko-KR" dirty="0"/>
               <a:t>.</a:t>
+            </a:r>
+          </a:p>
+          <a:p>
+            <a:pPr marL="0" marR="0" lvl="0" indent="0" algn="l" defTabSz="914400" rtl="0" eaLnBrk="1" fontAlgn="auto" latinLnBrk="1" hangingPunct="1">
+              <a:lnSpc>
+                <a:spcPct val="100000"/>
+              </a:lnSpc>
+              <a:spcBef>
+                <a:spcPts val="0"/>
+              </a:spcBef>
+              <a:spcAft>
+                <a:spcPts val="0"/>
+              </a:spcAft>
+              <a:buClrTx/>
+              <a:buSzTx/>
+              <a:buFontTx/>
+              <a:buNone/>
+              <a:tabLst/>
+              <a:defRPr/>
+            </a:pPr>
+            <a:r>
+              <a:rPr lang="en-US" altLang="ko-KR" dirty="0"/>
+              <a:t>(click)</a:t>
             </a:r>
           </a:p>
           <a:p>
@@ -915,21 +930,90 @@
             </a:pPr>
             <a:r>
               <a:rPr lang="ko-KR" altLang="en-US" dirty="0"/>
-              <a:t>단점으로는 추후에 설명드릴 </a:t>
-            </a:r>
-            <a:r>
-              <a:rPr lang="ko-KR" altLang="en-US" dirty="0" err="1"/>
-              <a:t>하이퍼파라미터에</a:t>
-            </a:r>
-            <a:r>
-              <a:rPr lang="ko-KR" altLang="en-US" dirty="0"/>
-              <a:t> 대한 다양한 조합을 테스트해야 하기 때문에 학습 속도가 느리다는 점이 있습니다</a:t>
+              <a:t>두 번째 주성분은 첫 번째 주성분에 직교하면서 분산을 가장 많이 보존하는 단위벡터 입니다</a:t>
             </a:r>
             <a:r>
               <a:rPr lang="en-US" altLang="ko-KR" dirty="0"/>
               <a:t>.</a:t>
             </a:r>
-            <a:endParaRPr lang="ko-KR" altLang="en-US" dirty="0"/>
+          </a:p>
+          <a:p>
+            <a:pPr marL="0" marR="0" indent="0" algn="l" defTabSz="914400" rtl="0" eaLnBrk="1" fontAlgn="auto" latinLnBrk="1" hangingPunct="1">
+              <a:lnSpc>
+                <a:spcPct val="100000"/>
+              </a:lnSpc>
+              <a:spcBef>
+                <a:spcPts val="0"/>
+              </a:spcBef>
+              <a:spcAft>
+                <a:spcPts val="0"/>
+              </a:spcAft>
+              <a:buClrTx/>
+              <a:buSzTx/>
+              <a:buFontTx/>
+              <a:buNone/>
+              <a:tabLst/>
+              <a:defRPr/>
+            </a:pPr>
+            <a:r>
+              <a:rPr lang="ko-KR" altLang="en-US" dirty="0"/>
+              <a:t>마찬가지로 </a:t>
+            </a:r>
+            <a:r>
+              <a:rPr lang="en-US" altLang="ko-KR" dirty="0"/>
+              <a:t>N</a:t>
+            </a:r>
+            <a:r>
+              <a:rPr lang="ko-KR" altLang="en-US" dirty="0"/>
+              <a:t>번째 주성분은 이전까지의 주성분에 모두 직교하면서 분산을 가장 많이 보존하는 단위벡터 입니다</a:t>
+            </a:r>
+            <a:r>
+              <a:rPr lang="en-US" altLang="ko-KR" dirty="0"/>
+              <a:t>.</a:t>
+            </a:r>
+          </a:p>
+          <a:p>
+            <a:pPr marL="0" marR="0" indent="0" algn="l" defTabSz="914400" rtl="0" eaLnBrk="1" fontAlgn="auto" latinLnBrk="1" hangingPunct="1">
+              <a:lnSpc>
+                <a:spcPct val="100000"/>
+              </a:lnSpc>
+              <a:spcBef>
+                <a:spcPts val="0"/>
+              </a:spcBef>
+              <a:spcAft>
+                <a:spcPts val="0"/>
+              </a:spcAft>
+              <a:buClrTx/>
+              <a:buSzTx/>
+              <a:buFontTx/>
+              <a:buNone/>
+              <a:tabLst/>
+              <a:defRPr/>
+            </a:pPr>
+            <a:r>
+              <a:rPr lang="ko-KR" altLang="en-US" dirty="0"/>
+              <a:t>차원이 </a:t>
+            </a:r>
+            <a:r>
+              <a:rPr lang="en-US" altLang="ko-KR" dirty="0"/>
+              <a:t>N</a:t>
+            </a:r>
+            <a:r>
+              <a:rPr lang="ko-KR" altLang="en-US" dirty="0"/>
+              <a:t>개인 경우에 </a:t>
+            </a:r>
+            <a:r>
+              <a:rPr lang="en-US" altLang="ko-KR" dirty="0"/>
+              <a:t>N</a:t>
+            </a:r>
+            <a:r>
+              <a:rPr lang="ko-KR" altLang="en-US" dirty="0"/>
+              <a:t>개의 주성분이 존재하게 됩니다</a:t>
+            </a:r>
+            <a:r>
+              <a:rPr lang="en-US" altLang="ko-KR" dirty="0"/>
+              <a:t>.</a:t>
+            </a:r>
           </a:p>
         </p:txBody>
       </p:sp>
@@ -1034,24 +1118,12 @@
               <a:defRPr/>
             </a:pPr>
             <a:r>
-              <a:rPr lang="ko-KR" altLang="en-US" dirty="0"/>
-              <a:t>서포트 벡터 </a:t>
-            </a:r>
-            <a:r>
               <a:rPr lang="ko-KR" altLang="en-US" dirty="0" err="1"/>
-              <a:t>머신은</a:t>
-            </a:r>
-            <a:r>
-              <a:rPr lang="ko-KR" altLang="en-US" dirty="0"/>
-              <a:t> 선형</a:t>
-            </a:r>
-            <a:r>
-              <a:rPr lang="en-US" altLang="ko-KR" dirty="0"/>
-              <a:t>, </a:t>
-            </a:r>
-            <a:r>
-              <a:rPr lang="ko-KR" altLang="en-US" dirty="0"/>
-              <a:t>비선형의 데이터셋에 대한 분류와 회귀 모델로 사용될 수 있습니다</a:t>
+              <a:t>특이값</a:t>
+            </a:r>
+            <a:r>
+              <a:rPr lang="ko-KR" altLang="en-US" dirty="0"/>
+              <a:t> 분해라는 행렬 분해 기법을 사용하면 모든 주성분들을 구할 수 있습니다</a:t>
             </a:r>
             <a:r>
               <a:rPr lang="en-US" altLang="ko-KR" dirty="0"/>
@@ -1077,24 +1149,36 @@
               <a:defRPr/>
             </a:pPr>
             <a:r>
-              <a:rPr lang="ko-KR" altLang="en-US" dirty="0"/>
-              <a:t>또한</a:t>
-            </a:r>
-            <a:r>
-              <a:rPr lang="en-US" altLang="ko-KR" dirty="0"/>
-              <a:t>, </a:t>
-            </a:r>
-            <a:r>
-              <a:rPr lang="ko-KR" altLang="en-US" dirty="0"/>
-              <a:t>이상치 탐지 등에도 사용이 가능한 다목적 </a:t>
-            </a:r>
-            <a:r>
               <a:rPr lang="ko-KR" altLang="en-US" dirty="0" err="1"/>
-              <a:t>머신러닝</a:t>
-            </a:r>
-            <a:r>
-              <a:rPr lang="ko-KR" altLang="en-US" dirty="0"/>
-              <a:t> 모델입니다</a:t>
+              <a:t>특이값</a:t>
+            </a:r>
+            <a:r>
+              <a:rPr lang="ko-KR" altLang="en-US" dirty="0"/>
+              <a:t> 분해는 행렬 </a:t>
+            </a:r>
+            <a:r>
+              <a:rPr lang="en-US" altLang="ko-KR" dirty="0"/>
+              <a:t>A</a:t>
+            </a:r>
+            <a:r>
+              <a:rPr lang="ko-KR" altLang="en-US" dirty="0"/>
+              <a:t>를 원본 데이터셋이라고 했을 때에</a:t>
+            </a:r>
+            <a:r>
+              <a:rPr lang="en-US" altLang="ko-KR" dirty="0"/>
+              <a:t>, U </a:t>
+            </a:r>
+            <a:r>
+              <a:rPr lang="ko-KR" altLang="en-US" dirty="0"/>
+              <a:t>시그마 </a:t>
+            </a:r>
+            <a:r>
+              <a:rPr lang="en-US" altLang="ko-KR" dirty="0"/>
+              <a:t>V</a:t>
+            </a:r>
+            <a:r>
+              <a:rPr lang="ko-KR" altLang="en-US" dirty="0"/>
+              <a:t>로 행렬을 분해합니다</a:t>
             </a:r>
             <a:r>
               <a:rPr lang="en-US" altLang="ko-KR" dirty="0"/>
@@ -1121,15 +1205,15 @@
             </a:pPr>
             <a:r>
               <a:rPr lang="ko-KR" altLang="en-US" dirty="0"/>
-              <a:t>서포트 벡터 </a:t>
-            </a:r>
-            <a:r>
-              <a:rPr lang="ko-KR" altLang="en-US" dirty="0" err="1"/>
-              <a:t>머신의</a:t>
-            </a:r>
-            <a:r>
-              <a:rPr lang="ko-KR" altLang="en-US" dirty="0"/>
-              <a:t> 가장 기본 컨셉은 왼쪽 그림에서 나타난 것처럼 클래스 사이에 마진을 설정하는 것입니다</a:t>
+              <a:t>이중에서 행렬 </a:t>
+            </a:r>
+            <a:r>
+              <a:rPr lang="en-US" altLang="ko-KR" dirty="0"/>
+              <a:t>V</a:t>
+            </a:r>
+            <a:r>
+              <a:rPr lang="ko-KR" altLang="en-US" dirty="0"/>
+              <a:t>에 첫번째 주성분부터 마지막 주성분까지 열벡터의 형태로 순서대로 담기게 됩니다</a:t>
             </a:r>
             <a:r>
               <a:rPr lang="en-US" altLang="ko-KR" dirty="0"/>
@@ -1155,8 +1239,32 @@
               <a:defRPr/>
             </a:pPr>
             <a:r>
-              <a:rPr lang="en-US" altLang="ko-KR" dirty="0"/>
-              <a:t>(click)</a:t>
+              <a:rPr lang="ko-KR" altLang="en-US" dirty="0"/>
+              <a:t>앞에서도 설명 </a:t>
+            </a:r>
+            <a:r>
+              <a:rPr lang="ko-KR" altLang="en-US" dirty="0" err="1"/>
+              <a:t>드렸다시피</a:t>
+            </a:r>
+            <a:r>
+              <a:rPr lang="en-US" altLang="ko-KR" dirty="0"/>
+              <a:t>, </a:t>
+            </a:r>
+            <a:r>
+              <a:rPr lang="ko-KR" altLang="en-US" dirty="0"/>
+              <a:t>주성분들은 이전까지의 주성분들과 직교하기 때문에 </a:t>
+            </a:r>
+            <a:r>
+              <a:rPr lang="en-US" altLang="ko-KR" dirty="0"/>
+              <a:t>V</a:t>
+            </a:r>
+            <a:r>
+              <a:rPr lang="ko-KR" altLang="en-US" dirty="0"/>
+              <a:t>는 직교행렬 입니다</a:t>
+            </a:r>
+            <a:r>
+              <a:rPr lang="en-US" altLang="ko-KR" dirty="0"/>
+              <a:t>.</a:t>
             </a:r>
           </a:p>
           <a:p>
@@ -1179,62 +1287,23 @@
             </a:pPr>
             <a:r>
               <a:rPr lang="ko-KR" altLang="en-US" dirty="0"/>
-              <a:t>서포트 벡터 </a:t>
+              <a:t>그리고</a:t>
+            </a:r>
+            <a:r>
+              <a:rPr lang="en-US" altLang="ko-KR" dirty="0"/>
+              <a:t>, </a:t>
+            </a:r>
+            <a:r>
+              <a:rPr lang="ko-KR" altLang="en-US" dirty="0"/>
+              <a:t>시그마에는 원본 행렬의 </a:t>
             </a:r>
             <a:r>
               <a:rPr lang="ko-KR" altLang="en-US" dirty="0" err="1"/>
-              <a:t>머신의</a:t>
-            </a:r>
-            <a:r>
-              <a:rPr lang="ko-KR" altLang="en-US" dirty="0"/>
-              <a:t> 장점으로는 이상치에 대한 영향이 적고</a:t>
-            </a:r>
-            <a:r>
-              <a:rPr lang="en-US" altLang="ko-KR" dirty="0"/>
-              <a:t>, </a:t>
-            </a:r>
-            <a:r>
-              <a:rPr lang="ko-KR" altLang="en-US" dirty="0" err="1"/>
-              <a:t>오버피팅의</a:t>
-            </a:r>
-            <a:r>
-              <a:rPr lang="ko-KR" altLang="en-US" dirty="0"/>
-              <a:t> 가능성이 낮다는 점이 있습니다</a:t>
-            </a:r>
-            <a:r>
-              <a:rPr lang="en-US" altLang="ko-KR" dirty="0"/>
-              <a:t>.</a:t>
-            </a:r>
-          </a:p>
-          <a:p>
-            <a:pPr marL="0" marR="0" indent="0" algn="l" defTabSz="914400" rtl="0" eaLnBrk="1" fontAlgn="auto" latinLnBrk="1" hangingPunct="1">
-              <a:lnSpc>
-                <a:spcPct val="100000"/>
-              </a:lnSpc>
-              <a:spcBef>
-                <a:spcPts val="0"/>
-              </a:spcBef>
-              <a:spcAft>
-                <a:spcPts val="0"/>
-              </a:spcAft>
-              <a:buClrTx/>
-              <a:buSzTx/>
-              <a:buFontTx/>
-              <a:buNone/>
-              <a:tabLst/>
-              <a:defRPr/>
-            </a:pPr>
-            <a:r>
-              <a:rPr lang="ko-KR" altLang="en-US" dirty="0"/>
-              <a:t>단점으로는 추후에 설명드릴 </a:t>
-            </a:r>
-            <a:r>
-              <a:rPr lang="ko-KR" altLang="en-US" dirty="0" err="1"/>
-              <a:t>하이퍼파라미터에</a:t>
-            </a:r>
-            <a:r>
-              <a:rPr lang="ko-KR" altLang="en-US" dirty="0"/>
-              <a:t> 대한 다양한 조합을 테스트해야 하기 때문에 학습 속도가 느리다는 점이 있습니다</a:t>
+              <a:t>특이값이</a:t>
+            </a:r>
+            <a:r>
+              <a:rPr lang="ko-KR" altLang="en-US" dirty="0"/>
+              <a:t> 담기게 됩니다</a:t>
             </a:r>
             <a:r>
               <a:rPr lang="en-US" altLang="ko-KR" dirty="0"/>
@@ -1346,23 +1415,7 @@
             </a:pPr>
             <a:r>
               <a:rPr lang="ko-KR" altLang="en-US" dirty="0"/>
-              <a:t>서포트 벡터 </a:t>
-            </a:r>
-            <a:r>
-              <a:rPr lang="ko-KR" altLang="en-US" dirty="0" err="1"/>
-              <a:t>머신은</a:t>
-            </a:r>
-            <a:r>
-              <a:rPr lang="ko-KR" altLang="en-US" dirty="0"/>
-              <a:t> 선형</a:t>
-            </a:r>
-            <a:r>
-              <a:rPr lang="en-US" altLang="ko-KR" dirty="0"/>
-              <a:t>, </a:t>
-            </a:r>
-            <a:r>
-              <a:rPr lang="ko-KR" altLang="en-US" dirty="0"/>
-              <a:t>비선형의 데이터셋에 대한 분류와 회귀 모델로 사용될 수 있습니다</a:t>
+              <a:t>이제 주성분을 이용해서 차원을 축소하는 방법에 대해 살펴보겠습니다</a:t>
             </a:r>
             <a:r>
               <a:rPr lang="en-US" altLang="ko-KR" dirty="0"/>
@@ -1389,23 +1442,31 @@
             </a:pPr>
             <a:r>
               <a:rPr lang="ko-KR" altLang="en-US" dirty="0"/>
-              <a:t>또한</a:t>
-            </a:r>
-            <a:r>
-              <a:rPr lang="en-US" altLang="ko-KR" dirty="0"/>
-              <a:t>, </a:t>
-            </a:r>
-            <a:r>
-              <a:rPr lang="ko-KR" altLang="en-US" dirty="0"/>
-              <a:t>이상치 탐지 등에도 사용이 가능한 다목적 </a:t>
-            </a:r>
-            <a:r>
-              <a:rPr lang="ko-KR" altLang="en-US" dirty="0" err="1"/>
-              <a:t>머신러닝</a:t>
-            </a:r>
-            <a:r>
-              <a:rPr lang="ko-KR" altLang="en-US" dirty="0"/>
-              <a:t> 모델입니다</a:t>
+              <a:t>차원을 </a:t>
+            </a:r>
+            <a:r>
+              <a:rPr lang="en-US" altLang="ko-KR" dirty="0"/>
+              <a:t>d-</a:t>
+            </a:r>
+            <a:r>
+              <a:rPr lang="ko-KR" altLang="en-US" dirty="0"/>
+              <a:t>차원으로 축소시키려면</a:t>
+            </a:r>
+            <a:r>
+              <a:rPr lang="en-US" altLang="ko-KR" dirty="0"/>
+              <a:t>, d</a:t>
+            </a:r>
+            <a:r>
+              <a:rPr lang="ko-KR" altLang="en-US" dirty="0"/>
+              <a:t>번째 주성분까지 뽑아내서 훈련 세트에 내적을 하면 </a:t>
+            </a:r>
+            <a:r>
+              <a:rPr lang="en-US" altLang="ko-KR" dirty="0"/>
+              <a:t>d-</a:t>
+            </a:r>
+            <a:r>
+              <a:rPr lang="ko-KR" altLang="en-US" dirty="0"/>
+              <a:t>차원으로 축소된 훈련 세트를 얻을 수 있습니다</a:t>
             </a:r>
             <a:r>
               <a:rPr lang="en-US" altLang="ko-KR" dirty="0"/>
@@ -1431,16 +1492,36 @@
               <a:defRPr/>
             </a:pPr>
             <a:r>
-              <a:rPr lang="ko-KR" altLang="en-US" dirty="0"/>
-              <a:t>서포트 벡터 </a:t>
-            </a:r>
-            <a:r>
               <a:rPr lang="ko-KR" altLang="en-US" dirty="0" err="1"/>
-              <a:t>머신의</a:t>
-            </a:r>
-            <a:r>
-              <a:rPr lang="ko-KR" altLang="en-US" dirty="0"/>
-              <a:t> 가장 기본 컨셉은 왼쪽 그림에서 나타난 것처럼 클래스 사이에 마진을 설정하는 것입니다</a:t>
+              <a:t>사이킷런에서</a:t>
+            </a:r>
+            <a:r>
+              <a:rPr lang="ko-KR" altLang="en-US" dirty="0"/>
+              <a:t> </a:t>
+            </a:r>
+            <a:r>
+              <a:rPr lang="en-US" altLang="ko-KR" dirty="0"/>
+              <a:t>PCA </a:t>
+            </a:r>
+            <a:r>
+              <a:rPr lang="ko-KR" altLang="en-US" dirty="0"/>
+              <a:t>클래스를 이용할 때에는</a:t>
+            </a:r>
+            <a:r>
+              <a:rPr lang="en-US" altLang="ko-KR" dirty="0"/>
+              <a:t>, </a:t>
+            </a:r>
+            <a:r>
+              <a:rPr lang="ko-KR" altLang="en-US" dirty="0"/>
+              <a:t>매개변수의 </a:t>
+            </a:r>
+            <a:r>
+              <a:rPr lang="en-US" altLang="ko-KR" dirty="0" err="1"/>
+              <a:t>n_components</a:t>
+            </a:r>
+            <a:r>
+              <a:rPr lang="ko-KR" altLang="en-US" dirty="0"/>
+              <a:t>에 값을 넣어서 축소시킬 차원의 수를 설정할 수 있습니다</a:t>
             </a:r>
             <a:r>
               <a:rPr lang="en-US" altLang="ko-KR" dirty="0"/>
@@ -1466,8 +1547,68 @@
               <a:defRPr/>
             </a:pPr>
             <a:r>
-              <a:rPr lang="en-US" altLang="ko-KR" dirty="0"/>
-              <a:t>(click)</a:t>
+              <a:rPr lang="ko-KR" altLang="en-US" dirty="0"/>
+              <a:t>만약</a:t>
+            </a:r>
+            <a:r>
+              <a:rPr lang="en-US" altLang="ko-KR" dirty="0"/>
+              <a:t>, </a:t>
+            </a:r>
+            <a:r>
+              <a:rPr lang="ko-KR" altLang="en-US" dirty="0"/>
+              <a:t>매개변수로</a:t>
+            </a:r>
+            <a:r>
+              <a:rPr lang="en-US" altLang="ko-KR" dirty="0"/>
+              <a:t> 1 </a:t>
+            </a:r>
+            <a:r>
+              <a:rPr lang="ko-KR" altLang="en-US" dirty="0"/>
+              <a:t>이상의 </a:t>
+            </a:r>
+            <a:r>
+              <a:rPr lang="en-US" altLang="ko-KR" dirty="0"/>
+              <a:t>integer </a:t>
+            </a:r>
+            <a:r>
+              <a:rPr lang="ko-KR" altLang="en-US" dirty="0"/>
+              <a:t>값을 넣게 되면</a:t>
+            </a:r>
+            <a:r>
+              <a:rPr lang="en-US" altLang="ko-KR" dirty="0"/>
+              <a:t> </a:t>
+            </a:r>
+            <a:r>
+              <a:rPr lang="ko-KR" altLang="en-US" dirty="0"/>
+              <a:t>축소시킬 차원의 수를 설정하는 것이고</a:t>
+            </a:r>
+            <a:r>
+              <a:rPr lang="en-US" altLang="ko-KR" dirty="0"/>
+              <a:t>, 0</a:t>
+            </a:r>
+            <a:r>
+              <a:rPr lang="ko-KR" altLang="en-US" dirty="0"/>
+              <a:t>부터 </a:t>
+            </a:r>
+            <a:r>
+              <a:rPr lang="en-US" altLang="ko-KR" dirty="0"/>
+              <a:t>1</a:t>
+            </a:r>
+            <a:r>
+              <a:rPr lang="ko-KR" altLang="en-US" dirty="0"/>
+              <a:t>이하의 </a:t>
+            </a:r>
+            <a:r>
+              <a:rPr lang="en-US" altLang="ko-KR" dirty="0"/>
+              <a:t>float </a:t>
+            </a:r>
+            <a:r>
+              <a:rPr lang="ko-KR" altLang="en-US" dirty="0"/>
+              <a:t>타입의 값을 넣게 되면 보존 시킬 분산의 비율을 설정할 수 있습니다</a:t>
+            </a:r>
+            <a:r>
+              <a:rPr lang="en-US" altLang="ko-KR" dirty="0"/>
+              <a:t>.</a:t>
             </a:r>
           </a:p>
           <a:p>
@@ -1490,62 +1631,15 @@
             </a:pPr>
             <a:r>
               <a:rPr lang="ko-KR" altLang="en-US" dirty="0"/>
-              <a:t>서포트 벡터 </a:t>
-            </a:r>
-            <a:r>
-              <a:rPr lang="ko-KR" altLang="en-US" dirty="0" err="1"/>
-              <a:t>머신의</a:t>
-            </a:r>
-            <a:r>
-              <a:rPr lang="ko-KR" altLang="en-US" dirty="0"/>
-              <a:t> 장점으로는 이상치에 대한 영향이 적고</a:t>
+              <a:t>후자의 경우에는 보존할 분산의 비율에 맞게</a:t>
             </a:r>
             <a:r>
               <a:rPr lang="en-US" altLang="ko-KR" dirty="0"/>
               <a:t>, </a:t>
             </a:r>
             <a:r>
-              <a:rPr lang="ko-KR" altLang="en-US" dirty="0" err="1"/>
-              <a:t>오버피팅의</a:t>
-            </a:r>
-            <a:r>
-              <a:rPr lang="ko-KR" altLang="en-US" dirty="0"/>
-              <a:t> 가능성이 낮다는 점이 있습니다</a:t>
-            </a:r>
-            <a:r>
-              <a:rPr lang="en-US" altLang="ko-KR" dirty="0"/>
-              <a:t>.</a:t>
-            </a:r>
-          </a:p>
-          <a:p>
-            <a:pPr marL="0" marR="0" indent="0" algn="l" defTabSz="914400" rtl="0" eaLnBrk="1" fontAlgn="auto" latinLnBrk="1" hangingPunct="1">
-              <a:lnSpc>
-                <a:spcPct val="100000"/>
-              </a:lnSpc>
-              <a:spcBef>
-                <a:spcPts val="0"/>
-              </a:spcBef>
-              <a:spcAft>
-                <a:spcPts val="0"/>
-              </a:spcAft>
-              <a:buClrTx/>
-              <a:buSzTx/>
-              <a:buFontTx/>
-              <a:buNone/>
-              <a:tabLst/>
-              <a:defRPr/>
-            </a:pPr>
-            <a:r>
-              <a:rPr lang="ko-KR" altLang="en-US" dirty="0"/>
-              <a:t>단점으로는 추후에 설명드릴 </a:t>
-            </a:r>
-            <a:r>
-              <a:rPr lang="ko-KR" altLang="en-US" dirty="0" err="1"/>
-              <a:t>하이퍼파라미터에</a:t>
-            </a:r>
-            <a:r>
-              <a:rPr lang="ko-KR" altLang="en-US" dirty="0"/>
-              <a:t> 대한 다양한 조합을 테스트해야 하기 때문에 학습 속도가 느리다는 점이 있습니다</a:t>
+              <a:rPr lang="ko-KR" altLang="en-US" dirty="0"/>
+              <a:t>축소시킬 차원의 수를 알아서 설정합니다</a:t>
             </a:r>
             <a:r>
               <a:rPr lang="en-US" altLang="ko-KR" dirty="0"/>
@@ -1657,23 +1751,7 @@
             </a:pPr>
             <a:r>
               <a:rPr lang="ko-KR" altLang="en-US" dirty="0"/>
-              <a:t>서포트 벡터 </a:t>
-            </a:r>
-            <a:r>
-              <a:rPr lang="ko-KR" altLang="en-US" dirty="0" err="1"/>
-              <a:t>머신은</a:t>
-            </a:r>
-            <a:r>
-              <a:rPr lang="ko-KR" altLang="en-US" dirty="0"/>
-              <a:t> 선형</a:t>
-            </a:r>
-            <a:r>
-              <a:rPr lang="en-US" altLang="ko-KR" dirty="0"/>
-              <a:t>, </a:t>
-            </a:r>
-            <a:r>
-              <a:rPr lang="ko-KR" altLang="en-US" dirty="0"/>
-              <a:t>비선형의 데이터셋에 대한 분류와 회귀 모델로 사용될 수 있습니다</a:t>
+              <a:t>차원 축소를 진행하기 전에 축소시킬 적절한 차원의 수를 선택해야 합니다</a:t>
             </a:r>
             <a:r>
               <a:rPr lang="en-US" altLang="ko-KR" dirty="0"/>
@@ -1700,7 +1778,7 @@
             </a:pPr>
             <a:r>
               <a:rPr lang="ko-KR" altLang="en-US" dirty="0"/>
-              <a:t>또한</a:t>
+              <a:t>분산이 원본 데이터셋의 성질을 나타낸다고 할 수 있기 때문에</a:t>
             </a:r>
             <a:r>
               <a:rPr lang="en-US" altLang="ko-KR" dirty="0"/>
@@ -1708,15 +1786,7 @@
             </a:r>
             <a:r>
               <a:rPr lang="ko-KR" altLang="en-US" dirty="0"/>
-              <a:t>이상치 탐지 등에도 사용이 가능한 다목적 </a:t>
-            </a:r>
-            <a:r>
-              <a:rPr lang="ko-KR" altLang="en-US" dirty="0" err="1"/>
-              <a:t>머신러닝</a:t>
-            </a:r>
-            <a:r>
-              <a:rPr lang="ko-KR" altLang="en-US" dirty="0"/>
-              <a:t> 모델입니다</a:t>
+              <a:t>보존할 분산의 비율을 기준으로 축소시킬 차원의 수를 선택할 수 있습니다</a:t>
             </a:r>
             <a:r>
               <a:rPr lang="en-US" altLang="ko-KR" dirty="0"/>
@@ -1743,15 +1813,47 @@
             </a:pPr>
             <a:r>
               <a:rPr lang="ko-KR" altLang="en-US" dirty="0"/>
-              <a:t>서포트 벡터 </a:t>
-            </a:r>
-            <a:r>
-              <a:rPr lang="ko-KR" altLang="en-US" dirty="0" err="1"/>
-              <a:t>머신의</a:t>
-            </a:r>
-            <a:r>
-              <a:rPr lang="ko-KR" altLang="en-US" dirty="0"/>
-              <a:t> 가장 기본 컨셉은 왼쪽 그림에서 나타난 것처럼 클래스 사이에 마진을 설정하는 것입니다</a:t>
+              <a:t>오른쪽의 분산 추이를 보면</a:t>
+            </a:r>
+            <a:r>
+              <a:rPr lang="en-US" altLang="ko-KR" dirty="0"/>
+              <a:t>, </a:t>
+            </a:r>
+            <a:r>
+              <a:rPr lang="ko-KR" altLang="en-US" dirty="0"/>
+              <a:t>전체의 </a:t>
+            </a:r>
+            <a:r>
+              <a:rPr lang="en-US" altLang="ko-KR" dirty="0"/>
+              <a:t>95%</a:t>
+            </a:r>
+            <a:r>
+              <a:rPr lang="ko-KR" altLang="en-US" dirty="0"/>
+              <a:t>의 분산을 보존했음에도</a:t>
+            </a:r>
+            <a:r>
+              <a:rPr lang="en-US" altLang="ko-KR" dirty="0"/>
+              <a:t>, </a:t>
+            </a:r>
+            <a:r>
+              <a:rPr lang="ko-KR" altLang="en-US" dirty="0"/>
+              <a:t>차원은 </a:t>
+            </a:r>
+            <a:r>
+              <a:rPr lang="en-US" altLang="ko-KR" dirty="0"/>
+              <a:t>784</a:t>
+            </a:r>
+            <a:r>
+              <a:rPr lang="ko-KR" altLang="en-US" dirty="0"/>
+              <a:t>개에서 </a:t>
+            </a:r>
+            <a:r>
+              <a:rPr lang="en-US" altLang="ko-KR" dirty="0"/>
+              <a:t>275</a:t>
+            </a:r>
+            <a:r>
+              <a:rPr lang="ko-KR" altLang="en-US" dirty="0"/>
+              <a:t>개로 크게 축소되었습니다</a:t>
             </a:r>
             <a:r>
               <a:rPr lang="en-US" altLang="ko-KR" dirty="0"/>
@@ -1777,92 +1879,37 @@
               <a:defRPr/>
             </a:pPr>
             <a:r>
-              <a:rPr lang="en-US" altLang="ko-KR" dirty="0"/>
-              <a:t>(click)</a:t>
-            </a:r>
-          </a:p>
-          <a:p>
-            <a:pPr marL="0" marR="0" indent="0" algn="l" defTabSz="914400" rtl="0" eaLnBrk="1" fontAlgn="auto" latinLnBrk="1" hangingPunct="1">
-              <a:lnSpc>
-                <a:spcPct val="100000"/>
-              </a:lnSpc>
-              <a:spcBef>
-                <a:spcPts val="0"/>
-              </a:spcBef>
-              <a:spcAft>
-                <a:spcPts val="0"/>
-              </a:spcAft>
-              <a:buClrTx/>
-              <a:buSzTx/>
-              <a:buFontTx/>
-              <a:buNone/>
-              <a:tabLst/>
-              <a:defRPr/>
-            </a:pPr>
-            <a:r>
-              <a:rPr lang="ko-KR" altLang="en-US" dirty="0"/>
-              <a:t>서포트 벡터 </a:t>
-            </a:r>
-            <a:r>
-              <a:rPr lang="ko-KR" altLang="en-US" dirty="0" err="1"/>
-              <a:t>머신의</a:t>
-            </a:r>
-            <a:r>
-              <a:rPr lang="ko-KR" altLang="en-US" dirty="0"/>
-              <a:t> 장점으로는 이상치에 대한 영향이 적고</a:t>
+              <a:rPr lang="ko-KR" altLang="en-US" dirty="0"/>
+              <a:t>그리고</a:t>
             </a:r>
             <a:r>
               <a:rPr lang="en-US" altLang="ko-KR" dirty="0"/>
               <a:t>, </a:t>
             </a:r>
             <a:r>
-              <a:rPr lang="ko-KR" altLang="en-US" dirty="0" err="1"/>
-              <a:t>오버피팅의</a:t>
-            </a:r>
-            <a:r>
-              <a:rPr lang="ko-KR" altLang="en-US" dirty="0"/>
-              <a:t> 가능성이 낮다는 점이 있습니다</a:t>
+              <a:rPr lang="ko-KR" altLang="en-US" dirty="0"/>
+              <a:t>차원이 </a:t>
+            </a:r>
+            <a:r>
+              <a:rPr lang="en-US" altLang="ko-KR" dirty="0"/>
+              <a:t>500</a:t>
+            </a:r>
+            <a:r>
+              <a:rPr lang="ko-KR" altLang="en-US" dirty="0"/>
+              <a:t>개 이상인 경우부터는 차원이 커진다고 해도 분산은 큰 변화를 보이지 않고 거의 </a:t>
+            </a:r>
+            <a:r>
+              <a:rPr lang="en-US" altLang="ko-KR" dirty="0"/>
+              <a:t>1</a:t>
+            </a:r>
+            <a:r>
+              <a:rPr lang="ko-KR" altLang="en-US" dirty="0"/>
+              <a:t>로 수렴한다는 것을 알 수 있습니다</a:t>
             </a:r>
             <a:r>
               <a:rPr lang="en-US" altLang="ko-KR" dirty="0"/>
               <a:t>.</a:t>
             </a:r>
-          </a:p>
-          <a:p>
-            <a:pPr marL="0" marR="0" indent="0" algn="l" defTabSz="914400" rtl="0" eaLnBrk="1" fontAlgn="auto" latinLnBrk="1" hangingPunct="1">
-              <a:lnSpc>
-                <a:spcPct val="100000"/>
-              </a:lnSpc>
-              <a:spcBef>
-                <a:spcPts val="0"/>
-              </a:spcBef>
-              <a:spcAft>
-                <a:spcPts val="0"/>
-              </a:spcAft>
-              <a:buClrTx/>
-              <a:buSzTx/>
-              <a:buFontTx/>
-              <a:buNone/>
-              <a:tabLst/>
-              <a:defRPr/>
-            </a:pPr>
-            <a:r>
-              <a:rPr lang="ko-KR" altLang="en-US" dirty="0"/>
-              <a:t>단점으로는 추후에 설명드릴 </a:t>
-            </a:r>
-            <a:r>
-              <a:rPr lang="ko-KR" altLang="en-US" dirty="0" err="1"/>
-              <a:t>하이퍼파라미터에</a:t>
-            </a:r>
-            <a:r>
-              <a:rPr lang="ko-KR" altLang="en-US" dirty="0"/>
-              <a:t> 대한 다양한 조합을 테스트해야 하기 때문에 학습 속도가 느리다는 점이 있습니다</a:t>
-            </a:r>
-            <a:r>
-              <a:rPr lang="en-US" altLang="ko-KR" dirty="0"/>
-              <a:t>.</a:t>
-            </a:r>
-            <a:endParaRPr lang="ko-KR" altLang="en-US" dirty="0"/>
           </a:p>
         </p:txBody>
       </p:sp>
@@ -1967,16 +2014,20 @@
               <a:defRPr/>
             </a:pPr>
             <a:r>
-              <a:rPr lang="ko-KR" altLang="en-US" dirty="0"/>
-              <a:t>서포트 벡터 </a:t>
-            </a:r>
-            <a:r>
-              <a:rPr lang="ko-KR" altLang="en-US" dirty="0" err="1"/>
-              <a:t>머신은</a:t>
-            </a:r>
-            <a:r>
-              <a:rPr lang="ko-KR" altLang="en-US" dirty="0"/>
-              <a:t> 선형</a:t>
+              <a:rPr lang="en-US" altLang="ko-KR" dirty="0"/>
+              <a:t>PCA</a:t>
+            </a:r>
+            <a:r>
+              <a:rPr lang="ko-KR" altLang="en-US" dirty="0"/>
+              <a:t>로 차원을 축소한 후에</a:t>
+            </a:r>
+            <a:r>
+              <a:rPr lang="en-US" altLang="ko-KR" dirty="0"/>
+              <a:t>, Inverse Transform </a:t>
+            </a:r>
+            <a:r>
+              <a:rPr lang="ko-KR" altLang="en-US" dirty="0"/>
+              <a:t>메소드를 이용하면</a:t>
             </a:r>
             <a:r>
               <a:rPr lang="en-US" altLang="ko-KR" dirty="0"/>
@@ -1984,7 +2035,7 @@
             </a:r>
             <a:r>
               <a:rPr lang="ko-KR" altLang="en-US" dirty="0"/>
-              <a:t>비선형의 데이터셋에 대한 분류와 회귀 모델로 사용될 수 있습니다</a:t>
+              <a:t>데이터셋을 다시 원래의 차원으로 복구할 수 있습니다</a:t>
             </a:r>
             <a:r>
               <a:rPr lang="en-US" altLang="ko-KR" dirty="0"/>
@@ -2011,7 +2062,15 @@
             </a:pPr>
             <a:r>
               <a:rPr lang="ko-KR" altLang="en-US" dirty="0"/>
-              <a:t>또한</a:t>
+              <a:t>하지만</a:t>
+            </a:r>
+            <a:r>
+              <a:rPr lang="en-US" altLang="ko-KR" dirty="0"/>
+              <a:t> PCA</a:t>
+            </a:r>
+            <a:r>
+              <a:rPr lang="ko-KR" altLang="en-US" dirty="0"/>
+              <a:t>를 수행하면서 유실된 분산이 존재하기 때문에</a:t>
             </a:r>
             <a:r>
               <a:rPr lang="en-US" altLang="ko-KR" dirty="0"/>
@@ -2019,15 +2078,7 @@
             </a:r>
             <a:r>
               <a:rPr lang="ko-KR" altLang="en-US" dirty="0"/>
-              <a:t>이상치 탐지 등에도 사용이 가능한 다목적 </a:t>
-            </a:r>
-            <a:r>
-              <a:rPr lang="ko-KR" altLang="en-US" dirty="0" err="1"/>
-              <a:t>머신러닝</a:t>
-            </a:r>
-            <a:r>
-              <a:rPr lang="ko-KR" altLang="en-US" dirty="0"/>
-              <a:t> 모델입니다</a:t>
+              <a:t>원본 데이터셋과 동일하지는 않게 됩니다</a:t>
             </a:r>
             <a:r>
               <a:rPr lang="en-US" altLang="ko-KR" dirty="0"/>
@@ -2054,120 +2105,50 @@
             </a:pPr>
             <a:r>
               <a:rPr lang="ko-KR" altLang="en-US" dirty="0"/>
-              <a:t>서포트 벡터 </a:t>
-            </a:r>
-            <a:r>
-              <a:rPr lang="ko-KR" altLang="en-US" dirty="0" err="1"/>
-              <a:t>머신의</a:t>
-            </a:r>
-            <a:r>
-              <a:rPr lang="ko-KR" altLang="en-US" dirty="0"/>
-              <a:t> 가장 기본 컨셉은 왼쪽 그림에서 나타난 것처럼 클래스 사이에 마진을 설정하는 것입니다</a:t>
+              <a:t>다음 그림에서</a:t>
+            </a:r>
+            <a:r>
+              <a:rPr lang="en-US" altLang="ko-KR" dirty="0"/>
+              <a:t>, </a:t>
+            </a:r>
+            <a:r>
+              <a:rPr lang="ko-KR" altLang="en-US" dirty="0"/>
+              <a:t>위의 그림들은 원본 샘플들이고</a:t>
+            </a:r>
+            <a:r>
+              <a:rPr lang="en-US" altLang="ko-KR" dirty="0"/>
+              <a:t>, </a:t>
+            </a:r>
+            <a:r>
+              <a:rPr lang="ko-KR" altLang="en-US" dirty="0"/>
+              <a:t>아래의 그림들은 </a:t>
+            </a:r>
+            <a:r>
+              <a:rPr lang="en-US" altLang="ko-KR" dirty="0"/>
+              <a:t>95%</a:t>
+            </a:r>
+            <a:r>
+              <a:rPr lang="ko-KR" altLang="en-US" dirty="0"/>
+              <a:t>의 분산을 보존하도록 해서 차원을 축소시킨 후에 원래의 차원으로 복구한 그림입니다</a:t>
             </a:r>
             <a:r>
               <a:rPr lang="en-US" altLang="ko-KR" dirty="0"/>
               <a:t>.</a:t>
             </a:r>
-          </a:p>
-          <a:p>
-            <a:pPr marL="0" marR="0" indent="0" algn="l" defTabSz="914400" rtl="0" eaLnBrk="1" fontAlgn="auto" latinLnBrk="1" hangingPunct="1">
-              <a:lnSpc>
-                <a:spcPct val="100000"/>
-              </a:lnSpc>
-              <a:spcBef>
-                <a:spcPts val="0"/>
-              </a:spcBef>
-              <a:spcAft>
-                <a:spcPts val="0"/>
-              </a:spcAft>
-              <a:buClrTx/>
-              <a:buSzTx/>
-              <a:buFontTx/>
-              <a:buNone/>
-              <a:tabLst/>
-              <a:defRPr/>
-            </a:pPr>
-            <a:r>
-              <a:rPr lang="en-US" altLang="ko-KR" dirty="0"/>
-              <a:t>(click)</a:t>
-            </a:r>
-          </a:p>
-          <a:p>
-            <a:pPr marL="0" marR="0" indent="0" algn="l" defTabSz="914400" rtl="0" eaLnBrk="1" fontAlgn="auto" latinLnBrk="1" hangingPunct="1">
-              <a:lnSpc>
-                <a:spcPct val="100000"/>
-              </a:lnSpc>
-              <a:spcBef>
-                <a:spcPts val="0"/>
-              </a:spcBef>
-              <a:spcAft>
-                <a:spcPts val="0"/>
-              </a:spcAft>
-              <a:buClrTx/>
-              <a:buSzTx/>
-              <a:buFontTx/>
-              <a:buNone/>
-              <a:tabLst/>
-              <a:defRPr/>
-            </a:pPr>
-            <a:r>
-              <a:rPr lang="ko-KR" altLang="en-US" dirty="0"/>
-              <a:t>서포트 벡터 </a:t>
-            </a:r>
-            <a:r>
-              <a:rPr lang="ko-KR" altLang="en-US" dirty="0" err="1"/>
-              <a:t>머신의</a:t>
-            </a:r>
-            <a:r>
-              <a:rPr lang="ko-KR" altLang="en-US" dirty="0"/>
-              <a:t> 장점으로는 이상치에 대한 영향이 적고</a:t>
+            <a:br>
+              <a:rPr lang="en-US" altLang="ko-KR" dirty="0"/>
+            </a:br>
+            <a:r>
+              <a:rPr lang="ko-KR" altLang="en-US" dirty="0"/>
+              <a:t>원본 샘플에 비해서 유실된 정보는 있지만</a:t>
             </a:r>
             <a:r>
               <a:rPr lang="en-US" altLang="ko-KR" dirty="0"/>
               <a:t>, </a:t>
             </a:r>
             <a:r>
-              <a:rPr lang="ko-KR" altLang="en-US" dirty="0" err="1"/>
-              <a:t>오버피팅의</a:t>
-            </a:r>
-            <a:r>
-              <a:rPr lang="ko-KR" altLang="en-US" dirty="0"/>
-              <a:t> 가능성이 낮다는 점이 있습니다</a:t>
-            </a:r>
-            <a:r>
-              <a:rPr lang="en-US" altLang="ko-KR" dirty="0"/>
-              <a:t>.</a:t>
-            </a:r>
-          </a:p>
-          <a:p>
-            <a:pPr marL="0" marR="0" indent="0" algn="l" defTabSz="914400" rtl="0" eaLnBrk="1" fontAlgn="auto" latinLnBrk="1" hangingPunct="1">
-              <a:lnSpc>
-                <a:spcPct val="100000"/>
-              </a:lnSpc>
-              <a:spcBef>
-                <a:spcPts val="0"/>
-              </a:spcBef>
-              <a:spcAft>
-                <a:spcPts val="0"/>
-              </a:spcAft>
-              <a:buClrTx/>
-              <a:buSzTx/>
-              <a:buFontTx/>
-              <a:buNone/>
-              <a:tabLst/>
-              <a:defRPr/>
-            </a:pPr>
-            <a:r>
-              <a:rPr lang="ko-KR" altLang="en-US" dirty="0"/>
-              <a:t>단점으로는 추후에 설명드릴 </a:t>
-            </a:r>
-            <a:r>
-              <a:rPr lang="ko-KR" altLang="en-US" dirty="0" err="1"/>
-              <a:t>하이퍼파라미터에</a:t>
-            </a:r>
-            <a:r>
-              <a:rPr lang="ko-KR" altLang="en-US" dirty="0"/>
-              <a:t> 대한 다양한 조합을 테스트해야 하기 때문에 학습 속도가 느리다는 점이 있습니다</a:t>
+              <a:rPr lang="ko-KR" altLang="en-US" dirty="0"/>
+              <a:t>거의 대부분의 성질은 유지하고 있다는 것을 알 수 있습니다</a:t>
             </a:r>
             <a:r>
               <a:rPr lang="en-US" altLang="ko-KR" dirty="0"/>
@@ -2278,16 +2259,12 @@
               <a:defRPr/>
             </a:pPr>
             <a:r>
-              <a:rPr lang="ko-KR" altLang="en-US" dirty="0"/>
-              <a:t>서포트 벡터 </a:t>
-            </a:r>
-            <a:r>
-              <a:rPr lang="ko-KR" altLang="en-US" dirty="0" err="1"/>
-              <a:t>머신은</a:t>
-            </a:r>
-            <a:r>
-              <a:rPr lang="ko-KR" altLang="en-US" dirty="0"/>
-              <a:t> 선형</a:t>
+              <a:rPr lang="en-US" altLang="ko-KR" dirty="0"/>
+              <a:t>PCA</a:t>
+            </a:r>
+            <a:r>
+              <a:rPr lang="ko-KR" altLang="en-US" dirty="0"/>
+              <a:t>는 전체 데이터셋을 이용하여 주성분을 찾기때문에</a:t>
             </a:r>
             <a:r>
               <a:rPr lang="en-US" altLang="ko-KR" dirty="0"/>
@@ -2295,7 +2272,7 @@
             </a:r>
             <a:r>
               <a:rPr lang="ko-KR" altLang="en-US" dirty="0"/>
-              <a:t>비선형의 데이터셋에 대한 분류와 회귀 모델로 사용될 수 있습니다</a:t>
+              <a:t>큰 데이터셋의 경우에는 시간이 오래 걸릴 수도 있습니다</a:t>
             </a:r>
             <a:r>
               <a:rPr lang="en-US" altLang="ko-KR" dirty="0"/>
@@ -2322,23 +2299,15 @@
             </a:pPr>
             <a:r>
               <a:rPr lang="ko-KR" altLang="en-US" dirty="0"/>
-              <a:t>또한</a:t>
-            </a:r>
-            <a:r>
-              <a:rPr lang="en-US" altLang="ko-KR" dirty="0"/>
-              <a:t>, </a:t>
-            </a:r>
-            <a:r>
-              <a:rPr lang="ko-KR" altLang="en-US" dirty="0"/>
-              <a:t>이상치 탐지 등에도 사용이 가능한 다목적 </a:t>
-            </a:r>
-            <a:r>
-              <a:rPr lang="ko-KR" altLang="en-US" dirty="0" err="1"/>
-              <a:t>머신러닝</a:t>
-            </a:r>
-            <a:r>
-              <a:rPr lang="ko-KR" altLang="en-US" dirty="0"/>
-              <a:t> 모델입니다</a:t>
+              <a:t>이 경우에</a:t>
+            </a:r>
+            <a:r>
+              <a:rPr lang="en-US" altLang="ko-KR" dirty="0"/>
+              <a:t>, Random PCA</a:t>
+            </a:r>
+            <a:r>
+              <a:rPr lang="ko-KR" altLang="en-US" dirty="0"/>
+              <a:t>를 사용하면 확률적 알고리즘을 통해 주성분들의 근삿값을 빠르게 찾을 수 있습니다</a:t>
             </a:r>
             <a:r>
               <a:rPr lang="en-US" altLang="ko-KR" dirty="0"/>
@@ -2365,15 +2334,15 @@
             </a:pPr>
             <a:r>
               <a:rPr lang="ko-KR" altLang="en-US" dirty="0"/>
-              <a:t>서포트 벡터 </a:t>
-            </a:r>
-            <a:r>
-              <a:rPr lang="ko-KR" altLang="en-US" dirty="0" err="1"/>
-              <a:t>머신의</a:t>
-            </a:r>
-            <a:r>
-              <a:rPr lang="ko-KR" altLang="en-US" dirty="0"/>
-              <a:t> 가장 기본 컨셉은 왼쪽 그림에서 나타난 것처럼 클래스 사이에 마진을 설정하는 것입니다</a:t>
+              <a:t>또한</a:t>
+            </a:r>
+            <a:r>
+              <a:rPr lang="en-US" altLang="ko-KR" dirty="0"/>
+              <a:t>, </a:t>
+            </a:r>
+            <a:r>
+              <a:rPr lang="ko-KR" altLang="en-US" dirty="0"/>
+              <a:t>전체 데이터셋이 매우 큰 경우에는 메모리에 데이터셋 전체를 적재하기 힘들 수도 있습니다</a:t>
             </a:r>
             <a:r>
               <a:rPr lang="en-US" altLang="ko-KR" dirty="0"/>
@@ -2399,86 +2368,32 @@
               <a:defRPr/>
             </a:pPr>
             <a:r>
-              <a:rPr lang="en-US" altLang="ko-KR" dirty="0"/>
-              <a:t>(click)</a:t>
-            </a:r>
-          </a:p>
-          <a:p>
-            <a:pPr marL="0" marR="0" indent="0" algn="l" defTabSz="914400" rtl="0" eaLnBrk="1" fontAlgn="auto" latinLnBrk="1" hangingPunct="1">
-              <a:lnSpc>
-                <a:spcPct val="100000"/>
-              </a:lnSpc>
-              <a:spcBef>
-                <a:spcPts val="0"/>
-              </a:spcBef>
-              <a:spcAft>
-                <a:spcPts val="0"/>
-              </a:spcAft>
-              <a:buClrTx/>
-              <a:buSzTx/>
-              <a:buFontTx/>
-              <a:buNone/>
-              <a:tabLst/>
-              <a:defRPr/>
-            </a:pPr>
-            <a:r>
-              <a:rPr lang="ko-KR" altLang="en-US" dirty="0"/>
-              <a:t>서포트 벡터 </a:t>
-            </a:r>
-            <a:r>
-              <a:rPr lang="ko-KR" altLang="en-US" dirty="0" err="1"/>
-              <a:t>머신의</a:t>
-            </a:r>
-            <a:r>
-              <a:rPr lang="ko-KR" altLang="en-US" dirty="0"/>
-              <a:t> 장점으로는 이상치에 대한 영향이 적고</a:t>
+              <a:rPr lang="ko-KR" altLang="en-US" dirty="0"/>
+              <a:t>이 경우에</a:t>
             </a:r>
             <a:r>
               <a:rPr lang="en-US" altLang="ko-KR" dirty="0"/>
               <a:t>, </a:t>
             </a:r>
             <a:r>
-              <a:rPr lang="ko-KR" altLang="en-US" dirty="0" err="1"/>
-              <a:t>오버피팅의</a:t>
-            </a:r>
-            <a:r>
-              <a:rPr lang="ko-KR" altLang="en-US" dirty="0"/>
-              <a:t> 가능성이 낮다는 점이 있습니다</a:t>
-            </a:r>
-            <a:r>
-              <a:rPr lang="en-US" altLang="ko-KR" dirty="0"/>
-              <a:t>.</a:t>
-            </a:r>
-          </a:p>
-          <a:p>
-            <a:pPr marL="0" marR="0" indent="0" algn="l" defTabSz="914400" rtl="0" eaLnBrk="1" fontAlgn="auto" latinLnBrk="1" hangingPunct="1">
-              <a:lnSpc>
-                <a:spcPct val="100000"/>
-              </a:lnSpc>
-              <a:spcBef>
-                <a:spcPts val="0"/>
-              </a:spcBef>
-              <a:spcAft>
-                <a:spcPts val="0"/>
-              </a:spcAft>
-              <a:buClrTx/>
-              <a:buSzTx/>
-              <a:buFontTx/>
-              <a:buNone/>
-              <a:tabLst/>
-              <a:defRPr/>
-            </a:pPr>
-            <a:r>
-              <a:rPr lang="ko-KR" altLang="en-US" dirty="0"/>
-              <a:t>단점으로는 추후에 설명드릴 </a:t>
-            </a:r>
-            <a:r>
-              <a:rPr lang="ko-KR" altLang="en-US" dirty="0" err="1"/>
-              <a:t>하이퍼파라미터에</a:t>
-            </a:r>
-            <a:r>
-              <a:rPr lang="ko-KR" altLang="en-US" dirty="0"/>
-              <a:t> 대한 다양한 조합을 테스트해야 하기 때문에 학습 속도가 느리다는 점이 있습니다</a:t>
+              <a:rPr lang="ko-KR" altLang="en-US" dirty="0"/>
+              <a:t>점진적 </a:t>
+            </a:r>
+            <a:r>
+              <a:rPr lang="en-US" altLang="ko-KR" dirty="0"/>
+              <a:t>PCA</a:t>
+            </a:r>
+            <a:r>
+              <a:rPr lang="ko-KR" altLang="en-US" dirty="0"/>
+              <a:t>를 사용하면 전체 데이터셋이 아닌 데이터셋의 미니</a:t>
+            </a:r>
+            <a:r>
+              <a:rPr lang="en-US" altLang="ko-KR" dirty="0"/>
+              <a:t>-</a:t>
+            </a:r>
+            <a:r>
+              <a:rPr lang="ko-KR" altLang="en-US" dirty="0"/>
+              <a:t>배치를 이용해서 점진적으로 차원을 축소시킬 수 있습니다</a:t>
             </a:r>
             <a:r>
               <a:rPr lang="en-US" altLang="ko-KR" dirty="0"/>
@@ -2590,23 +2505,15 @@
             </a:pPr>
             <a:r>
               <a:rPr lang="ko-KR" altLang="en-US" dirty="0"/>
-              <a:t>서포트 벡터 </a:t>
-            </a:r>
-            <a:r>
-              <a:rPr lang="ko-KR" altLang="en-US" dirty="0" err="1"/>
-              <a:t>머신은</a:t>
-            </a:r>
-            <a:r>
-              <a:rPr lang="ko-KR" altLang="en-US" dirty="0"/>
-              <a:t> 선형</a:t>
-            </a:r>
-            <a:r>
-              <a:rPr lang="en-US" altLang="ko-KR" dirty="0"/>
-              <a:t>, </a:t>
-            </a:r>
-            <a:r>
-              <a:rPr lang="ko-KR" altLang="en-US" dirty="0"/>
-              <a:t>비선형의 데이터셋에 대한 분류와 회귀 모델로 사용될 수 있습니다</a:t>
+              <a:t>앞에서 설명한 </a:t>
+            </a:r>
+            <a:r>
+              <a:rPr lang="en-US" altLang="ko-KR" dirty="0"/>
+              <a:t>PCA</a:t>
+            </a:r>
+            <a:r>
+              <a:rPr lang="ko-KR" altLang="en-US" dirty="0"/>
+              <a:t>는 선형 변환 기법을 바탕으로 차원을 축소시킵니다</a:t>
             </a:r>
             <a:r>
               <a:rPr lang="en-US" altLang="ko-KR" dirty="0"/>
@@ -2633,23 +2540,23 @@
             </a:pPr>
             <a:r>
               <a:rPr lang="ko-KR" altLang="en-US" dirty="0"/>
-              <a:t>또한</a:t>
-            </a:r>
-            <a:r>
-              <a:rPr lang="en-US" altLang="ko-KR" dirty="0"/>
-              <a:t>, </a:t>
-            </a:r>
-            <a:r>
-              <a:rPr lang="ko-KR" altLang="en-US" dirty="0"/>
-              <a:t>이상치 탐지 등에도 사용이 가능한 다목적 </a:t>
-            </a:r>
-            <a:r>
-              <a:rPr lang="ko-KR" altLang="en-US" dirty="0" err="1"/>
-              <a:t>머신러닝</a:t>
-            </a:r>
-            <a:r>
-              <a:rPr lang="ko-KR" altLang="en-US" dirty="0"/>
-              <a:t> 모델입니다</a:t>
+              <a:t>따라서 선형으로 분리가 불가능한 훈련 세트에 대해서는 동작하기 힘들 수 있습니다</a:t>
+            </a:r>
+            <a:r>
+              <a:rPr lang="en-US" altLang="ko-KR" dirty="0"/>
+              <a:t>. </a:t>
+            </a:r>
+            <a:r>
+              <a:rPr lang="ko-KR" altLang="en-US" dirty="0"/>
+              <a:t>만약 훈련 세트가 비선형이라면 </a:t>
+            </a:r>
+            <a:r>
+              <a:rPr lang="en-US" altLang="ko-KR" dirty="0"/>
+              <a:t>Kernel PCA</a:t>
+            </a:r>
+            <a:r>
+              <a:rPr lang="ko-KR" altLang="en-US" dirty="0"/>
+              <a:t>를 사용 할 수 있습니다</a:t>
             </a:r>
             <a:r>
               <a:rPr lang="en-US" altLang="ko-KR" dirty="0"/>
@@ -2675,20 +2582,32 @@
               <a:defRPr/>
             </a:pPr>
             <a:r>
-              <a:rPr lang="ko-KR" altLang="en-US" dirty="0"/>
-              <a:t>서포트 벡터 </a:t>
-            </a:r>
-            <a:r>
-              <a:rPr lang="ko-KR" altLang="en-US" dirty="0" err="1"/>
-              <a:t>머신의</a:t>
-            </a:r>
-            <a:r>
-              <a:rPr lang="ko-KR" altLang="en-US" dirty="0"/>
-              <a:t> 가장 기본 컨셉은 왼쪽 그림에서 나타난 것처럼 클래스 사이에 마진을 설정하는 것입니다</a:t>
-            </a:r>
-            <a:r>
-              <a:rPr lang="en-US" altLang="ko-KR" dirty="0"/>
-              <a:t>.</a:t>
+              <a:rPr lang="en-US" altLang="ko-KR" dirty="0"/>
+              <a:t>Kernel PCA</a:t>
+            </a:r>
+            <a:r>
+              <a:rPr lang="ko-KR" altLang="en-US" dirty="0"/>
+              <a:t>는 앞에서의 </a:t>
+            </a:r>
+            <a:r>
+              <a:rPr lang="en-US" altLang="ko-KR" dirty="0"/>
+              <a:t>Kernel SVM</a:t>
+            </a:r>
+            <a:r>
+              <a:rPr lang="ko-KR" altLang="en-US" dirty="0"/>
+              <a:t>에서와 마찬가지로 </a:t>
+            </a:r>
+            <a:r>
+              <a:rPr lang="en-US" altLang="ko-KR" dirty="0"/>
+              <a:t>Kernel </a:t>
+            </a:r>
+            <a:r>
+              <a:rPr lang="ko-KR" altLang="en-US" dirty="0"/>
+              <a:t>함수를 사용합니다</a:t>
+            </a:r>
+            <a:r>
+              <a:rPr lang="en-US" altLang="ko-KR" dirty="0"/>
+              <a:t>. </a:t>
             </a:r>
           </a:p>
           <a:p>
@@ -2711,7 +2630,23 @@
             </a:pPr>
             <a:r>
               <a:rPr lang="en-US" altLang="ko-KR" dirty="0"/>
-              <a:t>(click)</a:t>
+              <a:t>Kernel </a:t>
+            </a:r>
+            <a:r>
+              <a:rPr lang="ko-KR" altLang="en-US" dirty="0"/>
+              <a:t>함수를 이용하여 비선형 훈련세트를 고차원으로 맵핑 시킨 후에 선형적으로 분리가 가능한 초평면을 찾아서 </a:t>
+            </a:r>
+            <a:r>
+              <a:rPr lang="en-US" altLang="ko-KR" dirty="0"/>
+              <a:t>PCA</a:t>
+            </a:r>
+            <a:r>
+              <a:rPr lang="ko-KR" altLang="en-US" dirty="0"/>
+              <a:t>를 진행하게 됩니다</a:t>
+            </a:r>
+            <a:r>
+              <a:rPr lang="en-US" altLang="ko-KR" dirty="0"/>
+              <a:t>.</a:t>
             </a:r>
           </a:p>
           <a:p>
@@ -2734,68 +2669,36 @@
             </a:pPr>
             <a:r>
               <a:rPr lang="ko-KR" altLang="en-US" dirty="0"/>
-              <a:t>서포트 벡터 </a:t>
-            </a:r>
-            <a:r>
-              <a:rPr lang="ko-KR" altLang="en-US" dirty="0" err="1"/>
-              <a:t>머신의</a:t>
-            </a:r>
-            <a:r>
-              <a:rPr lang="ko-KR" altLang="en-US" dirty="0"/>
-              <a:t> 장점으로는 이상치에 대한 영향이 적고</a:t>
+              <a:t>아래 그림을 보시면</a:t>
             </a:r>
             <a:r>
               <a:rPr lang="en-US" altLang="ko-KR" dirty="0"/>
               <a:t>, </a:t>
             </a:r>
             <a:r>
-              <a:rPr lang="ko-KR" altLang="en-US" dirty="0" err="1"/>
-              <a:t>오버피팅의</a:t>
-            </a:r>
-            <a:r>
-              <a:rPr lang="ko-KR" altLang="en-US" dirty="0"/>
-              <a:t> 가능성이 낮다는 점이 있습니다</a:t>
+              <a:rPr lang="ko-KR" altLang="en-US" dirty="0"/>
+              <a:t>기존 </a:t>
+            </a:r>
+            <a:r>
+              <a:rPr lang="en-US" altLang="ko-KR" dirty="0"/>
+              <a:t>PCA</a:t>
+            </a:r>
+            <a:r>
+              <a:rPr lang="ko-KR" altLang="en-US" dirty="0"/>
+              <a:t>는 선형적으로 분리하지 못하는 비선형 데이터셋에 대해 </a:t>
+            </a:r>
+            <a:r>
+              <a:rPr lang="en-US" altLang="ko-KR" dirty="0"/>
+              <a:t>Kernel PCA</a:t>
+            </a:r>
+            <a:r>
+              <a:rPr lang="ko-KR" altLang="en-US" dirty="0"/>
+              <a:t>는 올바른 차원 축소를 수행합니다</a:t>
             </a:r>
             <a:r>
               <a:rPr lang="en-US" altLang="ko-KR" dirty="0"/>
               <a:t>.</a:t>
             </a:r>
-          </a:p>
-          <a:p>
-            <a:pPr marL="0" marR="0" indent="0" algn="l" defTabSz="914400" rtl="0" eaLnBrk="1" fontAlgn="auto" latinLnBrk="1" hangingPunct="1">
-              <a:lnSpc>
-                <a:spcPct val="100000"/>
-              </a:lnSpc>
-              <a:spcBef>
-                <a:spcPts val="0"/>
-              </a:spcBef>
-              <a:spcAft>
-                <a:spcPts val="0"/>
-              </a:spcAft>
-              <a:buClrTx/>
-              <a:buSzTx/>
-              <a:buFontTx/>
-              <a:buNone/>
-              <a:tabLst/>
-              <a:defRPr/>
-            </a:pPr>
-            <a:r>
-              <a:rPr lang="ko-KR" altLang="en-US" dirty="0"/>
-              <a:t>단점으로는 추후에 설명드릴 </a:t>
-            </a:r>
-            <a:r>
-              <a:rPr lang="ko-KR" altLang="en-US" dirty="0" err="1"/>
-              <a:t>하이퍼파라미터에</a:t>
-            </a:r>
-            <a:r>
-              <a:rPr lang="ko-KR" altLang="en-US" dirty="0"/>
-              <a:t> 대한 다양한 조합을 테스트해야 하기 때문에 학습 속도가 느리다는 점이 있습니다</a:t>
-            </a:r>
-            <a:r>
-              <a:rPr lang="en-US" altLang="ko-KR" dirty="0"/>
-              <a:t>.</a:t>
-            </a:r>
-            <a:endParaRPr lang="ko-KR" altLang="en-US" dirty="0"/>
           </a:p>
         </p:txBody>
       </p:sp>
@@ -2900,24 +2803,20 @@
               <a:defRPr/>
             </a:pPr>
             <a:r>
-              <a:rPr lang="ko-KR" altLang="en-US" dirty="0"/>
-              <a:t>서포트 벡터 </a:t>
-            </a:r>
-            <a:r>
-              <a:rPr lang="ko-KR" altLang="en-US" dirty="0" err="1"/>
-              <a:t>머신은</a:t>
-            </a:r>
-            <a:r>
-              <a:rPr lang="ko-KR" altLang="en-US" dirty="0"/>
-              <a:t> 선형</a:t>
-            </a:r>
-            <a:r>
-              <a:rPr lang="en-US" altLang="ko-KR" dirty="0"/>
-              <a:t>, </a:t>
-            </a:r>
-            <a:r>
-              <a:rPr lang="ko-KR" altLang="en-US" dirty="0"/>
-              <a:t>비선형의 데이터셋에 대한 분류와 회귀 모델로 사용될 수 있습니다</a:t>
+              <a:rPr lang="en-US" altLang="ko-KR" dirty="0"/>
+              <a:t>Kernel PCA</a:t>
+            </a:r>
+            <a:r>
+              <a:rPr lang="ko-KR" altLang="en-US" dirty="0"/>
+              <a:t>에서는 다양한 커널 함수와 커널 함수에 사용되는 </a:t>
+            </a:r>
+            <a:r>
+              <a:rPr lang="en-US" altLang="ko-KR" dirty="0"/>
+              <a:t>Gamma</a:t>
+            </a:r>
+            <a:r>
+              <a:rPr lang="ko-KR" altLang="en-US" dirty="0"/>
+              <a:t>라는 매개변수 값을 설정해야 합니다</a:t>
             </a:r>
             <a:r>
               <a:rPr lang="en-US" altLang="ko-KR" dirty="0"/>
@@ -2944,23 +2843,23 @@
             </a:pPr>
             <a:r>
               <a:rPr lang="ko-KR" altLang="en-US" dirty="0"/>
-              <a:t>또한</a:t>
-            </a:r>
-            <a:r>
-              <a:rPr lang="en-US" altLang="ko-KR" dirty="0"/>
-              <a:t>, </a:t>
-            </a:r>
-            <a:r>
-              <a:rPr lang="ko-KR" altLang="en-US" dirty="0"/>
-              <a:t>이상치 탐지 등에도 사용이 가능한 다목적 </a:t>
+              <a:t>적절한 </a:t>
             </a:r>
             <a:r>
               <a:rPr lang="ko-KR" altLang="en-US" dirty="0" err="1"/>
-              <a:t>머신러닝</a:t>
-            </a:r>
-            <a:r>
-              <a:rPr lang="ko-KR" altLang="en-US" dirty="0"/>
-              <a:t> 모델입니다</a:t>
+              <a:t>하이퍼파라미터</a:t>
+            </a:r>
+            <a:r>
+              <a:rPr lang="ko-KR" altLang="en-US" dirty="0"/>
+              <a:t> 값을 찾기 위해 그리드 </a:t>
+            </a:r>
+            <a:r>
+              <a:rPr lang="ko-KR" altLang="en-US" dirty="0" err="1"/>
+              <a:t>서치를</a:t>
+            </a:r>
+            <a:r>
+              <a:rPr lang="ko-KR" altLang="en-US" dirty="0"/>
+              <a:t> 사용합니다</a:t>
             </a:r>
             <a:r>
               <a:rPr lang="en-US" altLang="ko-KR" dirty="0"/>
@@ -2987,15 +2886,15 @@
             </a:pPr>
             <a:r>
               <a:rPr lang="ko-KR" altLang="en-US" dirty="0"/>
-              <a:t>서포트 벡터 </a:t>
+              <a:t>축소 이후의 데이터셋에서 선형 관계에 대한 점수를 구하기 위해 로지스틱 </a:t>
             </a:r>
             <a:r>
               <a:rPr lang="ko-KR" altLang="en-US" dirty="0" err="1"/>
-              <a:t>머신의</a:t>
-            </a:r>
-            <a:r>
-              <a:rPr lang="ko-KR" altLang="en-US" dirty="0"/>
-              <a:t> 가장 기본 컨셉은 왼쪽 그림에서 나타난 것처럼 클래스 사이에 마진을 설정하는 것입니다</a:t>
+              <a:t>리그레션을</a:t>
+            </a:r>
+            <a:r>
+              <a:rPr lang="ko-KR" altLang="en-US" dirty="0"/>
+              <a:t> 예측기로 사용합니다</a:t>
             </a:r>
             <a:r>
               <a:rPr lang="en-US" altLang="ko-KR" dirty="0"/>
@@ -3020,93 +2919,7 @@
               <a:tabLst/>
               <a:defRPr/>
             </a:pPr>
-            <a:r>
-              <a:rPr lang="en-US" altLang="ko-KR" dirty="0"/>
-              <a:t>(click)</a:t>
-            </a:r>
-          </a:p>
-          <a:p>
-            <a:pPr marL="0" marR="0" indent="0" algn="l" defTabSz="914400" rtl="0" eaLnBrk="1" fontAlgn="auto" latinLnBrk="1" hangingPunct="1">
-              <a:lnSpc>
-                <a:spcPct val="100000"/>
-              </a:lnSpc>
-              <a:spcBef>
-                <a:spcPts val="0"/>
-              </a:spcBef>
-              <a:spcAft>
-                <a:spcPts val="0"/>
-              </a:spcAft>
-              <a:buClrTx/>
-              <a:buSzTx/>
-              <a:buFontTx/>
-              <a:buNone/>
-              <a:tabLst/>
-              <a:defRPr/>
-            </a:pPr>
-            <a:r>
-              <a:rPr lang="ko-KR" altLang="en-US" dirty="0"/>
-              <a:t>서포트 벡터 </a:t>
-            </a:r>
-            <a:r>
-              <a:rPr lang="ko-KR" altLang="en-US" dirty="0" err="1"/>
-              <a:t>머신의</a:t>
-            </a:r>
-            <a:r>
-              <a:rPr lang="ko-KR" altLang="en-US" dirty="0"/>
-              <a:t> 장점으로는 이상치에 대한 영향이 적고</a:t>
-            </a:r>
-            <a:r>
-              <a:rPr lang="en-US" altLang="ko-KR" dirty="0"/>
-              <a:t>, </a:t>
-            </a:r>
-            <a:r>
-              <a:rPr lang="ko-KR" altLang="en-US" dirty="0" err="1"/>
-              <a:t>오버피팅의</a:t>
-            </a:r>
-            <a:r>
-              <a:rPr lang="ko-KR" altLang="en-US" dirty="0"/>
-              <a:t> 가능성이 낮다는 점이 있습니다</a:t>
-            </a:r>
-            <a:r>
-              <a:rPr lang="en-US" altLang="ko-KR" dirty="0"/>
-              <a:t>.</a:t>
-            </a:r>
-          </a:p>
-          <a:p>
-            <a:pPr marL="0" marR="0" indent="0" algn="l" defTabSz="914400" rtl="0" eaLnBrk="1" fontAlgn="auto" latinLnBrk="1" hangingPunct="1">
-              <a:lnSpc>
-                <a:spcPct val="100000"/>
-              </a:lnSpc>
-              <a:spcBef>
-                <a:spcPts val="0"/>
-              </a:spcBef>
-              <a:spcAft>
-                <a:spcPts val="0"/>
-              </a:spcAft>
-              <a:buClrTx/>
-              <a:buSzTx/>
-              <a:buFontTx/>
-              <a:buNone/>
-              <a:tabLst/>
-              <a:defRPr/>
-            </a:pPr>
-            <a:r>
-              <a:rPr lang="ko-KR" altLang="en-US" dirty="0"/>
-              <a:t>단점으로는 추후에 설명드릴 </a:t>
-            </a:r>
-            <a:r>
-              <a:rPr lang="ko-KR" altLang="en-US" dirty="0" err="1"/>
-              <a:t>하이퍼파라미터에</a:t>
-            </a:r>
-            <a:r>
-              <a:rPr lang="ko-KR" altLang="en-US" dirty="0"/>
-              <a:t> 대한 다양한 조합을 테스트해야 하기 때문에 학습 속도가 느리다는 점이 있습니다</a:t>
-            </a:r>
-            <a:r>
-              <a:rPr lang="en-US" altLang="ko-KR" dirty="0"/>
-              <a:t>.</a:t>
-            </a:r>
-            <a:endParaRPr lang="ko-KR" altLang="en-US" dirty="0"/>
+            <a:endParaRPr lang="en-US" altLang="ko-KR" dirty="0"/>
           </a:p>
         </p:txBody>
       </p:sp>
@@ -3212,23 +3025,15 @@
             </a:pPr>
             <a:r>
               <a:rPr lang="ko-KR" altLang="en-US" dirty="0"/>
-              <a:t>서포트 벡터 </a:t>
+              <a:t>지역 선형 </a:t>
             </a:r>
             <a:r>
               <a:rPr lang="ko-KR" altLang="en-US" dirty="0" err="1"/>
-              <a:t>머신은</a:t>
-            </a:r>
-            <a:r>
-              <a:rPr lang="ko-KR" altLang="en-US" dirty="0"/>
-              <a:t> 선형</a:t>
-            </a:r>
-            <a:r>
-              <a:rPr lang="en-US" altLang="ko-KR" dirty="0"/>
-              <a:t>, </a:t>
-            </a:r>
-            <a:r>
-              <a:rPr lang="ko-KR" altLang="en-US" dirty="0"/>
-              <a:t>비선형의 데이터셋에 대한 분류와 회귀 모델로 사용될 수 있습니다</a:t>
+              <a:t>임베딩도</a:t>
+            </a:r>
+            <a:r>
+              <a:rPr lang="ko-KR" altLang="en-US" dirty="0"/>
+              <a:t> 비선형 데이터셋에 대한 차원 축소 기법입니다</a:t>
             </a:r>
             <a:r>
               <a:rPr lang="en-US" altLang="ko-KR" dirty="0"/>
@@ -3255,27 +3060,35 @@
             </a:pPr>
             <a:r>
               <a:rPr lang="ko-KR" altLang="en-US" dirty="0"/>
-              <a:t>또한</a:t>
-            </a:r>
-            <a:r>
-              <a:rPr lang="en-US" altLang="ko-KR" dirty="0"/>
-              <a:t>, </a:t>
-            </a:r>
-            <a:r>
-              <a:rPr lang="ko-KR" altLang="en-US" dirty="0"/>
-              <a:t>이상치 탐지 등에도 사용이 가능한 다목적 </a:t>
+              <a:t>지역 선형 </a:t>
             </a:r>
             <a:r>
               <a:rPr lang="ko-KR" altLang="en-US" dirty="0" err="1"/>
-              <a:t>머신러닝</a:t>
-            </a:r>
-            <a:r>
-              <a:rPr lang="ko-KR" altLang="en-US" dirty="0"/>
-              <a:t> 모델입니다</a:t>
-            </a:r>
-            <a:r>
-              <a:rPr lang="en-US" altLang="ko-KR" dirty="0"/>
-              <a:t>.</a:t>
+              <a:t>임베딩은</a:t>
+            </a:r>
+            <a:r>
+              <a:rPr lang="ko-KR" altLang="en-US" dirty="0"/>
+              <a:t> </a:t>
+            </a:r>
+            <a:r>
+              <a:rPr lang="en-US" altLang="ko-KR" dirty="0"/>
+              <a:t>PCA</a:t>
+            </a:r>
+            <a:r>
+              <a:rPr lang="ko-KR" altLang="en-US" dirty="0"/>
+              <a:t>와 달리 투영이 아닌 </a:t>
+            </a:r>
+            <a:r>
+              <a:rPr lang="ko-KR" altLang="en-US" dirty="0" err="1"/>
+              <a:t>매니폴드</a:t>
+            </a:r>
+            <a:r>
+              <a:rPr lang="ko-KR" altLang="en-US" dirty="0"/>
+              <a:t> 학습을 이용합니다</a:t>
+            </a:r>
+            <a:r>
+              <a:rPr lang="en-US" altLang="ko-KR" dirty="0"/>
+              <a:t>. </a:t>
             </a:r>
           </a:p>
           <a:p>
@@ -3298,15 +3111,15 @@
             </a:pPr>
             <a:r>
               <a:rPr lang="ko-KR" altLang="en-US" dirty="0"/>
-              <a:t>서포트 벡터 </a:t>
+              <a:t>각 샘플과 인접한 샘플들의 국부적인 관계를 보존하면서 훈련 세트의 </a:t>
             </a:r>
             <a:r>
               <a:rPr lang="ko-KR" altLang="en-US" dirty="0" err="1"/>
-              <a:t>머신의</a:t>
-            </a:r>
-            <a:r>
-              <a:rPr lang="ko-KR" altLang="en-US" dirty="0"/>
-              <a:t> 가장 기본 컨셉은 왼쪽 그림에서 나타난 것처럼 클래스 사이에 마진을 설정하는 것입니다</a:t>
+              <a:t>저차원</a:t>
+            </a:r>
+            <a:r>
+              <a:rPr lang="ko-KR" altLang="en-US" dirty="0"/>
+              <a:t> 표면을 찾습니다</a:t>
             </a:r>
             <a:r>
               <a:rPr lang="en-US" altLang="ko-KR" dirty="0"/>
@@ -3332,86 +3145,24 @@
               <a:defRPr/>
             </a:pPr>
             <a:r>
-              <a:rPr lang="en-US" altLang="ko-KR" dirty="0"/>
-              <a:t>(click)</a:t>
-            </a:r>
-          </a:p>
-          <a:p>
-            <a:pPr marL="0" marR="0" indent="0" algn="l" defTabSz="914400" rtl="0" eaLnBrk="1" fontAlgn="auto" latinLnBrk="1" hangingPunct="1">
-              <a:lnSpc>
-                <a:spcPct val="100000"/>
-              </a:lnSpc>
-              <a:spcBef>
-                <a:spcPts val="0"/>
-              </a:spcBef>
-              <a:spcAft>
-                <a:spcPts val="0"/>
-              </a:spcAft>
-              <a:buClrTx/>
-              <a:buSzTx/>
-              <a:buFontTx/>
-              <a:buNone/>
-              <a:tabLst/>
-              <a:defRPr/>
-            </a:pPr>
-            <a:r>
-              <a:rPr lang="ko-KR" altLang="en-US" dirty="0"/>
-              <a:t>서포트 벡터 </a:t>
+              <a:rPr lang="ko-KR" altLang="en-US" dirty="0"/>
+              <a:t>지역 선형 </a:t>
             </a:r>
             <a:r>
               <a:rPr lang="ko-KR" altLang="en-US" dirty="0" err="1"/>
-              <a:t>머신의</a:t>
-            </a:r>
-            <a:r>
-              <a:rPr lang="ko-KR" altLang="en-US" dirty="0"/>
-              <a:t> 장점으로는 이상치에 대한 영향이 적고</a:t>
+              <a:t>임베딩은</a:t>
+            </a:r>
+            <a:r>
+              <a:rPr lang="ko-KR" altLang="en-US" dirty="0"/>
+              <a:t> 시간 복잡도에서 샘플 수의 제곱에 해당하는 항을 갖기 때문에</a:t>
             </a:r>
             <a:r>
               <a:rPr lang="en-US" altLang="ko-KR" dirty="0"/>
               <a:t>, </a:t>
             </a:r>
             <a:r>
-              <a:rPr lang="ko-KR" altLang="en-US" dirty="0" err="1"/>
-              <a:t>오버피팅의</a:t>
-            </a:r>
-            <a:r>
-              <a:rPr lang="ko-KR" altLang="en-US" dirty="0"/>
-              <a:t> 가능성이 낮다는 점이 있습니다</a:t>
-            </a:r>
-            <a:r>
-              <a:rPr lang="en-US" altLang="ko-KR" dirty="0"/>
-              <a:t>.</a:t>
-            </a:r>
-          </a:p>
-          <a:p>
-            <a:pPr marL="0" marR="0" indent="0" algn="l" defTabSz="914400" rtl="0" eaLnBrk="1" fontAlgn="auto" latinLnBrk="1" hangingPunct="1">
-              <a:lnSpc>
-                <a:spcPct val="100000"/>
-              </a:lnSpc>
-              <a:spcBef>
-                <a:spcPts val="0"/>
-              </a:spcBef>
-              <a:spcAft>
-                <a:spcPts val="0"/>
-              </a:spcAft>
-              <a:buClrTx/>
-              <a:buSzTx/>
-              <a:buFontTx/>
-              <a:buNone/>
-              <a:tabLst/>
-              <a:defRPr/>
-            </a:pPr>
-            <a:r>
-              <a:rPr lang="ko-KR" altLang="en-US" dirty="0"/>
-              <a:t>단점으로는 추후에 설명드릴 </a:t>
-            </a:r>
-            <a:r>
-              <a:rPr lang="ko-KR" altLang="en-US" dirty="0" err="1"/>
-              <a:t>하이퍼파라미터에</a:t>
-            </a:r>
-            <a:r>
-              <a:rPr lang="ko-KR" altLang="en-US" dirty="0"/>
-              <a:t> 대한 다양한 조합을 테스트해야 하기 때문에 학습 속도가 느리다는 점이 있습니다</a:t>
+              <a:rPr lang="ko-KR" altLang="en-US" dirty="0"/>
+              <a:t>대량의 데이터셋에는 적용하기 힘들다는 특징을 갖고 있습니다</a:t>
             </a:r>
             <a:r>
               <a:rPr lang="en-US" altLang="ko-KR" dirty="0"/>
@@ -3523,23 +3274,11 @@
             </a:pPr>
             <a:r>
               <a:rPr lang="ko-KR" altLang="en-US" dirty="0"/>
-              <a:t>서포트 벡터 </a:t>
+              <a:t>다음으로는 제가 수행한 </a:t>
             </a:r>
             <a:r>
               <a:rPr lang="ko-KR" altLang="en-US" dirty="0" err="1"/>
-              <a:t>머신은</a:t>
-            </a:r>
-            <a:r>
-              <a:rPr lang="ko-KR" altLang="en-US" dirty="0"/>
-              <a:t> 선형</a:t>
-            </a:r>
-            <a:r>
-              <a:rPr lang="en-US" altLang="ko-KR" dirty="0"/>
-              <a:t>, </a:t>
-            </a:r>
-            <a:r>
-              <a:rPr lang="ko-KR" altLang="en-US" dirty="0"/>
-              <a:t>비선형의 데이터셋에 대한 분류와 회귀 모델로 사용될 수 있습니다</a:t>
+              <a:t>실습과정입니다</a:t>
             </a:r>
             <a:r>
               <a:rPr lang="en-US" altLang="ko-KR" dirty="0"/>
@@ -3566,7 +3305,11 @@
             </a:pPr>
             <a:r>
               <a:rPr lang="ko-KR" altLang="en-US" dirty="0"/>
-              <a:t>또한</a:t>
+              <a:t>차원 축소를 </a:t>
+            </a:r>
+            <a:r>
+              <a:rPr lang="ko-KR" altLang="en-US" dirty="0" err="1"/>
+              <a:t>실습하는데에는</a:t>
             </a:r>
             <a:r>
               <a:rPr lang="en-US" altLang="ko-KR" dirty="0"/>
@@ -3574,15 +3317,31 @@
             </a:r>
             <a:r>
               <a:rPr lang="ko-KR" altLang="en-US" dirty="0"/>
-              <a:t>이상치 탐지 등에도 사용이 가능한 다목적 </a:t>
-            </a:r>
-            <a:r>
-              <a:rPr lang="ko-KR" altLang="en-US" dirty="0" err="1"/>
-              <a:t>머신러닝</a:t>
-            </a:r>
-            <a:r>
-              <a:rPr lang="ko-KR" altLang="en-US" dirty="0"/>
-              <a:t> 모델입니다</a:t>
+              <a:t>많은 특성을 갖는 이미지 데이터셋이 적합하다고 생각하여 </a:t>
+            </a:r>
+            <a:r>
+              <a:rPr lang="en-US" altLang="ko-KR" dirty="0"/>
+              <a:t>MNIST</a:t>
+            </a:r>
+            <a:r>
+              <a:rPr lang="ko-KR" altLang="en-US" dirty="0"/>
+              <a:t>와 같이 </a:t>
+            </a:r>
+            <a:r>
+              <a:rPr lang="en-US" altLang="ko-KR" dirty="0"/>
+              <a:t>784</a:t>
+            </a:r>
+            <a:r>
+              <a:rPr lang="ko-KR" altLang="en-US" dirty="0"/>
+              <a:t>개의 특성을 갖는 </a:t>
+            </a:r>
+            <a:r>
+              <a:rPr lang="en-US" altLang="ko-KR" dirty="0"/>
+              <a:t>QuickDraw Dataset</a:t>
+            </a:r>
+            <a:r>
+              <a:rPr lang="ko-KR" altLang="en-US" dirty="0"/>
+              <a:t>을 사용했습니다</a:t>
             </a:r>
             <a:r>
               <a:rPr lang="en-US" altLang="ko-KR" dirty="0"/>
@@ -3609,15 +3368,47 @@
             </a:pPr>
             <a:r>
               <a:rPr lang="ko-KR" altLang="en-US" dirty="0"/>
-              <a:t>서포트 벡터 </a:t>
-            </a:r>
-            <a:r>
-              <a:rPr lang="ko-KR" altLang="en-US" dirty="0" err="1"/>
-              <a:t>머신의</a:t>
-            </a:r>
-            <a:r>
-              <a:rPr lang="ko-KR" altLang="en-US" dirty="0"/>
-              <a:t> 가장 기본 컨셉은 왼쪽 그림에서 나타난 것처럼 클래스 사이에 마진을 설정하는 것입니다</a:t>
+              <a:t>전체 데이터셋은 </a:t>
+            </a:r>
+            <a:r>
+              <a:rPr lang="en-US" altLang="ko-KR" dirty="0"/>
+              <a:t>300</a:t>
+            </a:r>
+            <a:r>
+              <a:rPr lang="ko-KR" altLang="en-US" dirty="0"/>
+              <a:t>개의 클래스와 각 클래스마다 약 </a:t>
+            </a:r>
+            <a:r>
+              <a:rPr lang="en-US" altLang="ko-KR" dirty="0"/>
+              <a:t>14</a:t>
+            </a:r>
+            <a:r>
+              <a:rPr lang="ko-KR" altLang="en-US" dirty="0"/>
+              <a:t>만 장의 그림으로 이루어져 있기 때문에</a:t>
+            </a:r>
+            <a:r>
+              <a:rPr lang="en-US" altLang="ko-KR" dirty="0"/>
+              <a:t>, 8</a:t>
+            </a:r>
+            <a:r>
+              <a:rPr lang="ko-KR" altLang="en-US" dirty="0"/>
+              <a:t>개의 클래스에 대해 </a:t>
+            </a:r>
+            <a:r>
+              <a:rPr lang="en-US" altLang="ko-KR" dirty="0"/>
+              <a:t>1</a:t>
+            </a:r>
+            <a:r>
+              <a:rPr lang="ko-KR" altLang="en-US" dirty="0"/>
+              <a:t>만 장씩 총 </a:t>
+            </a:r>
+            <a:r>
+              <a:rPr lang="en-US" altLang="ko-KR" dirty="0"/>
+              <a:t>8</a:t>
+            </a:r>
+            <a:r>
+              <a:rPr lang="ko-KR" altLang="en-US" dirty="0"/>
+              <a:t>만장으로 데이터셋을 구성하였습니다</a:t>
             </a:r>
             <a:r>
               <a:rPr lang="en-US" altLang="ko-KR" dirty="0"/>
@@ -3643,8 +3434,12 @@
               <a:defRPr/>
             </a:pPr>
             <a:r>
-              <a:rPr lang="en-US" altLang="ko-KR" dirty="0"/>
-              <a:t>(click)</a:t>
+              <a:rPr lang="ko-KR" altLang="en-US" dirty="0"/>
+              <a:t>학습을 진행하기에 앞서서 데이터셋을 살펴보겠습니다</a:t>
+            </a:r>
+            <a:r>
+              <a:rPr lang="en-US" altLang="ko-KR" dirty="0"/>
+              <a:t>.</a:t>
             </a:r>
           </a:p>
           <a:p>
@@ -3667,62 +3462,31 @@
             </a:pPr>
             <a:r>
               <a:rPr lang="ko-KR" altLang="en-US" dirty="0"/>
-              <a:t>서포트 벡터 </a:t>
-            </a:r>
-            <a:r>
-              <a:rPr lang="ko-KR" altLang="en-US" dirty="0" err="1"/>
-              <a:t>머신의</a:t>
-            </a:r>
-            <a:r>
-              <a:rPr lang="ko-KR" altLang="en-US" dirty="0"/>
-              <a:t> 장점으로는 이상치에 대한 영향이 적고</a:t>
+              <a:t>각 클래스에 대한 그림을 살펴보면 알 볼 수 있듯이</a:t>
             </a:r>
             <a:r>
               <a:rPr lang="en-US" altLang="ko-KR" dirty="0"/>
               <a:t>, </a:t>
             </a:r>
             <a:r>
-              <a:rPr lang="ko-KR" altLang="en-US" dirty="0" err="1"/>
-              <a:t>오버피팅의</a:t>
-            </a:r>
-            <a:r>
-              <a:rPr lang="ko-KR" altLang="en-US" dirty="0"/>
-              <a:t> 가능성이 낮다는 점이 있습니다</a:t>
-            </a:r>
-            <a:r>
-              <a:rPr lang="en-US" altLang="ko-KR" dirty="0"/>
-              <a:t>.</a:t>
-            </a:r>
-          </a:p>
-          <a:p>
-            <a:pPr marL="0" marR="0" indent="0" algn="l" defTabSz="914400" rtl="0" eaLnBrk="1" fontAlgn="auto" latinLnBrk="1" hangingPunct="1">
-              <a:lnSpc>
-                <a:spcPct val="100000"/>
-              </a:lnSpc>
-              <a:spcBef>
-                <a:spcPts val="0"/>
-              </a:spcBef>
-              <a:spcAft>
-                <a:spcPts val="0"/>
-              </a:spcAft>
-              <a:buClrTx/>
-              <a:buSzTx/>
-              <a:buFontTx/>
-              <a:buNone/>
-              <a:tabLst/>
-              <a:defRPr/>
-            </a:pPr>
-            <a:r>
-              <a:rPr lang="ko-KR" altLang="en-US" dirty="0"/>
-              <a:t>단점으로는 추후에 설명드릴 </a:t>
-            </a:r>
-            <a:r>
-              <a:rPr lang="ko-KR" altLang="en-US" dirty="0" err="1"/>
-              <a:t>하이퍼파라미터에</a:t>
-            </a:r>
-            <a:r>
-              <a:rPr lang="ko-KR" altLang="en-US" dirty="0"/>
-              <a:t> 대한 다양한 조합을 테스트해야 하기 때문에 학습 속도가 느리다는 점이 있습니다</a:t>
+              <a:rPr lang="ko-KR" altLang="en-US" dirty="0"/>
+              <a:t>개미</a:t>
+            </a:r>
+            <a:r>
+              <a:rPr lang="en-US" altLang="ko-KR" dirty="0"/>
+              <a:t>, </a:t>
+            </a:r>
+            <a:r>
+              <a:rPr lang="ko-KR" altLang="en-US" dirty="0"/>
+              <a:t>낙타</a:t>
+            </a:r>
+            <a:r>
+              <a:rPr lang="en-US" altLang="ko-KR" dirty="0"/>
+              <a:t>, </a:t>
+            </a:r>
+            <a:r>
+              <a:rPr lang="ko-KR" altLang="en-US" dirty="0"/>
+              <a:t>소의 클래스에 대해 서로 잘못 분류하는 경우가 발생할 것으로 예상 할 수 있습니다</a:t>
             </a:r>
             <a:r>
               <a:rPr lang="en-US" altLang="ko-KR" dirty="0"/>
@@ -3941,15 +3705,7 @@
             </a:pPr>
             <a:r>
               <a:rPr lang="ko-KR" altLang="en-US" dirty="0"/>
-              <a:t>서포트 벡터 </a:t>
-            </a:r>
-            <a:r>
-              <a:rPr lang="ko-KR" altLang="en-US" dirty="0" err="1"/>
-              <a:t>머신은</a:t>
-            </a:r>
-            <a:r>
-              <a:rPr lang="ko-KR" altLang="en-US" dirty="0"/>
-              <a:t> 선형</a:t>
+              <a:t>위의 그림은 이 데이터셋에 대한 차원 축소를 진행했을 때에</a:t>
             </a:r>
             <a:r>
               <a:rPr lang="en-US" altLang="ko-KR" dirty="0"/>
@@ -3957,7 +3713,7 @@
             </a:r>
             <a:r>
               <a:rPr lang="ko-KR" altLang="en-US" dirty="0"/>
-              <a:t>비선형의 데이터셋에 대한 분류와 회귀 모델로 사용될 수 있습니다</a:t>
+              <a:t>보존되는 분산에 따른 차원의 수를 나타낸 그래프입니다</a:t>
             </a:r>
             <a:r>
               <a:rPr lang="en-US" altLang="ko-KR" dirty="0"/>
@@ -3984,7 +3740,7 @@
             </a:pPr>
             <a:r>
               <a:rPr lang="ko-KR" altLang="en-US" dirty="0"/>
-              <a:t>또한</a:t>
+              <a:t>차원 축소를 수행하면</a:t>
             </a:r>
             <a:r>
               <a:rPr lang="en-US" altLang="ko-KR" dirty="0"/>
@@ -3992,15 +3748,7 @@
             </a:r>
             <a:r>
               <a:rPr lang="ko-KR" altLang="en-US" dirty="0"/>
-              <a:t>이상치 탐지 등에도 사용이 가능한 다목적 </a:t>
-            </a:r>
-            <a:r>
-              <a:rPr lang="ko-KR" altLang="en-US" dirty="0" err="1"/>
-              <a:t>머신러닝</a:t>
-            </a:r>
-            <a:r>
-              <a:rPr lang="ko-KR" altLang="en-US" dirty="0"/>
-              <a:t> 모델입니다</a:t>
+              <a:t>대부분의 분산을 유지하면서도 차원의 수는 크게 줄어든다는 것을 알 수 있습니다</a:t>
             </a:r>
             <a:r>
               <a:rPr lang="en-US" altLang="ko-KR" dirty="0"/>
@@ -4027,126 +3775,20 @@
             </a:pPr>
             <a:r>
               <a:rPr lang="ko-KR" altLang="en-US" dirty="0"/>
-              <a:t>서포트 벡터 </a:t>
-            </a:r>
-            <a:r>
-              <a:rPr lang="ko-KR" altLang="en-US" dirty="0" err="1"/>
-              <a:t>머신의</a:t>
-            </a:r>
-            <a:r>
-              <a:rPr lang="ko-KR" altLang="en-US" dirty="0"/>
-              <a:t> 가장 기본 컨셉은 왼쪽 그림에서 나타난 것처럼 클래스 사이에 마진을 설정하는 것입니다</a:t>
+              <a:t>아래의 그림은</a:t>
+            </a:r>
+            <a:r>
+              <a:rPr lang="en-US" altLang="ko-KR" dirty="0"/>
+              <a:t> </a:t>
+            </a:r>
+            <a:r>
+              <a:rPr lang="ko-KR" altLang="en-US" dirty="0"/>
+              <a:t>차원축소를 진행한 데이터셋에 대해 다시 원래의 차원으로 복원한 그림입니다</a:t>
             </a:r>
             <a:r>
               <a:rPr lang="en-US" altLang="ko-KR" dirty="0"/>
               <a:t>.</a:t>
             </a:r>
-          </a:p>
-          <a:p>
-            <a:pPr marL="0" marR="0" indent="0" algn="l" defTabSz="914400" rtl="0" eaLnBrk="1" fontAlgn="auto" latinLnBrk="1" hangingPunct="1">
-              <a:lnSpc>
-                <a:spcPct val="100000"/>
-              </a:lnSpc>
-              <a:spcBef>
-                <a:spcPts val="0"/>
-              </a:spcBef>
-              <a:spcAft>
-                <a:spcPts val="0"/>
-              </a:spcAft>
-              <a:buClrTx/>
-              <a:buSzTx/>
-              <a:buFontTx/>
-              <a:buNone/>
-              <a:tabLst/>
-              <a:defRPr/>
-            </a:pPr>
-            <a:r>
-              <a:rPr lang="en-US" altLang="ko-KR" dirty="0"/>
-              <a:t>(click)</a:t>
-            </a:r>
-          </a:p>
-          <a:p>
-            <a:pPr marL="0" marR="0" indent="0" algn="l" defTabSz="914400" rtl="0" eaLnBrk="1" fontAlgn="auto" latinLnBrk="1" hangingPunct="1">
-              <a:lnSpc>
-                <a:spcPct val="100000"/>
-              </a:lnSpc>
-              <a:spcBef>
-                <a:spcPts val="0"/>
-              </a:spcBef>
-              <a:spcAft>
-                <a:spcPts val="0"/>
-              </a:spcAft>
-              <a:buClrTx/>
-              <a:buSzTx/>
-              <a:buFontTx/>
-              <a:buNone/>
-              <a:tabLst/>
-              <a:defRPr/>
-            </a:pPr>
-            <a:r>
-              <a:rPr lang="ko-KR" altLang="en-US" dirty="0"/>
-              <a:t>서포트 벡터 </a:t>
-            </a:r>
-            <a:r>
-              <a:rPr lang="ko-KR" altLang="en-US" dirty="0" err="1"/>
-              <a:t>머신의</a:t>
-            </a:r>
-            <a:r>
-              <a:rPr lang="ko-KR" altLang="en-US" dirty="0"/>
-              <a:t> 장점으로는 이상치에 대한 영향이 적고</a:t>
-            </a:r>
-            <a:r>
-              <a:rPr lang="en-US" altLang="ko-KR" dirty="0"/>
-              <a:t>, </a:t>
-            </a:r>
-            <a:r>
-              <a:rPr lang="ko-KR" altLang="en-US" dirty="0" err="1"/>
-              <a:t>오버피팅의</a:t>
-            </a:r>
-            <a:r>
-              <a:rPr lang="ko-KR" altLang="en-US" dirty="0"/>
-              <a:t> 가능성이 낮다는 점이 있습니다</a:t>
-            </a:r>
-            <a:r>
-              <a:rPr lang="en-US" altLang="ko-KR" dirty="0"/>
-              <a:t>.</a:t>
-            </a:r>
-          </a:p>
-          <a:p>
-            <a:pPr marL="0" marR="0" indent="0" algn="l" defTabSz="914400" rtl="0" eaLnBrk="1" fontAlgn="auto" latinLnBrk="1" hangingPunct="1">
-              <a:lnSpc>
-                <a:spcPct val="100000"/>
-              </a:lnSpc>
-              <a:spcBef>
-                <a:spcPts val="0"/>
-              </a:spcBef>
-              <a:spcAft>
-                <a:spcPts val="0"/>
-              </a:spcAft>
-              <a:buClrTx/>
-              <a:buSzTx/>
-              <a:buFontTx/>
-              <a:buNone/>
-              <a:tabLst/>
-              <a:defRPr/>
-            </a:pPr>
-            <a:r>
-              <a:rPr lang="ko-KR" altLang="en-US" dirty="0"/>
-              <a:t>단점으로는 추후에 설명드릴 </a:t>
-            </a:r>
-            <a:r>
-              <a:rPr lang="ko-KR" altLang="en-US" dirty="0" err="1"/>
-              <a:t>하이퍼파라미터에</a:t>
-            </a:r>
-            <a:r>
-              <a:rPr lang="ko-KR" altLang="en-US" dirty="0"/>
-              <a:t> 대한 다양한 조합을 테스트해야 하기 때문에 학습 속도가 느리다는 점이 있습니다</a:t>
-            </a:r>
-            <a:r>
-              <a:rPr lang="en-US" altLang="ko-KR" dirty="0"/>
-              <a:t>.</a:t>
-            </a:r>
-            <a:endParaRPr lang="ko-KR" altLang="en-US" dirty="0"/>
           </a:p>
         </p:txBody>
       </p:sp>
@@ -4251,16 +3893,12 @@
               <a:defRPr/>
             </a:pPr>
             <a:r>
-              <a:rPr lang="ko-KR" altLang="en-US" dirty="0"/>
-              <a:t>서포트 벡터 </a:t>
-            </a:r>
-            <a:r>
-              <a:rPr lang="ko-KR" altLang="en-US" dirty="0" err="1"/>
-              <a:t>머신은</a:t>
-            </a:r>
-            <a:r>
-              <a:rPr lang="ko-KR" altLang="en-US" dirty="0"/>
-              <a:t> 선형</a:t>
+              <a:rPr lang="en-US" altLang="ko-KR" dirty="0"/>
+              <a:t>PCA</a:t>
+            </a:r>
+            <a:r>
+              <a:rPr lang="ko-KR" altLang="en-US" dirty="0"/>
+              <a:t>를 수행할 때에</a:t>
             </a:r>
             <a:r>
               <a:rPr lang="en-US" altLang="ko-KR" dirty="0"/>
@@ -4268,7 +3906,15 @@
             </a:r>
             <a:r>
               <a:rPr lang="ko-KR" altLang="en-US" dirty="0"/>
-              <a:t>비선형의 데이터셋에 대한 분류와 회귀 모델로 사용될 수 있습니다</a:t>
+              <a:t>축소시킨 차원의 수에 따른 모델의 성능과 학습 시간의 경향을 알아보기 위해 다음과 같이 </a:t>
+            </a:r>
+            <a:r>
+              <a:rPr lang="en-US" altLang="ko-KR" dirty="0"/>
+              <a:t>33</a:t>
+            </a:r>
+            <a:r>
+              <a:rPr lang="ko-KR" altLang="en-US" dirty="0"/>
+              <a:t>개의 분산에 대해 차원 축소 실습을 진행했습니다</a:t>
             </a:r>
             <a:r>
               <a:rPr lang="en-US" altLang="ko-KR" dirty="0"/>
@@ -4295,27 +3941,11 @@
             </a:pPr>
             <a:r>
               <a:rPr lang="ko-KR" altLang="en-US" dirty="0"/>
-              <a:t>또한</a:t>
-            </a:r>
-            <a:r>
-              <a:rPr lang="en-US" altLang="ko-KR" dirty="0"/>
-              <a:t>, </a:t>
-            </a:r>
-            <a:r>
-              <a:rPr lang="ko-KR" altLang="en-US" dirty="0"/>
-              <a:t>이상치 탐지 등에도 사용이 가능한 다목적 </a:t>
-            </a:r>
-            <a:r>
-              <a:rPr lang="ko-KR" altLang="en-US" dirty="0" err="1"/>
-              <a:t>머신러닝</a:t>
-            </a:r>
-            <a:r>
-              <a:rPr lang="ko-KR" altLang="en-US" dirty="0"/>
-              <a:t> 모델입니다</a:t>
-            </a:r>
-            <a:r>
-              <a:rPr lang="en-US" altLang="ko-KR" dirty="0"/>
-              <a:t>.</a:t>
+              <a:t>분산에 따른 축소되는 차원의 수는 아래의 그래프와 같습니다</a:t>
+            </a:r>
+            <a:r>
+              <a:rPr lang="en-US" altLang="ko-KR" dirty="0"/>
+              <a:t>. </a:t>
             </a:r>
           </a:p>
           <a:p>
@@ -4338,120 +3968,7 @@
             </a:pPr>
             <a:r>
               <a:rPr lang="ko-KR" altLang="en-US" dirty="0"/>
-              <a:t>서포트 벡터 </a:t>
-            </a:r>
-            <a:r>
-              <a:rPr lang="ko-KR" altLang="en-US" dirty="0" err="1"/>
-              <a:t>머신의</a:t>
-            </a:r>
-            <a:r>
-              <a:rPr lang="ko-KR" altLang="en-US" dirty="0"/>
-              <a:t> 가장 기본 컨셉은 왼쪽 그림에서 나타난 것처럼 클래스 사이에 마진을 설정하는 것입니다</a:t>
-            </a:r>
-            <a:r>
-              <a:rPr lang="en-US" altLang="ko-KR" dirty="0"/>
-              <a:t>.</a:t>
-            </a:r>
-          </a:p>
-          <a:p>
-            <a:pPr marL="0" marR="0" indent="0" algn="l" defTabSz="914400" rtl="0" eaLnBrk="1" fontAlgn="auto" latinLnBrk="1" hangingPunct="1">
-              <a:lnSpc>
-                <a:spcPct val="100000"/>
-              </a:lnSpc>
-              <a:spcBef>
-                <a:spcPts val="0"/>
-              </a:spcBef>
-              <a:spcAft>
-                <a:spcPts val="0"/>
-              </a:spcAft>
-              <a:buClrTx/>
-              <a:buSzTx/>
-              <a:buFontTx/>
-              <a:buNone/>
-              <a:tabLst/>
-              <a:defRPr/>
-            </a:pPr>
-            <a:r>
-              <a:rPr lang="en-US" altLang="ko-KR" dirty="0"/>
-              <a:t>(click)</a:t>
-            </a:r>
-          </a:p>
-          <a:p>
-            <a:pPr marL="0" marR="0" indent="0" algn="l" defTabSz="914400" rtl="0" eaLnBrk="1" fontAlgn="auto" latinLnBrk="1" hangingPunct="1">
-              <a:lnSpc>
-                <a:spcPct val="100000"/>
-              </a:lnSpc>
-              <a:spcBef>
-                <a:spcPts val="0"/>
-              </a:spcBef>
-              <a:spcAft>
-                <a:spcPts val="0"/>
-              </a:spcAft>
-              <a:buClrTx/>
-              <a:buSzTx/>
-              <a:buFontTx/>
-              <a:buNone/>
-              <a:tabLst/>
-              <a:defRPr/>
-            </a:pPr>
-            <a:r>
-              <a:rPr lang="ko-KR" altLang="en-US" dirty="0"/>
-              <a:t>서포트 벡터 </a:t>
-            </a:r>
-            <a:r>
-              <a:rPr lang="ko-KR" altLang="en-US" dirty="0" err="1"/>
-              <a:t>머신의</a:t>
-            </a:r>
-            <a:r>
-              <a:rPr lang="ko-KR" altLang="en-US" dirty="0"/>
-              <a:t> 장점으로는 이상치에 대한 영향이 적고</a:t>
-            </a:r>
-            <a:r>
-              <a:rPr lang="en-US" altLang="ko-KR" dirty="0"/>
-              <a:t>, </a:t>
-            </a:r>
-            <a:r>
-              <a:rPr lang="ko-KR" altLang="en-US" dirty="0" err="1"/>
-              <a:t>오버피팅의</a:t>
-            </a:r>
-            <a:r>
-              <a:rPr lang="ko-KR" altLang="en-US" dirty="0"/>
-              <a:t> 가능성이 낮다는 점이 있습니다</a:t>
-            </a:r>
-            <a:r>
-              <a:rPr lang="en-US" altLang="ko-KR" dirty="0"/>
-              <a:t>.</a:t>
-            </a:r>
-          </a:p>
-          <a:p>
-            <a:pPr marL="0" marR="0" indent="0" algn="l" defTabSz="914400" rtl="0" eaLnBrk="1" fontAlgn="auto" latinLnBrk="1" hangingPunct="1">
-              <a:lnSpc>
-                <a:spcPct val="100000"/>
-              </a:lnSpc>
-              <a:spcBef>
-                <a:spcPts val="0"/>
-              </a:spcBef>
-              <a:spcAft>
-                <a:spcPts val="0"/>
-              </a:spcAft>
-              <a:buClrTx/>
-              <a:buSzTx/>
-              <a:buFontTx/>
-              <a:buNone/>
-              <a:tabLst/>
-              <a:defRPr/>
-            </a:pPr>
-            <a:r>
-              <a:rPr lang="ko-KR" altLang="en-US" dirty="0"/>
-              <a:t>단점으로는 추후에 설명드릴 </a:t>
-            </a:r>
-            <a:r>
-              <a:rPr lang="ko-KR" altLang="en-US" dirty="0" err="1"/>
-              <a:t>하이퍼파라미터에</a:t>
-            </a:r>
-            <a:r>
-              <a:rPr lang="ko-KR" altLang="en-US" dirty="0"/>
-              <a:t> 대한 다양한 조합을 테스트해야 하기 때문에 학습 속도가 느리다는 점이 있습니다</a:t>
+              <a:t>조금의 분산을 손실하면서 차원을 축소시켜도 차원의 수가 크게 감소하는 것을 알 수 있습니다</a:t>
             </a:r>
             <a:r>
               <a:rPr lang="en-US" altLang="ko-KR" dirty="0"/>
@@ -4563,23 +4080,39 @@
             </a:pPr>
             <a:r>
               <a:rPr lang="ko-KR" altLang="en-US" dirty="0"/>
-              <a:t>서포트 벡터 </a:t>
-            </a:r>
-            <a:r>
-              <a:rPr lang="ko-KR" altLang="en-US" dirty="0" err="1"/>
-              <a:t>머신은</a:t>
-            </a:r>
-            <a:r>
-              <a:rPr lang="ko-KR" altLang="en-US" dirty="0"/>
-              <a:t> 선형</a:t>
+              <a:t>다음은 앞서 말씀드린 </a:t>
+            </a:r>
+            <a:r>
+              <a:rPr lang="en-US" altLang="ko-KR" dirty="0"/>
+              <a:t>33</a:t>
+            </a:r>
+            <a:r>
+              <a:rPr lang="ko-KR" altLang="en-US" dirty="0"/>
+              <a:t>개의 구간에 대해 </a:t>
+            </a:r>
+            <a:r>
+              <a:rPr lang="en-US" altLang="ko-KR" dirty="0"/>
+              <a:t>PCA</a:t>
+            </a:r>
+            <a:r>
+              <a:rPr lang="ko-KR" altLang="en-US" dirty="0"/>
+              <a:t>로 차원 축소를 진행하고</a:t>
             </a:r>
             <a:r>
               <a:rPr lang="en-US" altLang="ko-KR" dirty="0"/>
               <a:t>, </a:t>
             </a:r>
             <a:r>
-              <a:rPr lang="ko-KR" altLang="en-US" dirty="0"/>
-              <a:t>비선형의 데이터셋에 대한 분류와 회귀 모델로 사용될 수 있습니다</a:t>
+              <a:rPr lang="en-US" altLang="ko-KR" dirty="0" err="1"/>
+              <a:t>DecisionTree</a:t>
+            </a:r>
+            <a:r>
+              <a:rPr lang="en-US" altLang="ko-KR" dirty="0"/>
+              <a:t> </a:t>
+            </a:r>
+            <a:r>
+              <a:rPr lang="ko-KR" altLang="en-US" dirty="0"/>
+              <a:t>분류기를 학습시킨 결과입니다</a:t>
             </a:r>
             <a:r>
               <a:rPr lang="en-US" altLang="ko-KR" dirty="0"/>
@@ -4606,7 +4139,7 @@
             </a:pPr>
             <a:r>
               <a:rPr lang="ko-KR" altLang="en-US" dirty="0"/>
-              <a:t>또한</a:t>
+              <a:t>왼쪽의 점수 경향을 보시면</a:t>
             </a:r>
             <a:r>
               <a:rPr lang="en-US" altLang="ko-KR" dirty="0"/>
@@ -4614,15 +4147,31 @@
             </a:r>
             <a:r>
               <a:rPr lang="ko-KR" altLang="en-US" dirty="0"/>
-              <a:t>이상치 탐지 등에도 사용이 가능한 다목적 </a:t>
-            </a:r>
-            <a:r>
-              <a:rPr lang="ko-KR" altLang="en-US" dirty="0" err="1"/>
-              <a:t>머신러닝</a:t>
-            </a:r>
-            <a:r>
-              <a:rPr lang="ko-KR" altLang="en-US" dirty="0"/>
-              <a:t> 모델입니다</a:t>
+              <a:t>특성의 수가 </a:t>
+            </a:r>
+            <a:r>
+              <a:rPr lang="en-US" altLang="ko-KR" dirty="0"/>
+              <a:t>12</a:t>
+            </a:r>
+            <a:r>
+              <a:rPr lang="ko-KR" altLang="en-US" dirty="0"/>
+              <a:t>개인 경우에 가장 높은 점수를 기록하였습니다</a:t>
+            </a:r>
+            <a:r>
+              <a:rPr lang="en-US" altLang="ko-KR" dirty="0"/>
+              <a:t>. </a:t>
+            </a:r>
+            <a:r>
+              <a:rPr lang="ko-KR" altLang="en-US" dirty="0"/>
+              <a:t>그 이후부터는</a:t>
+            </a:r>
+            <a:r>
+              <a:rPr lang="en-US" altLang="ko-KR" dirty="0"/>
+              <a:t>, </a:t>
+            </a:r>
+            <a:r>
+              <a:rPr lang="ko-KR" altLang="en-US" dirty="0"/>
+              <a:t>특성의 수가 늘어나도 점수가 좋아지지는 않았습니다</a:t>
             </a:r>
             <a:r>
               <a:rPr lang="en-US" altLang="ko-KR" dirty="0"/>
@@ -4649,15 +4198,31 @@
             </a:pPr>
             <a:r>
               <a:rPr lang="ko-KR" altLang="en-US" dirty="0"/>
-              <a:t>서포트 벡터 </a:t>
+              <a:t>물론</a:t>
+            </a:r>
+            <a:r>
+              <a:rPr lang="en-US" altLang="ko-KR" dirty="0"/>
+              <a:t>, </a:t>
+            </a:r>
+            <a:r>
+              <a:rPr lang="ko-KR" altLang="en-US" dirty="0"/>
+              <a:t>각 구간에서의 점수는 </a:t>
             </a:r>
             <a:r>
               <a:rPr lang="ko-KR" altLang="en-US" dirty="0" err="1"/>
-              <a:t>머신의</a:t>
-            </a:r>
-            <a:r>
-              <a:rPr lang="ko-KR" altLang="en-US" dirty="0"/>
-              <a:t> 가장 기본 컨셉은 왼쪽 그림에서 나타난 것처럼 클래스 사이에 마진을 설정하는 것입니다</a:t>
+              <a:t>하이퍼파라미터의</a:t>
+            </a:r>
+            <a:r>
+              <a:rPr lang="ko-KR" altLang="en-US" dirty="0"/>
+              <a:t> 튜닝을 하지 않은 점수이기 때문에</a:t>
+            </a:r>
+            <a:r>
+              <a:rPr lang="en-US" altLang="ko-KR" dirty="0"/>
+              <a:t>, </a:t>
+            </a:r>
+            <a:r>
+              <a:rPr lang="ko-KR" altLang="en-US" dirty="0"/>
+              <a:t>모델이 낼 수 있는 최고의 점수라고 할 수는 없습니다</a:t>
             </a:r>
             <a:r>
               <a:rPr lang="en-US" altLang="ko-KR" dirty="0"/>
@@ -4683,8 +4248,20 @@
               <a:defRPr/>
             </a:pPr>
             <a:r>
-              <a:rPr lang="en-US" altLang="ko-KR" dirty="0"/>
-              <a:t>(click)</a:t>
+              <a:rPr lang="ko-KR" altLang="en-US" dirty="0"/>
+              <a:t>하지만</a:t>
+            </a:r>
+            <a:r>
+              <a:rPr lang="en-US" altLang="ko-KR" dirty="0"/>
+              <a:t>, </a:t>
+            </a:r>
+            <a:r>
+              <a:rPr lang="ko-KR" altLang="en-US" dirty="0"/>
+              <a:t>경향을 살펴보기 위해서 이 실습을 진행하였습니다</a:t>
+            </a:r>
+            <a:r>
+              <a:rPr lang="en-US" altLang="ko-KR" dirty="0"/>
+              <a:t>.</a:t>
             </a:r>
           </a:p>
           <a:p>
@@ -4707,62 +4284,15 @@
             </a:pPr>
             <a:r>
               <a:rPr lang="ko-KR" altLang="en-US" dirty="0"/>
-              <a:t>서포트 벡터 </a:t>
-            </a:r>
-            <a:r>
-              <a:rPr lang="ko-KR" altLang="en-US" dirty="0" err="1"/>
-              <a:t>머신의</a:t>
-            </a:r>
-            <a:r>
-              <a:rPr lang="ko-KR" altLang="en-US" dirty="0"/>
-              <a:t> 장점으로는 이상치에 대한 영향이 적고</a:t>
-            </a:r>
-            <a:r>
-              <a:rPr lang="en-US" altLang="ko-KR" dirty="0"/>
-              <a:t>, </a:t>
-            </a:r>
-            <a:r>
-              <a:rPr lang="ko-KR" altLang="en-US" dirty="0" err="1"/>
-              <a:t>오버피팅의</a:t>
-            </a:r>
-            <a:r>
-              <a:rPr lang="ko-KR" altLang="en-US" dirty="0"/>
-              <a:t> 가능성이 낮다는 점이 있습니다</a:t>
-            </a:r>
-            <a:r>
-              <a:rPr lang="en-US" altLang="ko-KR" dirty="0"/>
-              <a:t>.</a:t>
-            </a:r>
-          </a:p>
-          <a:p>
-            <a:pPr marL="0" marR="0" indent="0" algn="l" defTabSz="914400" rtl="0" eaLnBrk="1" fontAlgn="auto" latinLnBrk="1" hangingPunct="1">
-              <a:lnSpc>
-                <a:spcPct val="100000"/>
-              </a:lnSpc>
-              <a:spcBef>
-                <a:spcPts val="0"/>
-              </a:spcBef>
-              <a:spcAft>
-                <a:spcPts val="0"/>
-              </a:spcAft>
-              <a:buClrTx/>
-              <a:buSzTx/>
-              <a:buFontTx/>
-              <a:buNone/>
-              <a:tabLst/>
-              <a:defRPr/>
-            </a:pPr>
-            <a:r>
-              <a:rPr lang="ko-KR" altLang="en-US" dirty="0"/>
-              <a:t>단점으로는 추후에 설명드릴 </a:t>
-            </a:r>
-            <a:r>
-              <a:rPr lang="ko-KR" altLang="en-US" dirty="0" err="1"/>
-              <a:t>하이퍼파라미터에</a:t>
-            </a:r>
-            <a:r>
-              <a:rPr lang="ko-KR" altLang="en-US" dirty="0"/>
-              <a:t> 대한 다양한 조합을 테스트해야 하기 때문에 학습 속도가 느리다는 점이 있습니다</a:t>
+              <a:t>오른쪽은 차원의 수에 따른 학습 시간의 경향입니다</a:t>
+            </a:r>
+            <a:r>
+              <a:rPr lang="en-US" altLang="ko-KR" dirty="0"/>
+              <a:t>. </a:t>
+            </a:r>
+            <a:r>
+              <a:rPr lang="ko-KR" altLang="en-US" dirty="0"/>
+              <a:t>학습 시간이 차원의 수에 따라 선형적으로 증가한다는 것을 알 수 있습니다</a:t>
             </a:r>
             <a:r>
               <a:rPr lang="en-US" altLang="ko-KR" dirty="0"/>
@@ -4874,23 +4404,27 @@
             </a:pPr>
             <a:r>
               <a:rPr lang="ko-KR" altLang="en-US" dirty="0"/>
-              <a:t>서포트 벡터 </a:t>
-            </a:r>
-            <a:r>
-              <a:rPr lang="ko-KR" altLang="en-US" dirty="0" err="1"/>
-              <a:t>머신은</a:t>
-            </a:r>
-            <a:r>
-              <a:rPr lang="ko-KR" altLang="en-US" dirty="0"/>
-              <a:t> 선형</a:t>
-            </a:r>
-            <a:r>
-              <a:rPr lang="en-US" altLang="ko-KR" dirty="0"/>
-              <a:t>, </a:t>
-            </a:r>
-            <a:r>
-              <a:rPr lang="ko-KR" altLang="en-US" dirty="0"/>
-              <a:t>비선형의 데이터셋에 대한 분류와 회귀 모델로 사용될 수 있습니다</a:t>
+              <a:t>다음은 </a:t>
+            </a:r>
+            <a:r>
+              <a:rPr lang="en-US" altLang="ko-KR" dirty="0" err="1"/>
+              <a:t>RandomForest</a:t>
+            </a:r>
+            <a:r>
+              <a:rPr lang="en-US" altLang="ko-KR" dirty="0"/>
+              <a:t> </a:t>
+            </a:r>
+            <a:r>
+              <a:rPr lang="ko-KR" altLang="en-US" dirty="0"/>
+              <a:t>분류기에 대한 점수와 학습시간의 경향입니다</a:t>
+            </a:r>
+            <a:r>
+              <a:rPr lang="en-US" altLang="ko-KR" dirty="0"/>
+              <a:t>. </a:t>
+            </a:r>
+            <a:r>
+              <a:rPr lang="ko-KR" altLang="en-US" dirty="0"/>
+              <a:t>이전의 경우와 동일한 경향을 보였습니다</a:t>
             </a:r>
             <a:r>
               <a:rPr lang="en-US" altLang="ko-KR" dirty="0"/>
@@ -4917,23 +4451,55 @@
             </a:pPr>
             <a:r>
               <a:rPr lang="ko-KR" altLang="en-US" dirty="0"/>
-              <a:t>또한</a:t>
-            </a:r>
-            <a:r>
-              <a:rPr lang="en-US" altLang="ko-KR" dirty="0"/>
-              <a:t>, </a:t>
-            </a:r>
-            <a:r>
-              <a:rPr lang="ko-KR" altLang="en-US" dirty="0"/>
-              <a:t>이상치 탐지 등에도 사용이 가능한 다목적 </a:t>
-            </a:r>
-            <a:r>
-              <a:rPr lang="ko-KR" altLang="en-US" dirty="0" err="1"/>
-              <a:t>머신러닝</a:t>
-            </a:r>
-            <a:r>
-              <a:rPr lang="ko-KR" altLang="en-US" dirty="0"/>
-              <a:t> 모델입니다</a:t>
+              <a:t>하지만</a:t>
+            </a:r>
+            <a:r>
+              <a:rPr lang="en-US" altLang="ko-KR" dirty="0"/>
+              <a:t>, Ensemble Learning</a:t>
+            </a:r>
+            <a:r>
+              <a:rPr lang="ko-KR" altLang="en-US" dirty="0"/>
+              <a:t>을 사용한 모델이기 때문에</a:t>
+            </a:r>
+            <a:r>
+              <a:rPr lang="en-US" altLang="ko-KR" dirty="0"/>
+              <a:t>,</a:t>
+            </a:r>
+            <a:r>
+              <a:rPr lang="ko-KR" altLang="en-US" dirty="0"/>
+              <a:t> </a:t>
+            </a:r>
+            <a:r>
+              <a:rPr lang="en-US" altLang="ko-KR" dirty="0"/>
+              <a:t>79%</a:t>
+            </a:r>
+            <a:r>
+              <a:rPr lang="ko-KR" altLang="en-US" dirty="0"/>
+              <a:t>의 정확도로 이전의 </a:t>
+            </a:r>
+            <a:r>
+              <a:rPr lang="en-US" altLang="ko-KR" dirty="0"/>
+              <a:t>Decision Tree </a:t>
+            </a:r>
+            <a:r>
+              <a:rPr lang="ko-KR" altLang="en-US" dirty="0"/>
+              <a:t>분류기보다 더 좋은 성능을 기록하였습니다</a:t>
+            </a:r>
+            <a:r>
+              <a:rPr lang="en-US" altLang="ko-KR" dirty="0"/>
+              <a:t>. </a:t>
+            </a:r>
+            <a:r>
+              <a:rPr lang="ko-KR" altLang="en-US" dirty="0"/>
+              <a:t>이 때의 차원의 수는 </a:t>
+            </a:r>
+            <a:r>
+              <a:rPr lang="en-US" altLang="ko-KR" dirty="0"/>
+              <a:t>17</a:t>
+            </a:r>
+            <a:r>
+              <a:rPr lang="ko-KR" altLang="en-US" dirty="0"/>
+              <a:t>개 였습니다</a:t>
             </a:r>
             <a:r>
               <a:rPr lang="en-US" altLang="ko-KR" dirty="0"/>
@@ -4960,15 +4526,15 @@
             </a:pPr>
             <a:r>
               <a:rPr lang="ko-KR" altLang="en-US" dirty="0"/>
-              <a:t>서포트 벡터 </a:t>
-            </a:r>
-            <a:r>
-              <a:rPr lang="ko-KR" altLang="en-US" dirty="0" err="1"/>
-              <a:t>머신의</a:t>
-            </a:r>
-            <a:r>
-              <a:rPr lang="ko-KR" altLang="en-US" dirty="0"/>
-              <a:t> 가장 기본 컨셉은 왼쪽 그림에서 나타난 것처럼 클래스 사이에 마진을 설정하는 것입니다</a:t>
+              <a:t>학습 시간 역시</a:t>
+            </a:r>
+            <a:r>
+              <a:rPr lang="en-US" altLang="ko-KR" dirty="0"/>
+              <a:t>, </a:t>
+            </a:r>
+            <a:r>
+              <a:rPr lang="ko-KR" altLang="en-US" dirty="0"/>
+              <a:t>차원의 수가 증가함에 따라 증가하는 모습을 보였습니다</a:t>
             </a:r>
             <a:r>
               <a:rPr lang="en-US" altLang="ko-KR" dirty="0"/>
@@ -4993,10 +4559,7 @@
               <a:tabLst/>
               <a:defRPr/>
             </a:pPr>
-            <a:r>
-              <a:rPr lang="en-US" altLang="ko-KR" dirty="0"/>
-              <a:t>(click)</a:t>
-            </a:r>
+            <a:endParaRPr lang="en-US" altLang="ko-KR" dirty="0"/>
           </a:p>
           <a:p>
             <a:pPr marL="0" marR="0" indent="0" algn="l" defTabSz="914400" rtl="0" eaLnBrk="1" fontAlgn="auto" latinLnBrk="1" hangingPunct="1">
@@ -5016,69 +4579,6 @@
               <a:tabLst/>
               <a:defRPr/>
             </a:pPr>
-            <a:r>
-              <a:rPr lang="ko-KR" altLang="en-US" dirty="0"/>
-              <a:t>서포트 벡터 </a:t>
-            </a:r>
-            <a:r>
-              <a:rPr lang="ko-KR" altLang="en-US" dirty="0" err="1"/>
-              <a:t>머신의</a:t>
-            </a:r>
-            <a:r>
-              <a:rPr lang="ko-KR" altLang="en-US" dirty="0"/>
-              <a:t> 장점으로는 이상치에 대한 영향이 적고</a:t>
-            </a:r>
-            <a:r>
-              <a:rPr lang="en-US" altLang="ko-KR" dirty="0"/>
-              <a:t>, </a:t>
-            </a:r>
-            <a:r>
-              <a:rPr lang="ko-KR" altLang="en-US" dirty="0" err="1"/>
-              <a:t>오버피팅의</a:t>
-            </a:r>
-            <a:r>
-              <a:rPr lang="ko-KR" altLang="en-US" dirty="0"/>
-              <a:t> 가능성이 낮다는 점이 있습니다</a:t>
-            </a:r>
-            <a:r>
-              <a:rPr lang="en-US" altLang="ko-KR" dirty="0"/>
-              <a:t>.</a:t>
-            </a:r>
-          </a:p>
-          <a:p>
-            <a:pPr marL="0" marR="0" indent="0" algn="l" defTabSz="914400" rtl="0" eaLnBrk="1" fontAlgn="auto" latinLnBrk="1" hangingPunct="1">
-              <a:lnSpc>
-                <a:spcPct val="100000"/>
-              </a:lnSpc>
-              <a:spcBef>
-                <a:spcPts val="0"/>
-              </a:spcBef>
-              <a:spcAft>
-                <a:spcPts val="0"/>
-              </a:spcAft>
-              <a:buClrTx/>
-              <a:buSzTx/>
-              <a:buFontTx/>
-              <a:buNone/>
-              <a:tabLst/>
-              <a:defRPr/>
-            </a:pPr>
-            <a:r>
-              <a:rPr lang="ko-KR" altLang="en-US" dirty="0"/>
-              <a:t>단점으로는 추후에 설명드릴 </a:t>
-            </a:r>
-            <a:r>
-              <a:rPr lang="ko-KR" altLang="en-US" dirty="0" err="1"/>
-              <a:t>하이퍼파라미터에</a:t>
-            </a:r>
-            <a:r>
-              <a:rPr lang="ko-KR" altLang="en-US" dirty="0"/>
-              <a:t> 대한 다양한 조합을 테스트해야 하기 때문에 학습 속도가 느리다는 점이 있습니다</a:t>
-            </a:r>
-            <a:r>
-              <a:rPr lang="en-US" altLang="ko-KR" dirty="0"/>
-              <a:t>.</a:t>
-            </a:r>
             <a:endParaRPr lang="ko-KR" altLang="en-US" dirty="0"/>
           </a:p>
         </p:txBody>
@@ -5185,23 +4685,23 @@
             </a:pPr>
             <a:r>
               <a:rPr lang="ko-KR" altLang="en-US" dirty="0"/>
-              <a:t>서포트 벡터 </a:t>
-            </a:r>
-            <a:r>
-              <a:rPr lang="ko-KR" altLang="en-US" dirty="0" err="1"/>
-              <a:t>머신은</a:t>
-            </a:r>
-            <a:r>
-              <a:rPr lang="ko-KR" altLang="en-US" dirty="0"/>
-              <a:t> 선형</a:t>
-            </a:r>
-            <a:r>
-              <a:rPr lang="en-US" altLang="ko-KR" dirty="0"/>
-              <a:t>, </a:t>
-            </a:r>
-            <a:r>
-              <a:rPr lang="ko-KR" altLang="en-US" dirty="0"/>
-              <a:t>비선형의 데이터셋에 대한 분류와 회귀 모델로 사용될 수 있습니다</a:t>
+              <a:t>다음 그래프들은 </a:t>
+            </a:r>
+            <a:r>
+              <a:rPr lang="en-US" altLang="ko-KR" dirty="0" err="1"/>
+              <a:t>LogisticRegressor</a:t>
+            </a:r>
+            <a:r>
+              <a:rPr lang="ko-KR" altLang="en-US" dirty="0"/>
+              <a:t>와 </a:t>
+            </a:r>
+            <a:r>
+              <a:rPr lang="en-US" altLang="ko-KR" dirty="0" err="1"/>
+              <a:t>SGDClassifier</a:t>
+            </a:r>
+            <a:r>
+              <a:rPr lang="ko-KR" altLang="en-US" dirty="0"/>
+              <a:t>에 대한 실습 결과입니다</a:t>
             </a:r>
             <a:r>
               <a:rPr lang="en-US" altLang="ko-KR" dirty="0"/>
@@ -5228,23 +4728,7 @@
             </a:pPr>
             <a:r>
               <a:rPr lang="ko-KR" altLang="en-US" dirty="0"/>
-              <a:t>또한</a:t>
-            </a:r>
-            <a:r>
-              <a:rPr lang="en-US" altLang="ko-KR" dirty="0"/>
-              <a:t>, </a:t>
-            </a:r>
-            <a:r>
-              <a:rPr lang="ko-KR" altLang="en-US" dirty="0"/>
-              <a:t>이상치 탐지 등에도 사용이 가능한 다목적 </a:t>
-            </a:r>
-            <a:r>
-              <a:rPr lang="ko-KR" altLang="en-US" dirty="0" err="1"/>
-              <a:t>머신러닝</a:t>
-            </a:r>
-            <a:r>
-              <a:rPr lang="ko-KR" altLang="en-US" dirty="0"/>
-              <a:t> 모델입니다</a:t>
+              <a:t>두 경우에서 점수는 모두 이전과 동일하게 차원의 수가 늘어난다고 해도 일정 수준 이상으로는 좋아지지 않았습니다</a:t>
             </a:r>
             <a:r>
               <a:rPr lang="en-US" altLang="ko-KR" dirty="0"/>
@@ -5271,120 +4755,63 @@
             </a:pPr>
             <a:r>
               <a:rPr lang="ko-KR" altLang="en-US" dirty="0"/>
-              <a:t>서포트 벡터 </a:t>
+              <a:t>학습 시간의 경우에는</a:t>
+            </a:r>
+            <a:r>
+              <a:rPr lang="en-US" altLang="ko-KR" dirty="0"/>
+              <a:t>, </a:t>
+            </a:r>
+            <a:r>
+              <a:rPr lang="en-US" altLang="ko-KR" dirty="0" err="1"/>
+              <a:t>LogisticRegressor</a:t>
+            </a:r>
+            <a:r>
+              <a:rPr lang="ko-KR" altLang="en-US" dirty="0"/>
+              <a:t>에서 중간중간 시간이 오래 걸리는 경우가 있는데</a:t>
+            </a:r>
+            <a:r>
+              <a:rPr lang="en-US" altLang="ko-KR" dirty="0"/>
+              <a:t>, </a:t>
+            </a:r>
+            <a:r>
+              <a:rPr lang="ko-KR" altLang="en-US" dirty="0"/>
+              <a:t>이는 </a:t>
             </a:r>
             <a:r>
               <a:rPr lang="ko-KR" altLang="en-US" dirty="0" err="1"/>
-              <a:t>머신의</a:t>
-            </a:r>
-            <a:r>
-              <a:rPr lang="ko-KR" altLang="en-US" dirty="0"/>
-              <a:t> 가장 기본 컨셉은 왼쪽 그림에서 나타난 것처럼 클래스 사이에 마진을 설정하는 것입니다</a:t>
-            </a:r>
-            <a:r>
-              <a:rPr lang="en-US" altLang="ko-KR" dirty="0"/>
-              <a:t>.</a:t>
-            </a:r>
-          </a:p>
-          <a:p>
-            <a:pPr marL="0" marR="0" indent="0" algn="l" defTabSz="914400" rtl="0" eaLnBrk="1" fontAlgn="auto" latinLnBrk="1" hangingPunct="1">
-              <a:lnSpc>
-                <a:spcPct val="100000"/>
-              </a:lnSpc>
-              <a:spcBef>
-                <a:spcPts val="0"/>
-              </a:spcBef>
-              <a:spcAft>
-                <a:spcPts val="0"/>
-              </a:spcAft>
-              <a:buClrTx/>
-              <a:buSzTx/>
-              <a:buFontTx/>
-              <a:buNone/>
-              <a:tabLst/>
-              <a:defRPr/>
-            </a:pPr>
-            <a:r>
-              <a:rPr lang="en-US" altLang="ko-KR" dirty="0"/>
-              <a:t>(click)</a:t>
-            </a:r>
-          </a:p>
-          <a:p>
-            <a:pPr marL="0" marR="0" indent="0" algn="l" defTabSz="914400" rtl="0" eaLnBrk="1" fontAlgn="auto" latinLnBrk="1" hangingPunct="1">
-              <a:lnSpc>
-                <a:spcPct val="100000"/>
-              </a:lnSpc>
-              <a:spcBef>
-                <a:spcPts val="0"/>
-              </a:spcBef>
-              <a:spcAft>
-                <a:spcPts val="0"/>
-              </a:spcAft>
-              <a:buClrTx/>
-              <a:buSzTx/>
-              <a:buFontTx/>
-              <a:buNone/>
-              <a:tabLst/>
-              <a:defRPr/>
-            </a:pPr>
-            <a:r>
-              <a:rPr lang="ko-KR" altLang="en-US" dirty="0"/>
-              <a:t>서포트 벡터 </a:t>
-            </a:r>
-            <a:r>
-              <a:rPr lang="ko-KR" altLang="en-US" dirty="0" err="1"/>
-              <a:t>머신의</a:t>
-            </a:r>
-            <a:r>
-              <a:rPr lang="ko-KR" altLang="en-US" dirty="0"/>
-              <a:t> 장점으로는 이상치에 대한 영향이 적고</a:t>
+              <a:t>경사하강법으로</a:t>
+            </a:r>
+            <a:r>
+              <a:rPr lang="ko-KR" altLang="en-US" dirty="0"/>
+              <a:t> 최솟값을 찾을 때</a:t>
             </a:r>
             <a:r>
               <a:rPr lang="en-US" altLang="ko-KR" dirty="0"/>
               <a:t>, </a:t>
             </a:r>
             <a:r>
-              <a:rPr lang="ko-KR" altLang="en-US" dirty="0" err="1"/>
-              <a:t>오버피팅의</a:t>
-            </a:r>
-            <a:r>
-              <a:rPr lang="ko-KR" altLang="en-US" dirty="0"/>
-              <a:t> 가능성이 낮다는 점이 있습니다</a:t>
-            </a:r>
-            <a:r>
-              <a:rPr lang="en-US" altLang="ko-KR" dirty="0"/>
-              <a:t>.</a:t>
-            </a:r>
-          </a:p>
-          <a:p>
-            <a:pPr marL="0" marR="0" indent="0" algn="l" defTabSz="914400" rtl="0" eaLnBrk="1" fontAlgn="auto" latinLnBrk="1" hangingPunct="1">
-              <a:lnSpc>
-                <a:spcPct val="100000"/>
-              </a:lnSpc>
-              <a:spcBef>
-                <a:spcPts val="0"/>
-              </a:spcBef>
-              <a:spcAft>
-                <a:spcPts val="0"/>
-              </a:spcAft>
-              <a:buClrTx/>
-              <a:buSzTx/>
-              <a:buFontTx/>
-              <a:buNone/>
-              <a:tabLst/>
-              <a:defRPr/>
-            </a:pPr>
-            <a:r>
-              <a:rPr lang="ko-KR" altLang="en-US" dirty="0"/>
-              <a:t>단점으로는 추후에 설명드릴 </a:t>
-            </a:r>
-            <a:r>
-              <a:rPr lang="ko-KR" altLang="en-US" dirty="0" err="1"/>
-              <a:t>하이퍼파라미터에</a:t>
-            </a:r>
-            <a:r>
-              <a:rPr lang="ko-KR" altLang="en-US" dirty="0"/>
-              <a:t> 대한 다양한 조합을 테스트해야 하기 때문에 학습 속도가 느리다는 점이 있습니다</a:t>
+              <a:rPr lang="ko-KR" altLang="en-US" dirty="0"/>
+              <a:t>수렴이 늦게 되었기 때문에</a:t>
+            </a:r>
+            <a:r>
+              <a:rPr lang="en-US" altLang="ko-KR" dirty="0"/>
+              <a:t>,</a:t>
+            </a:r>
+            <a:r>
+              <a:rPr lang="ko-KR" altLang="en-US" dirty="0"/>
+              <a:t> 학습시간이 오래 걸린 경우로 해석할 수 있습니다</a:t>
+            </a:r>
+            <a:r>
+              <a:rPr lang="en-US" altLang="ko-KR" dirty="0"/>
+              <a:t>. </a:t>
+            </a:r>
+            <a:r>
+              <a:rPr lang="en-US" altLang="ko-KR" dirty="0" err="1"/>
+              <a:t>LogisticRegressor</a:t>
+            </a:r>
+            <a:r>
+              <a:rPr lang="ko-KR" altLang="en-US" dirty="0"/>
+              <a:t>에서도 전체적으로는 특성 수에 따라 학습시간이 증가하는 경향을 보였습니다</a:t>
             </a:r>
             <a:r>
               <a:rPr lang="en-US" altLang="ko-KR" dirty="0"/>
@@ -5496,23 +4923,15 @@
             </a:pPr>
             <a:r>
               <a:rPr lang="ko-KR" altLang="en-US" dirty="0"/>
-              <a:t>서포트 벡터 </a:t>
-            </a:r>
-            <a:r>
-              <a:rPr lang="ko-KR" altLang="en-US" dirty="0" err="1"/>
-              <a:t>머신은</a:t>
-            </a:r>
-            <a:r>
-              <a:rPr lang="ko-KR" altLang="en-US" dirty="0"/>
-              <a:t> 선형</a:t>
-            </a:r>
-            <a:r>
-              <a:rPr lang="en-US" altLang="ko-KR" dirty="0"/>
-              <a:t>, </a:t>
-            </a:r>
-            <a:r>
-              <a:rPr lang="ko-KR" altLang="en-US" dirty="0"/>
-              <a:t>비선형의 데이터셋에 대한 분류와 회귀 모델로 사용될 수 있습니다</a:t>
+              <a:t>다음은 앞서 설명 드린 </a:t>
+            </a:r>
+            <a:r>
+              <a:rPr lang="en-US" altLang="ko-KR" dirty="0"/>
+              <a:t>4</a:t>
+            </a:r>
+            <a:r>
+              <a:rPr lang="ko-KR" altLang="en-US" dirty="0"/>
+              <a:t>개의 분류기에 대한 경향을 한번에 보여 드리기 위한 그래프입니다</a:t>
             </a:r>
             <a:r>
               <a:rPr lang="en-US" altLang="ko-KR" dirty="0"/>
@@ -5538,8 +4957,12 @@
               <a:defRPr/>
             </a:pPr>
             <a:r>
-              <a:rPr lang="ko-KR" altLang="en-US" dirty="0"/>
-              <a:t>또한</a:t>
+              <a:rPr lang="en-US" altLang="ko-KR" dirty="0"/>
+              <a:t>Logistic </a:t>
+            </a:r>
+            <a:r>
+              <a:rPr lang="ko-KR" altLang="en-US" dirty="0"/>
+              <a:t>회귀에서도 전체적으로 학습시간이 증가하는 경향을 보인다고 하면</a:t>
             </a:r>
             <a:r>
               <a:rPr lang="en-US" altLang="ko-KR" dirty="0"/>
@@ -5547,15 +4970,7 @@
             </a:r>
             <a:r>
               <a:rPr lang="ko-KR" altLang="en-US" dirty="0"/>
-              <a:t>이상치 탐지 등에도 사용이 가능한 다목적 </a:t>
-            </a:r>
-            <a:r>
-              <a:rPr lang="ko-KR" altLang="en-US" dirty="0" err="1"/>
-              <a:t>머신러닝</a:t>
-            </a:r>
-            <a:r>
-              <a:rPr lang="ko-KR" altLang="en-US" dirty="0"/>
-              <a:t> 모델입니다</a:t>
+              <a:t>모든 분류기가 성능과 학습 시간에서 같은 경향을 보인다고 할 수 있습니다</a:t>
             </a:r>
             <a:r>
               <a:rPr lang="en-US" altLang="ko-KR" dirty="0"/>
@@ -5582,126 +4997,44 @@
             </a:pPr>
             <a:r>
               <a:rPr lang="ko-KR" altLang="en-US" dirty="0"/>
-              <a:t>서포트 벡터 </a:t>
+              <a:t>제가 앞에서도 말씀드렸지만</a:t>
+            </a:r>
+            <a:r>
+              <a:rPr lang="en-US" altLang="ko-KR" dirty="0"/>
+              <a:t>, </a:t>
+            </a:r>
+            <a:r>
+              <a:rPr lang="ko-KR" altLang="en-US" dirty="0"/>
+              <a:t>이 실습은 각 분류기의 </a:t>
             </a:r>
             <a:r>
               <a:rPr lang="ko-KR" altLang="en-US" dirty="0" err="1"/>
-              <a:t>머신의</a:t>
-            </a:r>
-            <a:r>
-              <a:rPr lang="ko-KR" altLang="en-US" dirty="0"/>
-              <a:t> 가장 기본 컨셉은 왼쪽 그림에서 나타난 것처럼 클래스 사이에 마진을 설정하는 것입니다</a:t>
+              <a:t>하이퍼파라미터의</a:t>
+            </a:r>
+            <a:r>
+              <a:rPr lang="ko-KR" altLang="en-US" dirty="0"/>
+              <a:t> 튜닝을 진행하지 않고</a:t>
+            </a:r>
+            <a:r>
+              <a:rPr lang="en-US" altLang="ko-KR" dirty="0"/>
+              <a:t>, </a:t>
+            </a:r>
+            <a:r>
+              <a:rPr lang="ko-KR" altLang="en-US" dirty="0"/>
+              <a:t>디폴트 파라미터로 학습을 진행하였기 때문에</a:t>
+            </a:r>
+            <a:r>
+              <a:rPr lang="en-US" altLang="ko-KR" dirty="0"/>
+              <a:t> </a:t>
+            </a:r>
+            <a:r>
+              <a:rPr lang="ko-KR" altLang="en-US" dirty="0"/>
+              <a:t>각 구간에서의 점수가 최고의 점수라고 할 수는 없습니다</a:t>
             </a:r>
             <a:r>
               <a:rPr lang="en-US" altLang="ko-KR" dirty="0"/>
               <a:t>.</a:t>
             </a:r>
-          </a:p>
-          <a:p>
-            <a:pPr marL="0" marR="0" indent="0" algn="l" defTabSz="914400" rtl="0" eaLnBrk="1" fontAlgn="auto" latinLnBrk="1" hangingPunct="1">
-              <a:lnSpc>
-                <a:spcPct val="100000"/>
-              </a:lnSpc>
-              <a:spcBef>
-                <a:spcPts val="0"/>
-              </a:spcBef>
-              <a:spcAft>
-                <a:spcPts val="0"/>
-              </a:spcAft>
-              <a:buClrTx/>
-              <a:buSzTx/>
-              <a:buFontTx/>
-              <a:buNone/>
-              <a:tabLst/>
-              <a:defRPr/>
-            </a:pPr>
-            <a:r>
-              <a:rPr lang="en-US" altLang="ko-KR" dirty="0"/>
-              <a:t>(click)</a:t>
-            </a:r>
-          </a:p>
-          <a:p>
-            <a:pPr marL="0" marR="0" indent="0" algn="l" defTabSz="914400" rtl="0" eaLnBrk="1" fontAlgn="auto" latinLnBrk="1" hangingPunct="1">
-              <a:lnSpc>
-                <a:spcPct val="100000"/>
-              </a:lnSpc>
-              <a:spcBef>
-                <a:spcPts val="0"/>
-              </a:spcBef>
-              <a:spcAft>
-                <a:spcPts val="0"/>
-              </a:spcAft>
-              <a:buClrTx/>
-              <a:buSzTx/>
-              <a:buFontTx/>
-              <a:buNone/>
-              <a:tabLst/>
-              <a:defRPr/>
-            </a:pPr>
-            <a:r>
-              <a:rPr lang="ko-KR" altLang="en-US" dirty="0"/>
-              <a:t>서포트 벡터 </a:t>
-            </a:r>
-            <a:r>
-              <a:rPr lang="ko-KR" altLang="en-US" dirty="0" err="1"/>
-              <a:t>머신의</a:t>
-            </a:r>
-            <a:r>
-              <a:rPr lang="ko-KR" altLang="en-US" dirty="0"/>
-              <a:t> 장점으로는 이상치에 대한 영향이 적고</a:t>
-            </a:r>
-            <a:r>
-              <a:rPr lang="en-US" altLang="ko-KR" dirty="0"/>
-              <a:t>, </a:t>
-            </a:r>
-            <a:r>
-              <a:rPr lang="ko-KR" altLang="en-US" dirty="0" err="1"/>
-              <a:t>오버피팅의</a:t>
-            </a:r>
-            <a:r>
-              <a:rPr lang="ko-KR" altLang="en-US" dirty="0"/>
-              <a:t> 가능성이 낮다는 점이 있습니다</a:t>
-            </a:r>
-            <a:r>
-              <a:rPr lang="en-US" altLang="ko-KR" dirty="0"/>
-              <a:t>.</a:t>
-            </a:r>
-          </a:p>
-          <a:p>
-            <a:pPr marL="0" marR="0" indent="0" algn="l" defTabSz="914400" rtl="0" eaLnBrk="1" fontAlgn="auto" latinLnBrk="1" hangingPunct="1">
-              <a:lnSpc>
-                <a:spcPct val="100000"/>
-              </a:lnSpc>
-              <a:spcBef>
-                <a:spcPts val="0"/>
-              </a:spcBef>
-              <a:spcAft>
-                <a:spcPts val="0"/>
-              </a:spcAft>
-              <a:buClrTx/>
-              <a:buSzTx/>
-              <a:buFontTx/>
-              <a:buNone/>
-              <a:tabLst/>
-              <a:defRPr/>
-            </a:pPr>
-            <a:r>
-              <a:rPr lang="ko-KR" altLang="en-US" dirty="0"/>
-              <a:t>단점으로는 추후에 설명드릴 </a:t>
-            </a:r>
-            <a:r>
-              <a:rPr lang="ko-KR" altLang="en-US" dirty="0" err="1"/>
-              <a:t>하이퍼파라미터에</a:t>
-            </a:r>
-            <a:r>
-              <a:rPr lang="ko-KR" altLang="en-US" dirty="0"/>
-              <a:t> 대한 다양한 조합을 테스트해야 하기 때문에 학습 속도가 느리다는 점이 있습니다</a:t>
-            </a:r>
-            <a:r>
-              <a:rPr lang="en-US" altLang="ko-KR" dirty="0"/>
-              <a:t>.</a:t>
-            </a:r>
-            <a:endParaRPr lang="ko-KR" altLang="en-US" dirty="0"/>
           </a:p>
         </p:txBody>
       </p:sp>
@@ -5807,15 +5140,35 @@
             </a:pPr>
             <a:r>
               <a:rPr lang="ko-KR" altLang="en-US" dirty="0"/>
-              <a:t>서포트 벡터 </a:t>
+              <a:t>그래서 </a:t>
+            </a:r>
+            <a:r>
+              <a:rPr lang="en-US" altLang="ko-KR" dirty="0" err="1"/>
+              <a:t>RandomForest</a:t>
+            </a:r>
+            <a:r>
+              <a:rPr lang="en-US" altLang="ko-KR" dirty="0"/>
+              <a:t> </a:t>
+            </a:r>
+            <a:r>
+              <a:rPr lang="ko-KR" altLang="en-US" dirty="0"/>
+              <a:t>분류기에 대해 </a:t>
+            </a:r>
+            <a:r>
+              <a:rPr lang="en-US" altLang="ko-KR" dirty="0"/>
+              <a:t>Grid Search</a:t>
+            </a:r>
+            <a:r>
+              <a:rPr lang="ko-KR" altLang="en-US" dirty="0"/>
+              <a:t>를 이용해서 </a:t>
             </a:r>
             <a:r>
               <a:rPr lang="ko-KR" altLang="en-US" dirty="0" err="1"/>
-              <a:t>머신은</a:t>
-            </a:r>
-            <a:r>
-              <a:rPr lang="ko-KR" altLang="en-US" dirty="0"/>
-              <a:t> 선형</a:t>
+              <a:t>차원축소된</a:t>
+            </a:r>
+            <a:r>
+              <a:rPr lang="ko-KR" altLang="en-US" dirty="0"/>
+              <a:t> 데이터셋과 원본 데이터셋의 최적의 성능</a:t>
             </a:r>
             <a:r>
               <a:rPr lang="en-US" altLang="ko-KR" dirty="0"/>
@@ -5823,7 +5176,7 @@
             </a:r>
             <a:r>
               <a:rPr lang="ko-KR" altLang="en-US" dirty="0"/>
-              <a:t>비선형의 데이터셋에 대한 분류와 회귀 모델로 사용될 수 있습니다</a:t>
+              <a:t>그리고 학습시간을 비교해보도록 하겠습니다</a:t>
             </a:r>
             <a:r>
               <a:rPr lang="en-US" altLang="ko-KR" dirty="0"/>
@@ -5849,8 +5202,28 @@
               <a:defRPr/>
             </a:pPr>
             <a:r>
-              <a:rPr lang="ko-KR" altLang="en-US" dirty="0"/>
-              <a:t>또한</a:t>
+              <a:rPr lang="en-US" altLang="ko-KR" dirty="0"/>
+              <a:t>Grid</a:t>
+            </a:r>
+            <a:r>
+              <a:rPr lang="ko-KR" altLang="en-US" dirty="0"/>
+              <a:t> </a:t>
+            </a:r>
+            <a:r>
+              <a:rPr lang="en-US" altLang="ko-KR" dirty="0"/>
+              <a:t>Search</a:t>
+            </a:r>
+            <a:r>
+              <a:rPr lang="ko-KR" altLang="en-US" dirty="0"/>
+              <a:t>를 수행할 때에</a:t>
+            </a:r>
+            <a:r>
+              <a:rPr lang="en-US" altLang="ko-KR" dirty="0"/>
+              <a:t>,</a:t>
+            </a:r>
+            <a:r>
+              <a:rPr lang="ko-KR" altLang="en-US" dirty="0"/>
+              <a:t> 고려할 파라미터로는 앙상블을 위한 예측기의 수</a:t>
             </a:r>
             <a:r>
               <a:rPr lang="en-US" altLang="ko-KR" dirty="0"/>
@@ -5858,15 +5231,23 @@
             </a:r>
             <a:r>
               <a:rPr lang="ko-KR" altLang="en-US" dirty="0"/>
-              <a:t>이상치 탐지 등에도 사용이 가능한 다목적 </a:t>
-            </a:r>
-            <a:r>
-              <a:rPr lang="ko-KR" altLang="en-US" dirty="0" err="1"/>
-              <a:t>머신러닝</a:t>
-            </a:r>
-            <a:r>
-              <a:rPr lang="ko-KR" altLang="en-US" dirty="0"/>
-              <a:t> 모델입니다</a:t>
+              <a:t>결정 트리의 최대 깊이</a:t>
+            </a:r>
+            <a:r>
+              <a:rPr lang="en-US" altLang="ko-KR" dirty="0"/>
+              <a:t>, </a:t>
+            </a:r>
+            <a:r>
+              <a:rPr lang="ko-KR" altLang="en-US" dirty="0"/>
+              <a:t>분할을 위한 최소 샘플 수</a:t>
+            </a:r>
+            <a:r>
+              <a:rPr lang="en-US" altLang="ko-KR" dirty="0"/>
+              <a:t>, </a:t>
+            </a:r>
+            <a:r>
+              <a:rPr lang="ko-KR" altLang="en-US" dirty="0"/>
+              <a:t>리프 노드가 되기 위한 최소 샘플 수를 고려하였습니다</a:t>
             </a:r>
             <a:r>
               <a:rPr lang="en-US" altLang="ko-KR" dirty="0"/>
@@ -5893,120 +5274,23 @@
             </a:pPr>
             <a:r>
               <a:rPr lang="ko-KR" altLang="en-US" dirty="0"/>
-              <a:t>서포트 벡터 </a:t>
-            </a:r>
-            <a:r>
-              <a:rPr lang="ko-KR" altLang="en-US" dirty="0" err="1"/>
-              <a:t>머신의</a:t>
-            </a:r>
-            <a:r>
-              <a:rPr lang="ko-KR" altLang="en-US" dirty="0"/>
-              <a:t> 가장 기본 컨셉은 왼쪽 그림에서 나타난 것처럼 클래스 사이에 마진을 설정하는 것입니다</a:t>
-            </a:r>
-            <a:r>
-              <a:rPr lang="en-US" altLang="ko-KR" dirty="0"/>
-              <a:t>.</a:t>
-            </a:r>
-          </a:p>
-          <a:p>
-            <a:pPr marL="0" marR="0" indent="0" algn="l" defTabSz="914400" rtl="0" eaLnBrk="1" fontAlgn="auto" latinLnBrk="1" hangingPunct="1">
-              <a:lnSpc>
-                <a:spcPct val="100000"/>
-              </a:lnSpc>
-              <a:spcBef>
-                <a:spcPts val="0"/>
-              </a:spcBef>
-              <a:spcAft>
-                <a:spcPts val="0"/>
-              </a:spcAft>
-              <a:buClrTx/>
-              <a:buSzTx/>
-              <a:buFontTx/>
-              <a:buNone/>
-              <a:tabLst/>
-              <a:defRPr/>
-            </a:pPr>
-            <a:r>
-              <a:rPr lang="en-US" altLang="ko-KR" dirty="0"/>
-              <a:t>(click)</a:t>
-            </a:r>
-          </a:p>
-          <a:p>
-            <a:pPr marL="0" marR="0" indent="0" algn="l" defTabSz="914400" rtl="0" eaLnBrk="1" fontAlgn="auto" latinLnBrk="1" hangingPunct="1">
-              <a:lnSpc>
-                <a:spcPct val="100000"/>
-              </a:lnSpc>
-              <a:spcBef>
-                <a:spcPts val="0"/>
-              </a:spcBef>
-              <a:spcAft>
-                <a:spcPts val="0"/>
-              </a:spcAft>
-              <a:buClrTx/>
-              <a:buSzTx/>
-              <a:buFontTx/>
-              <a:buNone/>
-              <a:tabLst/>
-              <a:defRPr/>
-            </a:pPr>
-            <a:r>
-              <a:rPr lang="ko-KR" altLang="en-US" dirty="0"/>
-              <a:t>서포트 벡터 </a:t>
-            </a:r>
-            <a:r>
-              <a:rPr lang="ko-KR" altLang="en-US" dirty="0" err="1"/>
-              <a:t>머신의</a:t>
-            </a:r>
-            <a:r>
-              <a:rPr lang="ko-KR" altLang="en-US" dirty="0"/>
-              <a:t> 장점으로는 이상치에 대한 영향이 적고</a:t>
+              <a:t>그리고</a:t>
             </a:r>
             <a:r>
               <a:rPr lang="en-US" altLang="ko-KR" dirty="0"/>
               <a:t>, </a:t>
             </a:r>
             <a:r>
-              <a:rPr lang="ko-KR" altLang="en-US" dirty="0" err="1"/>
-              <a:t>오버피팅의</a:t>
-            </a:r>
-            <a:r>
-              <a:rPr lang="ko-KR" altLang="en-US" dirty="0"/>
-              <a:t> 가능성이 낮다는 점이 있습니다</a:t>
-            </a:r>
-            <a:r>
-              <a:rPr lang="en-US" altLang="ko-KR" dirty="0"/>
-              <a:t>.</a:t>
-            </a:r>
-          </a:p>
-          <a:p>
-            <a:pPr marL="0" marR="0" indent="0" algn="l" defTabSz="914400" rtl="0" eaLnBrk="1" fontAlgn="auto" latinLnBrk="1" hangingPunct="1">
-              <a:lnSpc>
-                <a:spcPct val="100000"/>
-              </a:lnSpc>
-              <a:spcBef>
-                <a:spcPts val="0"/>
-              </a:spcBef>
-              <a:spcAft>
-                <a:spcPts val="0"/>
-              </a:spcAft>
-              <a:buClrTx/>
-              <a:buSzTx/>
-              <a:buFontTx/>
-              <a:buNone/>
-              <a:tabLst/>
-              <a:defRPr/>
-            </a:pPr>
-            <a:r>
-              <a:rPr lang="ko-KR" altLang="en-US" dirty="0"/>
-              <a:t>단점으로는 추후에 설명드릴 </a:t>
-            </a:r>
-            <a:r>
-              <a:rPr lang="ko-KR" altLang="en-US" dirty="0" err="1"/>
-              <a:t>하이퍼파라미터에</a:t>
-            </a:r>
-            <a:r>
-              <a:rPr lang="ko-KR" altLang="en-US" dirty="0"/>
-              <a:t> 대한 다양한 조합을 테스트해야 하기 때문에 학습 속도가 느리다는 점이 있습니다</a:t>
+              <a:rPr lang="ko-KR" altLang="en-US" dirty="0"/>
+              <a:t>축소된 데이터셋에 대해 축소시킬 차원의 수는 앞의 실습에서 가장 높은 점수를 보인 </a:t>
+            </a:r>
+            <a:r>
+              <a:rPr lang="en-US" altLang="ko-KR" dirty="0"/>
+              <a:t>17</a:t>
+            </a:r>
+            <a:r>
+              <a:rPr lang="ko-KR" altLang="en-US" dirty="0"/>
+              <a:t>개로 결정하여 차원 축소를 진행하였습니다</a:t>
             </a:r>
             <a:r>
               <a:rPr lang="en-US" altLang="ko-KR" dirty="0"/>
@@ -6118,23 +5402,15 @@
             </a:pPr>
             <a:r>
               <a:rPr lang="ko-KR" altLang="en-US" dirty="0"/>
-              <a:t>서포트 벡터 </a:t>
-            </a:r>
-            <a:r>
-              <a:rPr lang="ko-KR" altLang="en-US" dirty="0" err="1"/>
-              <a:t>머신은</a:t>
-            </a:r>
-            <a:r>
-              <a:rPr lang="ko-KR" altLang="en-US" dirty="0"/>
-              <a:t> 선형</a:t>
-            </a:r>
-            <a:r>
-              <a:rPr lang="en-US" altLang="ko-KR" dirty="0"/>
-              <a:t>, </a:t>
-            </a:r>
-            <a:r>
-              <a:rPr lang="ko-KR" altLang="en-US" dirty="0"/>
-              <a:t>비선형의 데이터셋에 대한 분류와 회귀 모델로 사용될 수 있습니다</a:t>
+              <a:t>왼쪽의 그래프는 원본 데이터셋과 축소된 데이터셋에 대한 </a:t>
+            </a:r>
+            <a:r>
+              <a:rPr lang="en-US" altLang="ko-KR" dirty="0"/>
+              <a:t>Grid Search</a:t>
+            </a:r>
+            <a:r>
+              <a:rPr lang="ko-KR" altLang="en-US" dirty="0"/>
+              <a:t>에 소요된 시간입니다</a:t>
             </a:r>
             <a:r>
               <a:rPr lang="en-US" altLang="ko-KR" dirty="0"/>
@@ -6161,7 +5437,15 @@
             </a:pPr>
             <a:r>
               <a:rPr lang="ko-KR" altLang="en-US" dirty="0"/>
-              <a:t>또한</a:t>
+              <a:t>원본 데이터셋은 약 </a:t>
+            </a:r>
+            <a:r>
+              <a:rPr lang="en-US" altLang="ko-KR" dirty="0"/>
+              <a:t>58</a:t>
+            </a:r>
+            <a:r>
+              <a:rPr lang="ko-KR" altLang="en-US" dirty="0"/>
+              <a:t>분이 소요되었고</a:t>
             </a:r>
             <a:r>
               <a:rPr lang="en-US" altLang="ko-KR" dirty="0"/>
@@ -6169,15 +5453,15 @@
             </a:r>
             <a:r>
               <a:rPr lang="ko-KR" altLang="en-US" dirty="0"/>
-              <a:t>이상치 탐지 등에도 사용이 가능한 다목적 </a:t>
-            </a:r>
-            <a:r>
-              <a:rPr lang="ko-KR" altLang="en-US" dirty="0" err="1"/>
-              <a:t>머신러닝</a:t>
-            </a:r>
-            <a:r>
-              <a:rPr lang="ko-KR" altLang="en-US" dirty="0"/>
-              <a:t> 모델입니다</a:t>
+              <a:t>축소된 데이터셋은 이의 절반 수준인 약 </a:t>
+            </a:r>
+            <a:r>
+              <a:rPr lang="en-US" altLang="ko-KR" dirty="0"/>
+              <a:t>33</a:t>
+            </a:r>
+            <a:r>
+              <a:rPr lang="ko-KR" altLang="en-US" dirty="0"/>
+              <a:t>분이 소요되었습니다</a:t>
             </a:r>
             <a:r>
               <a:rPr lang="en-US" altLang="ko-KR" dirty="0"/>
@@ -6204,15 +5488,23 @@
             </a:pPr>
             <a:r>
               <a:rPr lang="ko-KR" altLang="en-US" dirty="0"/>
-              <a:t>서포트 벡터 </a:t>
-            </a:r>
-            <a:r>
-              <a:rPr lang="ko-KR" altLang="en-US" dirty="0" err="1"/>
-              <a:t>머신의</a:t>
-            </a:r>
-            <a:r>
-              <a:rPr lang="ko-KR" altLang="en-US" dirty="0"/>
-              <a:t> 가장 기본 컨셉은 왼쪽 그림에서 나타난 것처럼 클래스 사이에 마진을 설정하는 것입니다</a:t>
+              <a:t>최적의 파라미터로 학습시킨 두 분류기의 성능은 원본 데이터셋으로 학습시킨 분류기가 아주 소폭 높았지만</a:t>
+            </a:r>
+            <a:r>
+              <a:rPr lang="en-US" altLang="ko-KR" dirty="0"/>
+              <a:t>,</a:t>
+            </a:r>
+            <a:r>
+              <a:rPr lang="ko-KR" altLang="en-US" dirty="0"/>
+              <a:t> 두 경우 모두 거의 같은 </a:t>
+            </a:r>
+            <a:r>
+              <a:rPr lang="en-US" altLang="ko-KR" dirty="0"/>
+              <a:t>77%</a:t>
+            </a:r>
+            <a:r>
+              <a:rPr lang="ko-KR" altLang="en-US" dirty="0"/>
+              <a:t>의 정확도를 보였습니다</a:t>
             </a:r>
             <a:r>
               <a:rPr lang="en-US" altLang="ko-KR" dirty="0"/>
@@ -6238,86 +5530,16 @@
               <a:defRPr/>
             </a:pPr>
             <a:r>
-              <a:rPr lang="en-US" altLang="ko-KR" dirty="0"/>
-              <a:t>(click)</a:t>
-            </a:r>
-          </a:p>
-          <a:p>
-            <a:pPr marL="0" marR="0" indent="0" algn="l" defTabSz="914400" rtl="0" eaLnBrk="1" fontAlgn="auto" latinLnBrk="1" hangingPunct="1">
-              <a:lnSpc>
-                <a:spcPct val="100000"/>
-              </a:lnSpc>
-              <a:spcBef>
-                <a:spcPts val="0"/>
-              </a:spcBef>
-              <a:spcAft>
-                <a:spcPts val="0"/>
-              </a:spcAft>
-              <a:buClrTx/>
-              <a:buSzTx/>
-              <a:buFontTx/>
-              <a:buNone/>
-              <a:tabLst/>
-              <a:defRPr/>
-            </a:pPr>
-            <a:r>
-              <a:rPr lang="ko-KR" altLang="en-US" dirty="0"/>
-              <a:t>서포트 벡터 </a:t>
-            </a:r>
-            <a:r>
-              <a:rPr lang="ko-KR" altLang="en-US" dirty="0" err="1"/>
-              <a:t>머신의</a:t>
-            </a:r>
-            <a:r>
-              <a:rPr lang="ko-KR" altLang="en-US" dirty="0"/>
-              <a:t> 장점으로는 이상치에 대한 영향이 적고</a:t>
+              <a:rPr lang="ko-KR" altLang="en-US" dirty="0"/>
+              <a:t>또한</a:t>
             </a:r>
             <a:r>
               <a:rPr lang="en-US" altLang="ko-KR" dirty="0"/>
               <a:t>, </a:t>
             </a:r>
             <a:r>
-              <a:rPr lang="ko-KR" altLang="en-US" dirty="0" err="1"/>
-              <a:t>오버피팅의</a:t>
-            </a:r>
-            <a:r>
-              <a:rPr lang="ko-KR" altLang="en-US" dirty="0"/>
-              <a:t> 가능성이 낮다는 점이 있습니다</a:t>
-            </a:r>
-            <a:r>
-              <a:rPr lang="en-US" altLang="ko-KR" dirty="0"/>
-              <a:t>.</a:t>
-            </a:r>
-          </a:p>
-          <a:p>
-            <a:pPr marL="0" marR="0" indent="0" algn="l" defTabSz="914400" rtl="0" eaLnBrk="1" fontAlgn="auto" latinLnBrk="1" hangingPunct="1">
-              <a:lnSpc>
-                <a:spcPct val="100000"/>
-              </a:lnSpc>
-              <a:spcBef>
-                <a:spcPts val="0"/>
-              </a:spcBef>
-              <a:spcAft>
-                <a:spcPts val="0"/>
-              </a:spcAft>
-              <a:buClrTx/>
-              <a:buSzTx/>
-              <a:buFontTx/>
-              <a:buNone/>
-              <a:tabLst/>
-              <a:defRPr/>
-            </a:pPr>
-            <a:r>
-              <a:rPr lang="ko-KR" altLang="en-US" dirty="0"/>
-              <a:t>단점으로는 추후에 설명드릴 </a:t>
-            </a:r>
-            <a:r>
-              <a:rPr lang="ko-KR" altLang="en-US" dirty="0" err="1"/>
-              <a:t>하이퍼파라미터에</a:t>
-            </a:r>
-            <a:r>
-              <a:rPr lang="ko-KR" altLang="en-US" dirty="0"/>
-              <a:t> 대한 다양한 조합을 테스트해야 하기 때문에 학습 속도가 느리다는 점이 있습니다</a:t>
+              <a:rPr lang="ko-KR" altLang="en-US" dirty="0"/>
+              <a:t>두 분류기가 같은 최적의 파라미터 값을 보였습니다</a:t>
             </a:r>
             <a:r>
               <a:rPr lang="en-US" altLang="ko-KR" dirty="0"/>
@@ -6429,15 +5651,7 @@
             </a:pPr>
             <a:r>
               <a:rPr lang="ko-KR" altLang="en-US" dirty="0"/>
-              <a:t>서포트 벡터 </a:t>
-            </a:r>
-            <a:r>
-              <a:rPr lang="ko-KR" altLang="en-US" dirty="0" err="1"/>
-              <a:t>머신은</a:t>
-            </a:r>
-            <a:r>
-              <a:rPr lang="ko-KR" altLang="en-US" dirty="0"/>
-              <a:t> 선형</a:t>
+              <a:t>다음은 원본</a:t>
             </a:r>
             <a:r>
               <a:rPr lang="en-US" altLang="ko-KR" dirty="0"/>
@@ -6445,7 +5659,7 @@
             </a:r>
             <a:r>
               <a:rPr lang="ko-KR" altLang="en-US" dirty="0"/>
-              <a:t>비선형의 데이터셋에 대한 분류와 회귀 모델로 사용될 수 있습니다</a:t>
+              <a:t>그리고 축소 데이터셋에 대한 두 분류기의 오차행렬 입니다</a:t>
             </a:r>
             <a:r>
               <a:rPr lang="en-US" altLang="ko-KR" dirty="0"/>
@@ -6472,163 +5686,7 @@
             </a:pPr>
             <a:r>
               <a:rPr lang="ko-KR" altLang="en-US" dirty="0"/>
-              <a:t>또한</a:t>
-            </a:r>
-            <a:r>
-              <a:rPr lang="en-US" altLang="ko-KR" dirty="0"/>
-              <a:t>, </a:t>
-            </a:r>
-            <a:r>
-              <a:rPr lang="ko-KR" altLang="en-US" dirty="0"/>
-              <a:t>이상치 탐지 등에도 사용이 가능한 다목적 </a:t>
-            </a:r>
-            <a:r>
-              <a:rPr lang="ko-KR" altLang="en-US" dirty="0" err="1"/>
-              <a:t>머신러닝</a:t>
-            </a:r>
-            <a:r>
-              <a:rPr lang="ko-KR" altLang="en-US" dirty="0"/>
-              <a:t> 모델입니다</a:t>
-            </a:r>
-            <a:r>
-              <a:rPr lang="en-US" altLang="ko-KR" dirty="0"/>
-              <a:t>.</a:t>
-            </a:r>
-          </a:p>
-          <a:p>
-            <a:pPr marL="0" marR="0" indent="0" algn="l" defTabSz="914400" rtl="0" eaLnBrk="1" fontAlgn="auto" latinLnBrk="1" hangingPunct="1">
-              <a:lnSpc>
-                <a:spcPct val="100000"/>
-              </a:lnSpc>
-              <a:spcBef>
-                <a:spcPts val="0"/>
-              </a:spcBef>
-              <a:spcAft>
-                <a:spcPts val="0"/>
-              </a:spcAft>
-              <a:buClrTx/>
-              <a:buSzTx/>
-              <a:buFontTx/>
-              <a:buNone/>
-              <a:tabLst/>
-              <a:defRPr/>
-            </a:pPr>
-            <a:r>
-              <a:rPr lang="ko-KR" altLang="en-US" dirty="0"/>
-              <a:t>서포트 벡터 </a:t>
-            </a:r>
-            <a:r>
-              <a:rPr lang="ko-KR" altLang="en-US" dirty="0" err="1"/>
-              <a:t>머신의</a:t>
-            </a:r>
-            <a:r>
-              <a:rPr lang="ko-KR" altLang="en-US" dirty="0"/>
-              <a:t> 가장 기본 컨셉은 왼쪽 그림에서 나타난 것처럼 클래스 사이에 마진을 설정하는 것입니다</a:t>
-            </a:r>
-            <a:r>
-              <a:rPr lang="en-US" altLang="ko-KR" dirty="0"/>
-              <a:t>.</a:t>
-            </a:r>
-          </a:p>
-          <a:p>
-            <a:pPr marL="0" marR="0" indent="0" algn="l" defTabSz="914400" rtl="0" eaLnBrk="1" fontAlgn="auto" latinLnBrk="1" hangingPunct="1">
-              <a:lnSpc>
-                <a:spcPct val="100000"/>
-              </a:lnSpc>
-              <a:spcBef>
-                <a:spcPts val="0"/>
-              </a:spcBef>
-              <a:spcAft>
-                <a:spcPts val="0"/>
-              </a:spcAft>
-              <a:buClrTx/>
-              <a:buSzTx/>
-              <a:buFontTx/>
-              <a:buNone/>
-              <a:tabLst/>
-              <a:defRPr/>
-            </a:pPr>
-            <a:r>
-              <a:rPr lang="en-US" altLang="ko-KR" dirty="0"/>
-              <a:t>(click)</a:t>
-            </a:r>
-          </a:p>
-          <a:p>
-            <a:pPr marL="0" marR="0" indent="0" algn="l" defTabSz="914400" rtl="0" eaLnBrk="1" fontAlgn="auto" latinLnBrk="1" hangingPunct="1">
-              <a:lnSpc>
-                <a:spcPct val="100000"/>
-              </a:lnSpc>
-              <a:spcBef>
-                <a:spcPts val="0"/>
-              </a:spcBef>
-              <a:spcAft>
-                <a:spcPts val="0"/>
-              </a:spcAft>
-              <a:buClrTx/>
-              <a:buSzTx/>
-              <a:buFontTx/>
-              <a:buNone/>
-              <a:tabLst/>
-              <a:defRPr/>
-            </a:pPr>
-            <a:r>
-              <a:rPr lang="ko-KR" altLang="en-US" dirty="0"/>
-              <a:t>서포트 벡터 </a:t>
-            </a:r>
-            <a:r>
-              <a:rPr lang="ko-KR" altLang="en-US" dirty="0" err="1"/>
-              <a:t>머신의</a:t>
-            </a:r>
-            <a:r>
-              <a:rPr lang="ko-KR" altLang="en-US" dirty="0"/>
-              <a:t> 장점으로는 이상치에 대한 영향이 적고</a:t>
-            </a:r>
-            <a:r>
-              <a:rPr lang="en-US" altLang="ko-KR" dirty="0"/>
-              <a:t>, </a:t>
-            </a:r>
-            <a:r>
-              <a:rPr lang="ko-KR" altLang="en-US" dirty="0" err="1"/>
-              <a:t>오버피팅의</a:t>
-            </a:r>
-            <a:r>
-              <a:rPr lang="ko-KR" altLang="en-US" dirty="0"/>
-              <a:t> 가능성이 낮다는 점이 있습니다</a:t>
-            </a:r>
-            <a:r>
-              <a:rPr lang="en-US" altLang="ko-KR" dirty="0"/>
-              <a:t>.</a:t>
-            </a:r>
-          </a:p>
-          <a:p>
-            <a:pPr marL="0" marR="0" indent="0" algn="l" defTabSz="914400" rtl="0" eaLnBrk="1" fontAlgn="auto" latinLnBrk="1" hangingPunct="1">
-              <a:lnSpc>
-                <a:spcPct val="100000"/>
-              </a:lnSpc>
-              <a:spcBef>
-                <a:spcPts val="0"/>
-              </a:spcBef>
-              <a:spcAft>
-                <a:spcPts val="0"/>
-              </a:spcAft>
-              <a:buClrTx/>
-              <a:buSzTx/>
-              <a:buFontTx/>
-              <a:buNone/>
-              <a:tabLst/>
-              <a:defRPr/>
-            </a:pPr>
-            <a:r>
-              <a:rPr lang="ko-KR" altLang="en-US" dirty="0"/>
-              <a:t>단점으로는 추후에 설명드릴 </a:t>
-            </a:r>
-            <a:r>
-              <a:rPr lang="ko-KR" altLang="en-US" dirty="0" err="1"/>
-              <a:t>하이퍼파라미터에</a:t>
-            </a:r>
-            <a:r>
-              <a:rPr lang="ko-KR" altLang="en-US" dirty="0"/>
-              <a:t> 대한 다양한 조합을 테스트해야 하기 때문에 학습 속도가 느리다는 점이 있습니다</a:t>
+              <a:t>전체적으로 거의 같은 오차 경향을 보이는 것을 확인 할 수 있습니다</a:t>
             </a:r>
             <a:r>
               <a:rPr lang="en-US" altLang="ko-KR" dirty="0"/>
@@ -6740,23 +5798,15 @@
             </a:pPr>
             <a:r>
               <a:rPr lang="ko-KR" altLang="en-US" dirty="0"/>
-              <a:t>서포트 벡터 </a:t>
-            </a:r>
-            <a:r>
-              <a:rPr lang="ko-KR" altLang="en-US" dirty="0" err="1"/>
-              <a:t>머신은</a:t>
-            </a:r>
-            <a:r>
-              <a:rPr lang="ko-KR" altLang="en-US" dirty="0"/>
-              <a:t> 선형</a:t>
-            </a:r>
-            <a:r>
-              <a:rPr lang="en-US" altLang="ko-KR" dirty="0"/>
-              <a:t>, </a:t>
-            </a:r>
-            <a:r>
-              <a:rPr lang="ko-KR" altLang="en-US" dirty="0"/>
-              <a:t>비선형의 데이터셋에 대한 분류와 회귀 모델로 사용될 수 있습니다</a:t>
+              <a:t>앞서 구한 최적의 파라미터에 대해 범위를 조정하여</a:t>
+            </a:r>
+            <a:r>
+              <a:rPr lang="en-US" altLang="ko-KR" dirty="0"/>
+              <a:t>, Grid Search</a:t>
+            </a:r>
+            <a:r>
+              <a:rPr lang="ko-KR" altLang="en-US" dirty="0"/>
+              <a:t>를 한번 더 수행하였습니다</a:t>
             </a:r>
             <a:r>
               <a:rPr lang="en-US" altLang="ko-KR" dirty="0"/>
@@ -6783,7 +5833,7 @@
             </a:pPr>
             <a:r>
               <a:rPr lang="ko-KR" altLang="en-US" dirty="0"/>
-              <a:t>또한</a:t>
+              <a:t>이때</a:t>
             </a:r>
             <a:r>
               <a:rPr lang="en-US" altLang="ko-KR" dirty="0"/>
@@ -6791,15 +5841,31 @@
             </a:r>
             <a:r>
               <a:rPr lang="ko-KR" altLang="en-US" dirty="0"/>
-              <a:t>이상치 탐지 등에도 사용이 가능한 다목적 </a:t>
-            </a:r>
-            <a:r>
-              <a:rPr lang="ko-KR" altLang="en-US" dirty="0" err="1"/>
-              <a:t>머신러닝</a:t>
-            </a:r>
-            <a:r>
-              <a:rPr lang="ko-KR" altLang="en-US" dirty="0"/>
-              <a:t> 모델입니다</a:t>
+              <a:t>소요된 시간은 원본 데이터셋이 </a:t>
+            </a:r>
+            <a:r>
+              <a:rPr lang="en-US" altLang="ko-KR" dirty="0"/>
+              <a:t>17</a:t>
+            </a:r>
+            <a:r>
+              <a:rPr lang="ko-KR" altLang="en-US" dirty="0"/>
+              <a:t>분</a:t>
+            </a:r>
+            <a:r>
+              <a:rPr lang="en-US" altLang="ko-KR" dirty="0"/>
+              <a:t>, </a:t>
+            </a:r>
+            <a:r>
+              <a:rPr lang="ko-KR" altLang="en-US" dirty="0"/>
+              <a:t>축소 데이터셋이 절반 수준인 </a:t>
+            </a:r>
+            <a:r>
+              <a:rPr lang="en-US" altLang="ko-KR" dirty="0"/>
+              <a:t>9</a:t>
+            </a:r>
+            <a:r>
+              <a:rPr lang="ko-KR" altLang="en-US" dirty="0"/>
+              <a:t>분입니다</a:t>
             </a:r>
             <a:r>
               <a:rPr lang="en-US" altLang="ko-KR" dirty="0"/>
@@ -6826,15 +5892,15 @@
             </a:pPr>
             <a:r>
               <a:rPr lang="ko-KR" altLang="en-US" dirty="0"/>
-              <a:t>서포트 벡터 </a:t>
-            </a:r>
-            <a:r>
-              <a:rPr lang="ko-KR" altLang="en-US" dirty="0" err="1"/>
-              <a:t>머신의</a:t>
-            </a:r>
-            <a:r>
-              <a:rPr lang="ko-KR" altLang="en-US" dirty="0"/>
-              <a:t> 가장 기본 컨셉은 왼쪽 그림에서 나타난 것처럼 클래스 사이에 마진을 설정하는 것입니다</a:t>
+              <a:t>점수는 이전보다 아주 소폭 상승한 </a:t>
+            </a:r>
+            <a:r>
+              <a:rPr lang="en-US" altLang="ko-KR" dirty="0"/>
+              <a:t>77% </a:t>
+            </a:r>
+            <a:r>
+              <a:rPr lang="ko-KR" altLang="en-US" dirty="0"/>
+              <a:t>수준으로 두 경우에서 동일하게 나왔습니다</a:t>
             </a:r>
             <a:r>
               <a:rPr lang="en-US" altLang="ko-KR" dirty="0"/>
@@ -6860,86 +5926,16 @@
               <a:defRPr/>
             </a:pPr>
             <a:r>
-              <a:rPr lang="en-US" altLang="ko-KR" dirty="0"/>
-              <a:t>(click)</a:t>
-            </a:r>
-          </a:p>
-          <a:p>
-            <a:pPr marL="0" marR="0" indent="0" algn="l" defTabSz="914400" rtl="0" eaLnBrk="1" fontAlgn="auto" latinLnBrk="1" hangingPunct="1">
-              <a:lnSpc>
-                <a:spcPct val="100000"/>
-              </a:lnSpc>
-              <a:spcBef>
-                <a:spcPts val="0"/>
-              </a:spcBef>
-              <a:spcAft>
-                <a:spcPts val="0"/>
-              </a:spcAft>
-              <a:buClrTx/>
-              <a:buSzTx/>
-              <a:buFontTx/>
-              <a:buNone/>
-              <a:tabLst/>
-              <a:defRPr/>
-            </a:pPr>
-            <a:r>
-              <a:rPr lang="ko-KR" altLang="en-US" dirty="0"/>
-              <a:t>서포트 벡터 </a:t>
-            </a:r>
-            <a:r>
-              <a:rPr lang="ko-KR" altLang="en-US" dirty="0" err="1"/>
-              <a:t>머신의</a:t>
-            </a:r>
-            <a:r>
-              <a:rPr lang="ko-KR" altLang="en-US" dirty="0"/>
-              <a:t> 장점으로는 이상치에 대한 영향이 적고</a:t>
+              <a:rPr lang="ko-KR" altLang="en-US" dirty="0"/>
+              <a:t>이 때에도</a:t>
             </a:r>
             <a:r>
               <a:rPr lang="en-US" altLang="ko-KR" dirty="0"/>
               <a:t>, </a:t>
             </a:r>
             <a:r>
-              <a:rPr lang="ko-KR" altLang="en-US" dirty="0" err="1"/>
-              <a:t>오버피팅의</a:t>
-            </a:r>
-            <a:r>
-              <a:rPr lang="ko-KR" altLang="en-US" dirty="0"/>
-              <a:t> 가능성이 낮다는 점이 있습니다</a:t>
-            </a:r>
-            <a:r>
-              <a:rPr lang="en-US" altLang="ko-KR" dirty="0"/>
-              <a:t>.</a:t>
-            </a:r>
-          </a:p>
-          <a:p>
-            <a:pPr marL="0" marR="0" indent="0" algn="l" defTabSz="914400" rtl="0" eaLnBrk="1" fontAlgn="auto" latinLnBrk="1" hangingPunct="1">
-              <a:lnSpc>
-                <a:spcPct val="100000"/>
-              </a:lnSpc>
-              <a:spcBef>
-                <a:spcPts val="0"/>
-              </a:spcBef>
-              <a:spcAft>
-                <a:spcPts val="0"/>
-              </a:spcAft>
-              <a:buClrTx/>
-              <a:buSzTx/>
-              <a:buFontTx/>
-              <a:buNone/>
-              <a:tabLst/>
-              <a:defRPr/>
-            </a:pPr>
-            <a:r>
-              <a:rPr lang="ko-KR" altLang="en-US" dirty="0"/>
-              <a:t>단점으로는 추후에 설명드릴 </a:t>
-            </a:r>
-            <a:r>
-              <a:rPr lang="ko-KR" altLang="en-US" dirty="0" err="1"/>
-              <a:t>하이퍼파라미터에</a:t>
-            </a:r>
-            <a:r>
-              <a:rPr lang="ko-KR" altLang="en-US" dirty="0"/>
-              <a:t> 대한 다양한 조합을 테스트해야 하기 때문에 학습 속도가 느리다는 점이 있습니다</a:t>
+              <a:rPr lang="ko-KR" altLang="en-US" dirty="0"/>
+              <a:t>최적의 파라미터는 같은 값으로 산출되었습니다</a:t>
             </a:r>
             <a:r>
               <a:rPr lang="en-US" altLang="ko-KR" dirty="0"/>
@@ -7050,16 +6046,12 @@
               <a:defRPr/>
             </a:pPr>
             <a:r>
-              <a:rPr lang="ko-KR" altLang="en-US" dirty="0"/>
-              <a:t>서포트 벡터 </a:t>
-            </a:r>
-            <a:r>
               <a:rPr lang="ko-KR" altLang="en-US" dirty="0" err="1"/>
-              <a:t>머신은</a:t>
-            </a:r>
-            <a:r>
-              <a:rPr lang="ko-KR" altLang="en-US" dirty="0"/>
-              <a:t> 선형</a:t>
+              <a:t>머신러닝</a:t>
+            </a:r>
+            <a:r>
+              <a:rPr lang="ko-KR" altLang="en-US" dirty="0"/>
+              <a:t> 모델이나 딥러닝 모델을 학습시킬 때</a:t>
             </a:r>
             <a:r>
               <a:rPr lang="en-US" altLang="ko-KR" dirty="0"/>
@@ -7067,7 +6059,31 @@
             </a:r>
             <a:r>
               <a:rPr lang="ko-KR" altLang="en-US" dirty="0"/>
-              <a:t>비선형의 데이터셋에 대한 분류와 회귀 모델로 사용될 수 있습니다</a:t>
+              <a:t>훈련 세트의 특성은 보통 수십 개 이상이고</a:t>
+            </a:r>
+            <a:r>
+              <a:rPr lang="en-US" altLang="ko-KR" dirty="0"/>
+              <a:t>,</a:t>
+            </a:r>
+            <a:r>
+              <a:rPr lang="ko-KR" altLang="en-US" dirty="0"/>
+              <a:t> 이미지 같은 경우에는 각각의 픽셀이 특성이 되기 때문에</a:t>
+            </a:r>
+            <a:r>
+              <a:rPr lang="en-US" altLang="ko-KR" dirty="0"/>
+              <a:t> </a:t>
+            </a:r>
+            <a:r>
+              <a:rPr lang="ko-KR" altLang="en-US" dirty="0"/>
+              <a:t>수만</a:t>
+            </a:r>
+            <a:r>
+              <a:rPr lang="en-US" altLang="ko-KR" dirty="0"/>
+              <a:t> </a:t>
+            </a:r>
+            <a:r>
+              <a:rPr lang="ko-KR" altLang="en-US" dirty="0"/>
+              <a:t>개 이상이 될 수도 있습니다</a:t>
             </a:r>
             <a:r>
               <a:rPr lang="en-US" altLang="ko-KR" dirty="0"/>
@@ -7093,24 +6109,44 @@
               <a:defRPr/>
             </a:pPr>
             <a:r>
-              <a:rPr lang="ko-KR" altLang="en-US" dirty="0"/>
-              <a:t>또한</a:t>
-            </a:r>
-            <a:r>
-              <a:rPr lang="en-US" altLang="ko-KR" dirty="0"/>
-              <a:t>, </a:t>
-            </a:r>
-            <a:r>
-              <a:rPr lang="ko-KR" altLang="en-US" dirty="0"/>
-              <a:t>이상치 탐지 등에도 사용이 가능한 다목적 </a:t>
-            </a:r>
-            <a:r>
               <a:rPr lang="ko-KR" altLang="en-US" dirty="0" err="1"/>
-              <a:t>머신러닝</a:t>
-            </a:r>
-            <a:r>
-              <a:rPr lang="ko-KR" altLang="en-US" dirty="0"/>
-              <a:t> 모델입니다</a:t>
+              <a:t>머신러닝에서는</a:t>
+            </a:r>
+            <a:r>
+              <a:rPr lang="ko-KR" altLang="en-US" dirty="0"/>
+              <a:t> 특성의 개수를 차원이라고 합니다</a:t>
+            </a:r>
+            <a:r>
+              <a:rPr lang="en-US" altLang="ko-KR" dirty="0"/>
+              <a:t>. </a:t>
+            </a:r>
+            <a:r>
+              <a:rPr lang="ko-KR" altLang="en-US" dirty="0"/>
+              <a:t>그림을 보시는 것 처럼 특성의 개수가 </a:t>
+            </a:r>
+            <a:r>
+              <a:rPr lang="en-US" altLang="ko-KR" dirty="0"/>
+              <a:t>1</a:t>
+            </a:r>
+            <a:r>
+              <a:rPr lang="ko-KR" altLang="en-US" dirty="0"/>
+              <a:t>개에서 </a:t>
+            </a:r>
+            <a:r>
+              <a:rPr lang="en-US" altLang="ko-KR" dirty="0"/>
+              <a:t>2</a:t>
+            </a:r>
+            <a:r>
+              <a:rPr lang="ko-KR" altLang="en-US" dirty="0"/>
+              <a:t>개</a:t>
+            </a:r>
+            <a:r>
+              <a:rPr lang="en-US" altLang="ko-KR" dirty="0"/>
+              <a:t>, 3</a:t>
+            </a:r>
+            <a:r>
+              <a:rPr lang="ko-KR" altLang="en-US" dirty="0"/>
+              <a:t>개로 늘어날 때 마다 훈련 샘플이 더 높은 차원에서 표현되는 것을 볼 수 있습니다</a:t>
             </a:r>
             <a:r>
               <a:rPr lang="en-US" altLang="ko-KR" dirty="0"/>
@@ -7137,15 +6173,39 @@
             </a:pPr>
             <a:r>
               <a:rPr lang="ko-KR" altLang="en-US" dirty="0"/>
-              <a:t>서포트 벡터 </a:t>
-            </a:r>
-            <a:r>
-              <a:rPr lang="ko-KR" altLang="en-US" dirty="0" err="1"/>
-              <a:t>머신의</a:t>
-            </a:r>
-            <a:r>
-              <a:rPr lang="ko-KR" altLang="en-US" dirty="0"/>
-              <a:t> 가장 기본 컨셉은 왼쪽 그림에서 나타난 것처럼 클래스 사이에 마진을 설정하는 것입니다</a:t>
+              <a:t>학습을 시킬 때에</a:t>
+            </a:r>
+            <a:r>
+              <a:rPr lang="en-US" altLang="ko-KR" dirty="0"/>
+              <a:t>, </a:t>
+            </a:r>
+            <a:r>
+              <a:rPr lang="ko-KR" altLang="en-US" dirty="0"/>
+              <a:t>차원 즉</a:t>
+            </a:r>
+            <a:r>
+              <a:rPr lang="en-US" altLang="ko-KR" dirty="0"/>
+              <a:t>, </a:t>
+            </a:r>
+            <a:r>
+              <a:rPr lang="ko-KR" altLang="en-US" dirty="0"/>
+              <a:t>특성의 개수가 많아질수록 학습 공간 내의 샘플의 밀도가 낮아지고 이로 인해</a:t>
+            </a:r>
+            <a:r>
+              <a:rPr lang="en-US" altLang="ko-KR" dirty="0"/>
+              <a:t>, </a:t>
+            </a:r>
+            <a:r>
+              <a:rPr lang="ko-KR" altLang="en-US" dirty="0"/>
+              <a:t>정확한 예측이 힘들어지거나 모델이 훈련 세트에 과대적합 될 가능성</a:t>
+            </a:r>
+            <a:r>
+              <a:rPr lang="en-US" altLang="ko-KR" dirty="0"/>
+              <a:t> </a:t>
+            </a:r>
+            <a:r>
+              <a:rPr lang="ko-KR" altLang="en-US" dirty="0"/>
+              <a:t>생깁니다</a:t>
             </a:r>
             <a:r>
               <a:rPr lang="en-US" altLang="ko-KR" dirty="0"/>
@@ -7171,8 +6231,36 @@
               <a:defRPr/>
             </a:pPr>
             <a:r>
-              <a:rPr lang="en-US" altLang="ko-KR" dirty="0"/>
-              <a:t>(click)</a:t>
+              <a:rPr lang="ko-KR" altLang="en-US" dirty="0"/>
+              <a:t>또한</a:t>
+            </a:r>
+            <a:r>
+              <a:rPr lang="en-US" altLang="ko-KR" dirty="0"/>
+              <a:t>, </a:t>
+            </a:r>
+            <a:r>
+              <a:rPr lang="ko-KR" altLang="en-US" dirty="0"/>
+              <a:t>당연히 특성의 개수가 늘어날수록</a:t>
+            </a:r>
+            <a:r>
+              <a:rPr lang="en-US" altLang="ko-KR" dirty="0"/>
+              <a:t>, </a:t>
+            </a:r>
+            <a:r>
+              <a:rPr lang="ko-KR" altLang="en-US" dirty="0"/>
+              <a:t>학습 시간은 </a:t>
+            </a:r>
+            <a:r>
+              <a:rPr lang="ko-KR" altLang="en-US" dirty="0" err="1"/>
+              <a:t>느려지게</a:t>
+            </a:r>
+            <a:r>
+              <a:rPr lang="ko-KR" altLang="en-US" dirty="0"/>
+              <a:t> 됩니다</a:t>
+            </a:r>
+            <a:r>
+              <a:rPr lang="en-US" altLang="ko-KR" dirty="0"/>
+              <a:t>.</a:t>
             </a:r>
           </a:p>
           <a:p>
@@ -7195,27 +6283,7 @@
             </a:pPr>
             <a:r>
               <a:rPr lang="ko-KR" altLang="en-US" dirty="0"/>
-              <a:t>서포트 벡터 </a:t>
-            </a:r>
-            <a:r>
-              <a:rPr lang="ko-KR" altLang="en-US" dirty="0" err="1"/>
-              <a:t>머신의</a:t>
-            </a:r>
-            <a:r>
-              <a:rPr lang="ko-KR" altLang="en-US" dirty="0"/>
-              <a:t> 장점으로는 이상치에 대한 영향이 적고</a:t>
-            </a:r>
-            <a:r>
-              <a:rPr lang="en-US" altLang="ko-KR" dirty="0"/>
-              <a:t>, </a:t>
-            </a:r>
-            <a:r>
-              <a:rPr lang="ko-KR" altLang="en-US" dirty="0" err="1"/>
-              <a:t>오버피팅의</a:t>
-            </a:r>
-            <a:r>
-              <a:rPr lang="ko-KR" altLang="en-US" dirty="0"/>
-              <a:t> 가능성이 낮다는 점이 있습니다</a:t>
+              <a:t>이를 차원의 저주라고 합니다</a:t>
             </a:r>
             <a:r>
               <a:rPr lang="en-US" altLang="ko-KR" dirty="0"/>
@@ -7242,21 +6310,20 @@
             </a:pPr>
             <a:r>
               <a:rPr lang="ko-KR" altLang="en-US" dirty="0"/>
-              <a:t>단점으로는 추후에 설명드릴 </a:t>
-            </a:r>
-            <a:r>
-              <a:rPr lang="ko-KR" altLang="en-US" dirty="0" err="1"/>
-              <a:t>하이퍼파라미터에</a:t>
-            </a:r>
-            <a:r>
-              <a:rPr lang="ko-KR" altLang="en-US" dirty="0"/>
-              <a:t> 대한 다양한 조합을 테스트해야 하기 때문에 학습 속도가 느리다는 점이 있습니다</a:t>
+              <a:t>이러한 문제를 해결하기 위해서는 차원을 줄이거나</a:t>
+            </a:r>
+            <a:r>
+              <a:rPr lang="en-US" altLang="ko-KR" dirty="0"/>
+              <a:t>, </a:t>
+            </a:r>
+            <a:r>
+              <a:rPr lang="ko-KR" altLang="en-US" dirty="0"/>
+              <a:t>학습 공간 내에서 샘플의 밀도가 충분해질 때 까지 샘플을 추가 할 수 있습니다</a:t>
             </a:r>
             <a:r>
               <a:rPr lang="en-US" altLang="ko-KR" dirty="0"/>
               <a:t>.</a:t>
             </a:r>
-            <a:endParaRPr lang="ko-KR" altLang="en-US" dirty="0"/>
           </a:p>
         </p:txBody>
       </p:sp>
@@ -7357,23 +6424,15 @@
             </a:pPr>
             <a:r>
               <a:rPr lang="ko-KR" altLang="en-US" dirty="0"/>
-              <a:t>서포트 벡터 </a:t>
-            </a:r>
-            <a:r>
-              <a:rPr lang="ko-KR" altLang="en-US" dirty="0" err="1"/>
-              <a:t>머신은</a:t>
-            </a:r>
-            <a:r>
-              <a:rPr lang="ko-KR" altLang="en-US" dirty="0"/>
-              <a:t> 선형</a:t>
-            </a:r>
-            <a:r>
-              <a:rPr lang="en-US" altLang="ko-KR" dirty="0"/>
-              <a:t>, </a:t>
-            </a:r>
-            <a:r>
-              <a:rPr lang="ko-KR" altLang="en-US" dirty="0"/>
-              <a:t>비선형의 데이터셋에 대한 분류와 회귀 모델로 사용될 수 있습니다</a:t>
+              <a:t>두 번째 </a:t>
+            </a:r>
+            <a:r>
+              <a:rPr lang="en-US" altLang="ko-KR" dirty="0"/>
+              <a:t>Grid Search</a:t>
+            </a:r>
+            <a:r>
+              <a:rPr lang="ko-KR" altLang="en-US" dirty="0"/>
+              <a:t>를 적용한 분류기에 대한 오차 행렬에서도 두 분류기가 거의 동일한 경향을 보이는 것을 확인하였습니다</a:t>
             </a:r>
             <a:r>
               <a:rPr lang="en-US" altLang="ko-KR" dirty="0"/>
@@ -7400,7 +6459,7 @@
             </a:pPr>
             <a:r>
               <a:rPr lang="ko-KR" altLang="en-US" dirty="0"/>
-              <a:t>또한</a:t>
+              <a:t>그리고</a:t>
             </a:r>
             <a:r>
               <a:rPr lang="en-US" altLang="ko-KR" dirty="0"/>
@@ -7408,15 +6467,39 @@
             </a:r>
             <a:r>
               <a:rPr lang="ko-KR" altLang="en-US" dirty="0"/>
-              <a:t>이상치 탐지 등에도 사용이 가능한 다목적 </a:t>
+              <a:t>제가 실습을 진행하기에 앞서 데이터셋을 보고 개미</a:t>
+            </a:r>
+            <a:r>
+              <a:rPr lang="en-US" altLang="ko-KR" dirty="0"/>
+              <a:t>, </a:t>
+            </a:r>
+            <a:r>
+              <a:rPr lang="ko-KR" altLang="en-US" dirty="0"/>
+              <a:t>낙타</a:t>
+            </a:r>
+            <a:r>
+              <a:rPr lang="en-US" altLang="ko-KR" dirty="0"/>
+              <a:t>, </a:t>
+            </a:r>
+            <a:r>
+              <a:rPr lang="ko-KR" altLang="en-US" dirty="0"/>
+              <a:t>소 클래스의 이미지를 서로 잘못 분류할 것으로 예상하였는데</a:t>
+            </a:r>
+            <a:r>
+              <a:rPr lang="en-US" altLang="ko-KR" dirty="0"/>
+              <a:t> </a:t>
+            </a:r>
+            <a:r>
+              <a:rPr lang="ko-KR" altLang="en-US" dirty="0"/>
+              <a:t>다음과 같이 </a:t>
             </a:r>
             <a:r>
               <a:rPr lang="ko-KR" altLang="en-US" dirty="0" err="1"/>
-              <a:t>머신러닝</a:t>
-            </a:r>
-            <a:r>
-              <a:rPr lang="ko-KR" altLang="en-US" dirty="0"/>
-              <a:t> 모델입니다</a:t>
+              <a:t>오분류된</a:t>
+            </a:r>
+            <a:r>
+              <a:rPr lang="ko-KR" altLang="en-US" dirty="0"/>
+              <a:t> 케이스를 확인 할 수 있습니다</a:t>
             </a:r>
             <a:r>
               <a:rPr lang="en-US" altLang="ko-KR" dirty="0"/>
@@ -7424,7 +6507,7 @@
             </a:r>
           </a:p>
           <a:p>
-            <a:pPr marL="0" marR="0" indent="0" algn="l" defTabSz="914400" rtl="0" eaLnBrk="1" fontAlgn="auto" latinLnBrk="1" hangingPunct="1">
+            <a:pPr marL="0" marR="0" lvl="0" indent="0" algn="l" defTabSz="914400" rtl="0" eaLnBrk="1" fontAlgn="auto" latinLnBrk="1" hangingPunct="1">
               <a:lnSpc>
                 <a:spcPct val="100000"/>
               </a:lnSpc>
@@ -7442,125 +6525,272 @@
               <a:defRPr/>
             </a:pPr>
             <a:r>
-              <a:rPr lang="ko-KR" altLang="en-US" dirty="0"/>
-              <a:t>서포트 벡터 </a:t>
-            </a:r>
-            <a:r>
-              <a:rPr lang="ko-KR" altLang="en-US" dirty="0" err="1"/>
-              <a:t>머신의</a:t>
-            </a:r>
-            <a:r>
-              <a:rPr lang="ko-KR" altLang="en-US" dirty="0"/>
-              <a:t> 가장 기본 컨셉은 왼쪽 그림에서 나타난 것처럼 클래스 사이에 마진을 설정하는 것입니다</a:t>
-            </a:r>
-            <a:r>
-              <a:rPr lang="en-US" altLang="ko-KR" dirty="0"/>
-              <a:t>.</a:t>
-            </a:r>
-          </a:p>
-          <a:p>
-            <a:pPr marL="0" marR="0" indent="0" algn="l" defTabSz="914400" rtl="0" eaLnBrk="1" fontAlgn="auto" latinLnBrk="1" hangingPunct="1">
-              <a:lnSpc>
-                <a:spcPct val="100000"/>
-              </a:lnSpc>
-              <a:spcBef>
-                <a:spcPts val="0"/>
-              </a:spcBef>
-              <a:spcAft>
-                <a:spcPts val="0"/>
-              </a:spcAft>
-              <a:buClrTx/>
-              <a:buSzTx/>
-              <a:buFontTx/>
-              <a:buNone/>
-              <a:tabLst/>
-              <a:defRPr/>
-            </a:pPr>
-            <a:r>
-              <a:rPr lang="en-US" altLang="ko-KR" dirty="0"/>
-              <a:t>(click)</a:t>
-            </a:r>
-          </a:p>
-          <a:p>
-            <a:pPr marL="0" marR="0" indent="0" algn="l" defTabSz="914400" rtl="0" eaLnBrk="1" fontAlgn="auto" latinLnBrk="1" hangingPunct="1">
-              <a:lnSpc>
-                <a:spcPct val="100000"/>
-              </a:lnSpc>
-              <a:spcBef>
-                <a:spcPts val="0"/>
-              </a:spcBef>
-              <a:spcAft>
-                <a:spcPts val="0"/>
-              </a:spcAft>
-              <a:buClrTx/>
-              <a:buSzTx/>
-              <a:buFontTx/>
-              <a:buNone/>
-              <a:tabLst/>
-              <a:defRPr/>
-            </a:pPr>
-            <a:r>
-              <a:rPr lang="ko-KR" altLang="en-US" dirty="0"/>
-              <a:t>서포트 벡터 </a:t>
-            </a:r>
-            <a:r>
-              <a:rPr lang="ko-KR" altLang="en-US" dirty="0" err="1"/>
-              <a:t>머신의</a:t>
-            </a:r>
-            <a:r>
-              <a:rPr lang="ko-KR" altLang="en-US" dirty="0"/>
-              <a:t> 장점으로는 이상치에 대한 영향이 적고</a:t>
-            </a:r>
-            <a:r>
-              <a:rPr lang="en-US" altLang="ko-KR" dirty="0"/>
-              <a:t>, </a:t>
-            </a:r>
-            <a:r>
-              <a:rPr lang="ko-KR" altLang="en-US" dirty="0" err="1"/>
-              <a:t>오버피팅의</a:t>
-            </a:r>
-            <a:r>
-              <a:rPr lang="ko-KR" altLang="en-US" dirty="0"/>
-              <a:t> 가능성이 낮다는 점이 있습니다</a:t>
-            </a:r>
-            <a:r>
-              <a:rPr lang="en-US" altLang="ko-KR" dirty="0"/>
-              <a:t>.</a:t>
-            </a:r>
-          </a:p>
-          <a:p>
-            <a:pPr marL="0" marR="0" indent="0" algn="l" defTabSz="914400" rtl="0" eaLnBrk="1" fontAlgn="auto" latinLnBrk="1" hangingPunct="1">
-              <a:lnSpc>
-                <a:spcPct val="100000"/>
-              </a:lnSpc>
-              <a:spcBef>
-                <a:spcPts val="0"/>
-              </a:spcBef>
-              <a:spcAft>
-                <a:spcPts val="0"/>
-              </a:spcAft>
-              <a:buClrTx/>
-              <a:buSzTx/>
-              <a:buFontTx/>
-              <a:buNone/>
-              <a:tabLst/>
-              <a:defRPr/>
-            </a:pPr>
-            <a:r>
-              <a:rPr lang="ko-KR" altLang="en-US" dirty="0"/>
-              <a:t>단점으로는 추후에 설명드릴 </a:t>
-            </a:r>
-            <a:r>
-              <a:rPr lang="ko-KR" altLang="en-US" dirty="0" err="1"/>
-              <a:t>하이퍼파라미터에</a:t>
-            </a:r>
-            <a:r>
-              <a:rPr lang="ko-KR" altLang="en-US" dirty="0"/>
-              <a:t> 대한 다양한 조합을 테스트해야 하기 때문에 학습 속도가 느리다는 점이 있습니다</a:t>
-            </a:r>
-            <a:r>
-              <a:rPr lang="en-US" altLang="ko-KR" dirty="0"/>
-              <a:t>.</a:t>
+              <a:rPr lang="en-US" altLang="ko-KR" dirty="0"/>
+              <a:t>(</a:t>
+            </a:r>
+            <a:r>
+              <a:rPr lang="en-US" altLang="ko-KR" b="0" dirty="0" err="1">
+                <a:solidFill>
+                  <a:srgbClr val="D4D4D4"/>
+                </a:solidFill>
+                <a:effectLst/>
+                <a:latin typeface="Courier New" panose="02070309020205020404" pitchFamily="49" charset="0"/>
+              </a:rPr>
+              <a:t>target_list</a:t>
+            </a:r>
+            <a:r>
+              <a:rPr lang="en-US" altLang="ko-KR" b="0" dirty="0">
+                <a:solidFill>
+                  <a:srgbClr val="D4D4D4"/>
+                </a:solidFill>
+                <a:effectLst/>
+                <a:latin typeface="Courier New" panose="02070309020205020404" pitchFamily="49" charset="0"/>
+              </a:rPr>
+              <a:t> = </a:t>
+            </a:r>
+            <a:r>
+              <a:rPr lang="en-US" altLang="ko-KR" b="0" dirty="0">
+                <a:solidFill>
+                  <a:srgbClr val="DCDCDC"/>
+                </a:solidFill>
+                <a:effectLst/>
+                <a:latin typeface="Courier New" panose="02070309020205020404" pitchFamily="49" charset="0"/>
+              </a:rPr>
+              <a:t>[</a:t>
+            </a:r>
+            <a:r>
+              <a:rPr lang="en-US" altLang="ko-KR" b="0" dirty="0">
+                <a:solidFill>
+                  <a:srgbClr val="CE9178"/>
+                </a:solidFill>
+                <a:effectLst/>
+                <a:latin typeface="Courier New" panose="02070309020205020404" pitchFamily="49" charset="0"/>
+              </a:rPr>
+              <a:t>'ant'</a:t>
+            </a:r>
+            <a:r>
+              <a:rPr lang="en-US" altLang="ko-KR" b="0" dirty="0">
+                <a:solidFill>
+                  <a:srgbClr val="DCDCDC"/>
+                </a:solidFill>
+                <a:effectLst/>
+                <a:latin typeface="Courier New" panose="02070309020205020404" pitchFamily="49" charset="0"/>
+              </a:rPr>
+              <a:t>,</a:t>
+            </a:r>
+            <a:r>
+              <a:rPr lang="en-US" altLang="ko-KR" b="0" dirty="0">
+                <a:solidFill>
+                  <a:srgbClr val="D4D4D4"/>
+                </a:solidFill>
+                <a:effectLst/>
+                <a:latin typeface="Courier New" panose="02070309020205020404" pitchFamily="49" charset="0"/>
+              </a:rPr>
+              <a:t> </a:t>
+            </a:r>
+            <a:r>
+              <a:rPr lang="en-US" altLang="ko-KR" b="0" dirty="0">
+                <a:solidFill>
+                  <a:srgbClr val="CE9178"/>
+                </a:solidFill>
+                <a:effectLst/>
+                <a:latin typeface="Courier New" panose="02070309020205020404" pitchFamily="49" charset="0"/>
+              </a:rPr>
+              <a:t>'bicycle'</a:t>
+            </a:r>
+            <a:r>
+              <a:rPr lang="en-US" altLang="ko-KR" b="0" dirty="0">
+                <a:solidFill>
+                  <a:srgbClr val="DCDCDC"/>
+                </a:solidFill>
+                <a:effectLst/>
+                <a:latin typeface="Courier New" panose="02070309020205020404" pitchFamily="49" charset="0"/>
+              </a:rPr>
+              <a:t>,</a:t>
+            </a:r>
+            <a:r>
+              <a:rPr lang="en-US" altLang="ko-KR" b="0" dirty="0">
+                <a:solidFill>
+                  <a:srgbClr val="D4D4D4"/>
+                </a:solidFill>
+                <a:effectLst/>
+                <a:latin typeface="Courier New" panose="02070309020205020404" pitchFamily="49" charset="0"/>
+              </a:rPr>
+              <a:t> </a:t>
+            </a:r>
+            <a:r>
+              <a:rPr lang="en-US" altLang="ko-KR" b="0" dirty="0">
+                <a:solidFill>
+                  <a:srgbClr val="CE9178"/>
+                </a:solidFill>
+                <a:effectLst/>
+                <a:latin typeface="Courier New" panose="02070309020205020404" pitchFamily="49" charset="0"/>
+              </a:rPr>
+              <a:t>'bird'</a:t>
+            </a:r>
+            <a:r>
+              <a:rPr lang="en-US" altLang="ko-KR" b="0" dirty="0">
+                <a:solidFill>
+                  <a:srgbClr val="DCDCDC"/>
+                </a:solidFill>
+                <a:effectLst/>
+                <a:latin typeface="Courier New" panose="02070309020205020404" pitchFamily="49" charset="0"/>
+              </a:rPr>
+              <a:t>,</a:t>
+            </a:r>
+            <a:r>
+              <a:rPr lang="en-US" altLang="ko-KR" b="0" dirty="0">
+                <a:solidFill>
+                  <a:srgbClr val="D4D4D4"/>
+                </a:solidFill>
+                <a:effectLst/>
+                <a:latin typeface="Courier New" panose="02070309020205020404" pitchFamily="49" charset="0"/>
+              </a:rPr>
+              <a:t> </a:t>
+            </a:r>
+            <a:r>
+              <a:rPr lang="en-US" altLang="ko-KR" b="0" dirty="0">
+                <a:solidFill>
+                  <a:srgbClr val="CE9178"/>
+                </a:solidFill>
+                <a:effectLst/>
+                <a:latin typeface="Courier New" panose="02070309020205020404" pitchFamily="49" charset="0"/>
+              </a:rPr>
+              <a:t>'butterfly'</a:t>
+            </a:r>
+            <a:r>
+              <a:rPr lang="en-US" altLang="ko-KR" b="0" dirty="0">
+                <a:solidFill>
+                  <a:srgbClr val="DCDCDC"/>
+                </a:solidFill>
+                <a:effectLst/>
+                <a:latin typeface="Courier New" panose="02070309020205020404" pitchFamily="49" charset="0"/>
+              </a:rPr>
+              <a:t>,</a:t>
+            </a:r>
+            <a:r>
+              <a:rPr lang="en-US" altLang="ko-KR" b="0" dirty="0">
+                <a:solidFill>
+                  <a:srgbClr val="D4D4D4"/>
+                </a:solidFill>
+                <a:effectLst/>
+                <a:latin typeface="Courier New" panose="02070309020205020404" pitchFamily="49" charset="0"/>
+              </a:rPr>
+              <a:t> </a:t>
+            </a:r>
+            <a:r>
+              <a:rPr lang="en-US" altLang="ko-KR" b="0" dirty="0">
+                <a:solidFill>
+                  <a:srgbClr val="CE9178"/>
+                </a:solidFill>
+                <a:effectLst/>
+                <a:latin typeface="Courier New" panose="02070309020205020404" pitchFamily="49" charset="0"/>
+              </a:rPr>
+              <a:t>'camel'</a:t>
+            </a:r>
+            <a:r>
+              <a:rPr lang="en-US" altLang="ko-KR" b="0" dirty="0">
+                <a:solidFill>
+                  <a:srgbClr val="DCDCDC"/>
+                </a:solidFill>
+                <a:effectLst/>
+                <a:latin typeface="Courier New" panose="02070309020205020404" pitchFamily="49" charset="0"/>
+              </a:rPr>
+              <a:t>,</a:t>
+            </a:r>
+            <a:r>
+              <a:rPr lang="en-US" altLang="ko-KR" b="0" dirty="0">
+                <a:solidFill>
+                  <a:srgbClr val="D4D4D4"/>
+                </a:solidFill>
+                <a:effectLst/>
+                <a:latin typeface="Courier New" panose="02070309020205020404" pitchFamily="49" charset="0"/>
+              </a:rPr>
+              <a:t> </a:t>
+            </a:r>
+            <a:r>
+              <a:rPr lang="en-US" altLang="ko-KR" b="0" dirty="0">
+                <a:solidFill>
+                  <a:srgbClr val="CE9178"/>
+                </a:solidFill>
+                <a:effectLst/>
+                <a:latin typeface="Courier New" panose="02070309020205020404" pitchFamily="49" charset="0"/>
+              </a:rPr>
+              <a:t>'clock'</a:t>
+            </a:r>
+            <a:r>
+              <a:rPr lang="en-US" altLang="ko-KR" b="0" dirty="0">
+                <a:solidFill>
+                  <a:srgbClr val="DCDCDC"/>
+                </a:solidFill>
+                <a:effectLst/>
+                <a:latin typeface="Courier New" panose="02070309020205020404" pitchFamily="49" charset="0"/>
+              </a:rPr>
+              <a:t>,</a:t>
+            </a:r>
+            <a:r>
+              <a:rPr lang="en-US" altLang="ko-KR" b="0" dirty="0">
+                <a:solidFill>
+                  <a:srgbClr val="D4D4D4"/>
+                </a:solidFill>
+                <a:effectLst/>
+                <a:latin typeface="Courier New" panose="02070309020205020404" pitchFamily="49" charset="0"/>
+              </a:rPr>
+              <a:t> </a:t>
+            </a:r>
+            <a:r>
+              <a:rPr lang="en-US" altLang="ko-KR" b="0" dirty="0">
+                <a:solidFill>
+                  <a:srgbClr val="CE9178"/>
+                </a:solidFill>
+                <a:effectLst/>
+                <a:latin typeface="Courier New" panose="02070309020205020404" pitchFamily="49" charset="0"/>
+              </a:rPr>
+              <a:t>'cow'</a:t>
+            </a:r>
+            <a:r>
+              <a:rPr lang="en-US" altLang="ko-KR" b="0" dirty="0">
+                <a:solidFill>
+                  <a:srgbClr val="DCDCDC"/>
+                </a:solidFill>
+                <a:effectLst/>
+                <a:latin typeface="Courier New" panose="02070309020205020404" pitchFamily="49" charset="0"/>
+              </a:rPr>
+              <a:t>,</a:t>
+            </a:r>
+            <a:r>
+              <a:rPr lang="en-US" altLang="ko-KR" b="0" dirty="0">
+                <a:solidFill>
+                  <a:srgbClr val="D4D4D4"/>
+                </a:solidFill>
+                <a:effectLst/>
+                <a:latin typeface="Courier New" panose="02070309020205020404" pitchFamily="49" charset="0"/>
+              </a:rPr>
+              <a:t> </a:t>
+            </a:r>
+            <a:r>
+              <a:rPr lang="en-US" altLang="ko-KR" b="0" dirty="0">
+                <a:solidFill>
+                  <a:srgbClr val="CE9178"/>
+                </a:solidFill>
+                <a:effectLst/>
+                <a:latin typeface="Courier New" panose="02070309020205020404" pitchFamily="49" charset="0"/>
+              </a:rPr>
+              <a:t>'diamond'</a:t>
+            </a:r>
+            <a:r>
+              <a:rPr lang="en-US" altLang="ko-KR" b="0" dirty="0">
+                <a:solidFill>
+                  <a:srgbClr val="DCDCDC"/>
+                </a:solidFill>
+                <a:effectLst/>
+                <a:latin typeface="Courier New" panose="02070309020205020404" pitchFamily="49" charset="0"/>
+              </a:rPr>
+              <a:t>]</a:t>
+            </a:r>
+            <a:r>
+              <a:rPr lang="en-US" altLang="ko-KR" dirty="0"/>
+              <a:t>)</a:t>
             </a:r>
             <a:endParaRPr lang="ko-KR" altLang="en-US" dirty="0"/>
           </a:p>
@@ -7668,23 +6898,23 @@
             </a:pPr>
             <a:r>
               <a:rPr lang="ko-KR" altLang="en-US" dirty="0"/>
-              <a:t>서포트 벡터 </a:t>
-            </a:r>
-            <a:r>
-              <a:rPr lang="ko-KR" altLang="en-US" dirty="0" err="1"/>
-              <a:t>머신은</a:t>
-            </a:r>
-            <a:r>
-              <a:rPr lang="ko-KR" altLang="en-US" dirty="0"/>
-              <a:t> 선형</a:t>
-            </a:r>
-            <a:r>
-              <a:rPr lang="en-US" altLang="ko-KR" dirty="0"/>
-              <a:t>, </a:t>
-            </a:r>
-            <a:r>
-              <a:rPr lang="ko-KR" altLang="en-US" dirty="0"/>
-              <a:t>비선형의 데이터셋에 대한 분류와 회귀 모델로 사용될 수 있습니다</a:t>
+              <a:t>다음은 </a:t>
+            </a:r>
+            <a:r>
+              <a:rPr lang="en-US" altLang="ko-KR" dirty="0"/>
+              <a:t>Classification Report </a:t>
+            </a:r>
+            <a:r>
+              <a:rPr lang="ko-KR" altLang="en-US" dirty="0"/>
+              <a:t>함수를 이용하여 </a:t>
+            </a:r>
+            <a:r>
+              <a:rPr lang="en-US" altLang="ko-KR" dirty="0"/>
+              <a:t>Precision, Recall, f1 score, </a:t>
+            </a:r>
+            <a:r>
+              <a:rPr lang="ko-KR" altLang="en-US" dirty="0"/>
+              <a:t>그리고 각 클래스에 대한 점수를 비교해 보았습니다</a:t>
             </a:r>
             <a:r>
               <a:rPr lang="en-US" altLang="ko-KR" dirty="0"/>
@@ -7711,7 +6941,15 @@
             </a:pPr>
             <a:r>
               <a:rPr lang="ko-KR" altLang="en-US" dirty="0"/>
-              <a:t>또한</a:t>
+              <a:t>각 항목마다 </a:t>
+            </a:r>
+            <a:r>
+              <a:rPr lang="en-US" altLang="ko-KR" dirty="0"/>
+              <a:t>1% ~ 3% </a:t>
+            </a:r>
+            <a:r>
+              <a:rPr lang="ko-KR" altLang="en-US" dirty="0"/>
+              <a:t>정도의 차이를 보이기는 했지만</a:t>
             </a:r>
             <a:r>
               <a:rPr lang="en-US" altLang="ko-KR" dirty="0"/>
@@ -7719,15 +6957,7 @@
             </a:r>
             <a:r>
               <a:rPr lang="ko-KR" altLang="en-US" dirty="0"/>
-              <a:t>이상치 탐지 등에도 사용이 가능한 다목적 </a:t>
-            </a:r>
-            <a:r>
-              <a:rPr lang="ko-KR" altLang="en-US" dirty="0" err="1"/>
-              <a:t>머신러닝</a:t>
-            </a:r>
-            <a:r>
-              <a:rPr lang="ko-KR" altLang="en-US" dirty="0"/>
-              <a:t> 모델입니다</a:t>
+              <a:t>전체적으로 같은 경향을 보였습니다</a:t>
             </a:r>
             <a:r>
               <a:rPr lang="en-US" altLang="ko-KR" dirty="0"/>
@@ -7754,15 +6984,31 @@
             </a:pPr>
             <a:r>
               <a:rPr lang="ko-KR" altLang="en-US" dirty="0"/>
-              <a:t>서포트 벡터 </a:t>
-            </a:r>
-            <a:r>
-              <a:rPr lang="ko-KR" altLang="en-US" dirty="0" err="1"/>
-              <a:t>머신의</a:t>
-            </a:r>
-            <a:r>
-              <a:rPr lang="ko-KR" altLang="en-US" dirty="0"/>
-              <a:t> 가장 기본 컨셉은 왼쪽 그림에서 나타난 것처럼 클래스 사이에 마진을 설정하는 것입니다</a:t>
+              <a:t>그래서</a:t>
+            </a:r>
+            <a:r>
+              <a:rPr lang="en-US" altLang="ko-KR" dirty="0"/>
+              <a:t> </a:t>
+            </a:r>
+            <a:r>
+              <a:rPr lang="ko-KR" altLang="en-US" dirty="0"/>
+              <a:t>종합적으로 생각해보면</a:t>
+            </a:r>
+            <a:r>
+              <a:rPr lang="en-US" altLang="ko-KR" dirty="0"/>
+              <a:t>, </a:t>
+            </a:r>
+            <a:r>
+              <a:rPr lang="ko-KR" altLang="en-US" dirty="0"/>
+              <a:t>차원 축소를 통해 훈련 세트의 차원의 수를 크게 줄였지만 분류기의 성능은 거의 같은 수준을 유지하였고</a:t>
+            </a:r>
+            <a:r>
+              <a:rPr lang="en-US" altLang="ko-KR" dirty="0"/>
+              <a:t>, </a:t>
+            </a:r>
+            <a:r>
+              <a:rPr lang="ko-KR" altLang="en-US" dirty="0"/>
+              <a:t>훈련 시간은 절반 정도로 감소시킬 수 있었습니다</a:t>
             </a:r>
             <a:r>
               <a:rPr lang="en-US" altLang="ko-KR" dirty="0"/>
@@ -7788,92 +7034,37 @@
               <a:defRPr/>
             </a:pPr>
             <a:r>
-              <a:rPr lang="en-US" altLang="ko-KR" dirty="0"/>
-              <a:t>(click)</a:t>
-            </a:r>
-          </a:p>
-          <a:p>
-            <a:pPr marL="0" marR="0" indent="0" algn="l" defTabSz="914400" rtl="0" eaLnBrk="1" fontAlgn="auto" latinLnBrk="1" hangingPunct="1">
-              <a:lnSpc>
-                <a:spcPct val="100000"/>
-              </a:lnSpc>
-              <a:spcBef>
-                <a:spcPts val="0"/>
-              </a:spcBef>
-              <a:spcAft>
-                <a:spcPts val="0"/>
-              </a:spcAft>
-              <a:buClrTx/>
-              <a:buSzTx/>
-              <a:buFontTx/>
-              <a:buNone/>
-              <a:tabLst/>
-              <a:defRPr/>
-            </a:pPr>
-            <a:r>
-              <a:rPr lang="ko-KR" altLang="en-US" dirty="0"/>
-              <a:t>서포트 벡터 </a:t>
-            </a:r>
-            <a:r>
-              <a:rPr lang="ko-KR" altLang="en-US" dirty="0" err="1"/>
-              <a:t>머신의</a:t>
-            </a:r>
-            <a:r>
-              <a:rPr lang="ko-KR" altLang="en-US" dirty="0"/>
-              <a:t> 장점으로는 이상치에 대한 영향이 적고</a:t>
+              <a:rPr lang="ko-KR" altLang="en-US" dirty="0"/>
+              <a:t>그리고 </a:t>
+            </a:r>
+            <a:r>
+              <a:rPr lang="en-US" altLang="ko-KR" dirty="0"/>
+              <a:t>Grid Search</a:t>
+            </a:r>
+            <a:r>
+              <a:rPr lang="ko-KR" altLang="en-US" dirty="0"/>
+              <a:t>에서 두 분류기의 최적의 파라미터가 같은 값으로 나왔고</a:t>
             </a:r>
             <a:r>
               <a:rPr lang="en-US" altLang="ko-KR" dirty="0"/>
               <a:t>, </a:t>
             </a:r>
             <a:r>
-              <a:rPr lang="ko-KR" altLang="en-US" dirty="0" err="1"/>
-              <a:t>오버피팅의</a:t>
-            </a:r>
-            <a:r>
-              <a:rPr lang="ko-KR" altLang="en-US" dirty="0"/>
-              <a:t> 가능성이 낮다는 점이 있습니다</a:t>
+              <a:rPr lang="ko-KR" altLang="en-US" dirty="0"/>
+              <a:t>오차 행렬과</a:t>
+            </a:r>
+            <a:r>
+              <a:rPr lang="en-US" altLang="ko-KR" dirty="0"/>
+              <a:t> Classification Report</a:t>
+            </a:r>
+            <a:r>
+              <a:rPr lang="ko-KR" altLang="en-US" dirty="0"/>
+              <a:t>의 결과가 같은 경향을 보인 점에서 차원 축소를 진행시킨 데이터셋이 원본 데이터셋의 특성을 잘 유지하고 있다고 생각합니다</a:t>
             </a:r>
             <a:r>
               <a:rPr lang="en-US" altLang="ko-KR" dirty="0"/>
               <a:t>.</a:t>
             </a:r>
-          </a:p>
-          <a:p>
-            <a:pPr marL="0" marR="0" indent="0" algn="l" defTabSz="914400" rtl="0" eaLnBrk="1" fontAlgn="auto" latinLnBrk="1" hangingPunct="1">
-              <a:lnSpc>
-                <a:spcPct val="100000"/>
-              </a:lnSpc>
-              <a:spcBef>
-                <a:spcPts val="0"/>
-              </a:spcBef>
-              <a:spcAft>
-                <a:spcPts val="0"/>
-              </a:spcAft>
-              <a:buClrTx/>
-              <a:buSzTx/>
-              <a:buFontTx/>
-              <a:buNone/>
-              <a:tabLst/>
-              <a:defRPr/>
-            </a:pPr>
-            <a:r>
-              <a:rPr lang="ko-KR" altLang="en-US" dirty="0"/>
-              <a:t>단점으로는 추후에 설명드릴 </a:t>
-            </a:r>
-            <a:r>
-              <a:rPr lang="ko-KR" altLang="en-US" dirty="0" err="1"/>
-              <a:t>하이퍼파라미터에</a:t>
-            </a:r>
-            <a:r>
-              <a:rPr lang="ko-KR" altLang="en-US" dirty="0"/>
-              <a:t> 대한 다양한 조합을 테스트해야 하기 때문에 학습 속도가 느리다는 점이 있습니다</a:t>
-            </a:r>
-            <a:r>
-              <a:rPr lang="en-US" altLang="ko-KR" dirty="0"/>
-              <a:t>.</a:t>
-            </a:r>
-            <a:endParaRPr lang="ko-KR" altLang="en-US" dirty="0"/>
           </a:p>
         </p:txBody>
       </p:sp>
@@ -7979,38 +7170,7 @@
             </a:pPr>
             <a:r>
               <a:rPr lang="ko-KR" altLang="en-US" sz="1200" dirty="0"/>
-              <a:t>혹시 질문 </a:t>
-            </a:r>
-            <a:r>
-              <a:rPr lang="ko-KR" altLang="en-US" sz="1200" dirty="0" err="1"/>
-              <a:t>있으신가요</a:t>
-            </a:r>
-            <a:r>
-              <a:rPr lang="en-US" altLang="ko-KR" sz="1200" dirty="0"/>
-              <a:t>?</a:t>
-            </a:r>
-          </a:p>
-          <a:p>
-            <a:pPr marL="0" marR="0" indent="0" algn="l" defTabSz="914400" rtl="0" eaLnBrk="1" fontAlgn="auto" latinLnBrk="1" hangingPunct="1">
-              <a:lnSpc>
-                <a:spcPct val="100000"/>
-              </a:lnSpc>
-              <a:spcBef>
-                <a:spcPts val="0"/>
-              </a:spcBef>
-              <a:spcAft>
-                <a:spcPts val="0"/>
-              </a:spcAft>
-              <a:buClrTx/>
-              <a:buSzTx/>
-              <a:buFontTx/>
-              <a:buNone/>
-              <a:tabLst/>
-              <a:defRPr/>
-            </a:pPr>
-            <a:r>
-              <a:rPr lang="ko-KR" altLang="en-US" sz="1200" dirty="0"/>
-              <a:t>없으시면 이상으로 발표를 마치겠습니다</a:t>
+              <a:t>이상으로 발표 마치겠습니다</a:t>
             </a:r>
             <a:r>
               <a:rPr lang="en-US" altLang="ko-KR" sz="1200" dirty="0"/>
@@ -8143,15 +7303,7 @@
             </a:pPr>
             <a:r>
               <a:rPr lang="ko-KR" altLang="en-US" dirty="0"/>
-              <a:t>서포트 벡터 </a:t>
-            </a:r>
-            <a:r>
-              <a:rPr lang="ko-KR" altLang="en-US" dirty="0" err="1"/>
-              <a:t>머신은</a:t>
-            </a:r>
-            <a:r>
-              <a:rPr lang="ko-KR" altLang="en-US" dirty="0"/>
-              <a:t> 선형</a:t>
+              <a:t>하지만</a:t>
             </a:r>
             <a:r>
               <a:rPr lang="en-US" altLang="ko-KR" dirty="0"/>
@@ -8159,7 +7311,31 @@
             </a:r>
             <a:r>
               <a:rPr lang="ko-KR" altLang="en-US" dirty="0"/>
-              <a:t>비선형의 데이터셋에 대한 분류와 회귀 모델로 사용될 수 있습니다</a:t>
+              <a:t>차원이 단순히 </a:t>
+            </a:r>
+            <a:r>
+              <a:rPr lang="en-US" altLang="ko-KR" dirty="0"/>
+              <a:t>2</a:t>
+            </a:r>
+            <a:r>
+              <a:rPr lang="ko-KR" altLang="en-US" dirty="0"/>
+              <a:t>차원 </a:t>
+            </a:r>
+            <a:r>
+              <a:rPr lang="en-US" altLang="ko-KR" dirty="0"/>
+              <a:t>3</a:t>
+            </a:r>
+            <a:r>
+              <a:rPr lang="ko-KR" altLang="en-US" dirty="0"/>
+              <a:t>차원이 아니라 수백</a:t>
+            </a:r>
+            <a:r>
+              <a:rPr lang="en-US" altLang="ko-KR" dirty="0"/>
+              <a:t>, </a:t>
+            </a:r>
+            <a:r>
+              <a:rPr lang="ko-KR" altLang="en-US" dirty="0"/>
+              <a:t>수천의 고차원일 경우에는 충분한 밀도를 위해 추가해야 할 샘플의 개수가 기하급수적으로 늘어나게 됩니다</a:t>
             </a:r>
             <a:r>
               <a:rPr lang="en-US" altLang="ko-KR" dirty="0"/>
@@ -8186,7 +7362,7 @@
             </a:pPr>
             <a:r>
               <a:rPr lang="ko-KR" altLang="en-US" dirty="0"/>
-              <a:t>또한</a:t>
+              <a:t>그렇기 때문에</a:t>
             </a:r>
             <a:r>
               <a:rPr lang="en-US" altLang="ko-KR" dirty="0"/>
@@ -8194,15 +7370,7 @@
             </a:r>
             <a:r>
               <a:rPr lang="ko-KR" altLang="en-US" dirty="0"/>
-              <a:t>이상치 탐지 등에도 사용이 가능한 다목적 </a:t>
-            </a:r>
-            <a:r>
-              <a:rPr lang="ko-KR" altLang="en-US" dirty="0" err="1"/>
-              <a:t>머신러닝</a:t>
-            </a:r>
-            <a:r>
-              <a:rPr lang="ko-KR" altLang="en-US" dirty="0"/>
-              <a:t> 모델입니다</a:t>
+              <a:t>충분한 샘플을 추가하는 것에는 한계가 있습니다</a:t>
             </a:r>
             <a:r>
               <a:rPr lang="en-US" altLang="ko-KR" dirty="0"/>
@@ -8229,15 +7397,15 @@
             </a:pPr>
             <a:r>
               <a:rPr lang="ko-KR" altLang="en-US" dirty="0"/>
-              <a:t>서포트 벡터 </a:t>
-            </a:r>
-            <a:r>
-              <a:rPr lang="ko-KR" altLang="en-US" dirty="0" err="1"/>
-              <a:t>머신의</a:t>
-            </a:r>
-            <a:r>
-              <a:rPr lang="ko-KR" altLang="en-US" dirty="0"/>
-              <a:t> 가장 기본 컨셉은 왼쪽 그림에서 나타난 것처럼 클래스 사이에 마진을 설정하는 것입니다</a:t>
+              <a:t>따라서</a:t>
+            </a:r>
+            <a:r>
+              <a:rPr lang="en-US" altLang="ko-KR" dirty="0"/>
+              <a:t>, </a:t>
+            </a:r>
+            <a:r>
+              <a:rPr lang="ko-KR" altLang="en-US" dirty="0"/>
+              <a:t>상대적으로 중요도가 낮은 특성을 제거해서 차원의 저주 문제를 해결 할 수 있습니다</a:t>
             </a:r>
             <a:r>
               <a:rPr lang="en-US" altLang="ko-KR" dirty="0"/>
@@ -8263,8 +7431,28 @@
               <a:defRPr/>
             </a:pPr>
             <a:r>
-              <a:rPr lang="en-US" altLang="ko-KR" dirty="0"/>
-              <a:t>(click)</a:t>
+              <a:rPr lang="ko-KR" altLang="en-US" dirty="0"/>
+              <a:t>다음의 </a:t>
+            </a:r>
+            <a:r>
+              <a:rPr lang="en-US" altLang="ko-KR" dirty="0"/>
+              <a:t>MNIST </a:t>
+            </a:r>
+            <a:r>
+              <a:rPr lang="ko-KR" altLang="en-US" dirty="0"/>
+              <a:t>이미지를 보시면</a:t>
+            </a:r>
+            <a:r>
+              <a:rPr lang="en-US" altLang="ko-KR" dirty="0"/>
+              <a:t>, 784</a:t>
+            </a:r>
+            <a:r>
+              <a:rPr lang="ko-KR" altLang="en-US" dirty="0"/>
+              <a:t>개의 특성 중에서 숫자를 나타내기 위해 검정색으로 표현되는 특성들은 이미지 상에서 대부분 중앙에 위치해 있습니다</a:t>
+            </a:r>
+            <a:r>
+              <a:rPr lang="en-US" altLang="ko-KR" dirty="0"/>
+              <a:t>.</a:t>
             </a:r>
           </a:p>
           <a:p>
@@ -8287,27 +7475,15 @@
             </a:pPr>
             <a:r>
               <a:rPr lang="ko-KR" altLang="en-US" dirty="0"/>
-              <a:t>서포트 벡터 </a:t>
-            </a:r>
-            <a:r>
-              <a:rPr lang="ko-KR" altLang="en-US" dirty="0" err="1"/>
-              <a:t>머신의</a:t>
-            </a:r>
-            <a:r>
-              <a:rPr lang="ko-KR" altLang="en-US" dirty="0"/>
-              <a:t> 장점으로는 이상치에 대한 영향이 적고</a:t>
-            </a:r>
-            <a:r>
-              <a:rPr lang="en-US" altLang="ko-KR" dirty="0"/>
-              <a:t>, </a:t>
-            </a:r>
-            <a:r>
-              <a:rPr lang="ko-KR" altLang="en-US" dirty="0" err="1"/>
-              <a:t>오버피팅의</a:t>
-            </a:r>
-            <a:r>
-              <a:rPr lang="ko-KR" altLang="en-US" dirty="0"/>
-              <a:t> 가능성이 낮다는 점이 있습니다</a:t>
+              <a:t>가장자리에 있는 대부분의 특성들은 거의 모든 샘플에서 흰색의 픽셀로 나타납니다</a:t>
+            </a:r>
+            <a:r>
+              <a:rPr lang="en-US" altLang="ko-KR" dirty="0"/>
+              <a:t>. </a:t>
+            </a:r>
+            <a:r>
+              <a:rPr lang="ko-KR" altLang="en-US" dirty="0"/>
+              <a:t>이러한 픽셀들은 이미지의 클래스를 특정하는 데에 상대적으로 중요도가 낮습니다</a:t>
             </a:r>
             <a:r>
               <a:rPr lang="en-US" altLang="ko-KR" dirty="0"/>
@@ -8334,15 +7510,23 @@
             </a:pPr>
             <a:r>
               <a:rPr lang="ko-KR" altLang="en-US" dirty="0"/>
-              <a:t>단점으로는 추후에 설명드릴 </a:t>
-            </a:r>
-            <a:r>
-              <a:rPr lang="ko-KR" altLang="en-US" dirty="0" err="1"/>
-              <a:t>하이퍼파라미터에</a:t>
-            </a:r>
-            <a:r>
-              <a:rPr lang="ko-KR" altLang="en-US" dirty="0"/>
-              <a:t> 대한 다양한 조합을 테스트해야 하기 때문에 학습 속도가 느리다는 점이 있습니다</a:t>
+              <a:t>이와 같은 사실은 오른쪽의 </a:t>
+            </a:r>
+            <a:r>
+              <a:rPr lang="en-US" altLang="ko-KR" dirty="0"/>
+              <a:t>Random Forest</a:t>
+            </a:r>
+            <a:r>
+              <a:rPr lang="ko-KR" altLang="en-US" dirty="0"/>
+              <a:t>를 이용한 </a:t>
+            </a:r>
+            <a:r>
+              <a:rPr lang="en-US" altLang="ko-KR" dirty="0"/>
+              <a:t>Feature Importance</a:t>
+            </a:r>
+            <a:r>
+              <a:rPr lang="ko-KR" altLang="en-US" dirty="0"/>
+              <a:t>에서도 잘 나타납니다</a:t>
             </a:r>
             <a:r>
               <a:rPr lang="en-US" altLang="ko-KR" dirty="0"/>
@@ -8454,23 +7638,7 @@
             </a:pPr>
             <a:r>
               <a:rPr lang="ko-KR" altLang="en-US" dirty="0"/>
-              <a:t>서포트 벡터 </a:t>
-            </a:r>
-            <a:r>
-              <a:rPr lang="ko-KR" altLang="en-US" dirty="0" err="1"/>
-              <a:t>머신은</a:t>
-            </a:r>
-            <a:r>
-              <a:rPr lang="ko-KR" altLang="en-US" dirty="0"/>
-              <a:t> 선형</a:t>
-            </a:r>
-            <a:r>
-              <a:rPr lang="en-US" altLang="ko-KR" dirty="0"/>
-              <a:t>, </a:t>
-            </a:r>
-            <a:r>
-              <a:rPr lang="ko-KR" altLang="en-US" dirty="0"/>
-              <a:t>비선형의 데이터셋에 대한 분류와 회귀 모델로 사용될 수 있습니다</a:t>
+              <a:t>차원을 축소시키는 방법 중 하나는 투영입니다</a:t>
             </a:r>
             <a:r>
               <a:rPr lang="en-US" altLang="ko-KR" dirty="0"/>
@@ -8497,23 +7665,15 @@
             </a:pPr>
             <a:r>
               <a:rPr lang="ko-KR" altLang="en-US" dirty="0"/>
-              <a:t>또한</a:t>
-            </a:r>
-            <a:r>
-              <a:rPr lang="en-US" altLang="ko-KR" dirty="0"/>
-              <a:t>, </a:t>
-            </a:r>
-            <a:r>
-              <a:rPr lang="ko-KR" altLang="en-US" dirty="0"/>
-              <a:t>이상치 탐지 등에도 사용이 가능한 다목적 </a:t>
+              <a:t>투영은 고차원 공간에 속하는 샘플을 </a:t>
             </a:r>
             <a:r>
               <a:rPr lang="ko-KR" altLang="en-US" dirty="0" err="1"/>
-              <a:t>머신러닝</a:t>
-            </a:r>
-            <a:r>
-              <a:rPr lang="ko-KR" altLang="en-US" dirty="0"/>
-              <a:t> 모델입니다</a:t>
+              <a:t>저차원</a:t>
+            </a:r>
+            <a:r>
+              <a:rPr lang="ko-KR" altLang="en-US" dirty="0"/>
+              <a:t> 부분공간에 투영시키는 기법입니다</a:t>
             </a:r>
             <a:r>
               <a:rPr lang="en-US" altLang="ko-KR" dirty="0"/>
@@ -8540,15 +7700,39 @@
             </a:pPr>
             <a:r>
               <a:rPr lang="ko-KR" altLang="en-US" dirty="0"/>
-              <a:t>서포트 벡터 </a:t>
-            </a:r>
-            <a:r>
-              <a:rPr lang="ko-KR" altLang="en-US" dirty="0" err="1"/>
-              <a:t>머신의</a:t>
-            </a:r>
-            <a:r>
-              <a:rPr lang="ko-KR" altLang="en-US" dirty="0"/>
-              <a:t> 가장 기본 컨셉은 왼쪽 그림에서 나타난 것처럼 클래스 사이에 마진을 설정하는 것입니다</a:t>
+              <a:t>왼쪽 그림에서 샘플들을 </a:t>
+            </a:r>
+            <a:r>
+              <a:rPr lang="en-US" altLang="ko-KR" dirty="0"/>
+              <a:t>3</a:t>
+            </a:r>
+            <a:r>
+              <a:rPr lang="ko-KR" altLang="en-US" dirty="0"/>
+              <a:t>차원 공간의 </a:t>
+            </a:r>
+            <a:r>
+              <a:rPr lang="en-US" altLang="ko-KR" dirty="0"/>
+              <a:t>2</a:t>
+            </a:r>
+            <a:r>
+              <a:rPr lang="ko-KR" altLang="en-US" dirty="0"/>
+              <a:t>차원 표면 위에 위치한 것으로 생각할 수 있는데</a:t>
+            </a:r>
+            <a:r>
+              <a:rPr lang="en-US" altLang="ko-KR" dirty="0"/>
+              <a:t>, </a:t>
+            </a:r>
+            <a:r>
+              <a:rPr lang="ko-KR" altLang="en-US" dirty="0"/>
+              <a:t>해당 </a:t>
+            </a:r>
+            <a:r>
+              <a:rPr lang="en-US" altLang="ko-KR" dirty="0"/>
+              <a:t>2</a:t>
+            </a:r>
+            <a:r>
+              <a:rPr lang="ko-KR" altLang="en-US" dirty="0"/>
+              <a:t>차원 표면 위로 샘플들을 투영시키면 오른쪽과 같은 분포를 보입니다</a:t>
             </a:r>
             <a:r>
               <a:rPr lang="en-US" altLang="ko-KR" dirty="0"/>
@@ -8574,92 +7758,21 @@
               <a:defRPr/>
             </a:pPr>
             <a:r>
-              <a:rPr lang="en-US" altLang="ko-KR" dirty="0"/>
-              <a:t>(click)</a:t>
-            </a:r>
-          </a:p>
-          <a:p>
-            <a:pPr marL="0" marR="0" indent="0" algn="l" defTabSz="914400" rtl="0" eaLnBrk="1" fontAlgn="auto" latinLnBrk="1" hangingPunct="1">
-              <a:lnSpc>
-                <a:spcPct val="100000"/>
-              </a:lnSpc>
-              <a:spcBef>
-                <a:spcPts val="0"/>
-              </a:spcBef>
-              <a:spcAft>
-                <a:spcPts val="0"/>
-              </a:spcAft>
-              <a:buClrTx/>
-              <a:buSzTx/>
-              <a:buFontTx/>
-              <a:buNone/>
-              <a:tabLst/>
-              <a:defRPr/>
-            </a:pPr>
-            <a:r>
-              <a:rPr lang="ko-KR" altLang="en-US" dirty="0"/>
-              <a:t>서포트 벡터 </a:t>
-            </a:r>
-            <a:r>
-              <a:rPr lang="ko-KR" altLang="en-US" dirty="0" err="1"/>
-              <a:t>머신의</a:t>
-            </a:r>
-            <a:r>
-              <a:rPr lang="ko-KR" altLang="en-US" dirty="0"/>
-              <a:t> 장점으로는 이상치에 대한 영향이 적고</a:t>
+              <a:rPr lang="ko-KR" altLang="en-US" dirty="0"/>
+              <a:t>원본 샘플들과 비교해 봤을 때</a:t>
             </a:r>
             <a:r>
               <a:rPr lang="en-US" altLang="ko-KR" dirty="0"/>
               <a:t>, </a:t>
             </a:r>
             <a:r>
-              <a:rPr lang="ko-KR" altLang="en-US" dirty="0" err="1"/>
-              <a:t>오버피팅의</a:t>
-            </a:r>
-            <a:r>
-              <a:rPr lang="ko-KR" altLang="en-US" dirty="0"/>
-              <a:t> 가능성이 낮다는 점이 있습니다</a:t>
+              <a:rPr lang="ko-KR" altLang="en-US" dirty="0"/>
+              <a:t>원본 샘플의 대부분의 성질을 보존하는 것을 알 수 있습니다</a:t>
             </a:r>
             <a:r>
               <a:rPr lang="en-US" altLang="ko-KR" dirty="0"/>
               <a:t>.</a:t>
             </a:r>
-          </a:p>
-          <a:p>
-            <a:pPr marL="0" marR="0" indent="0" algn="l" defTabSz="914400" rtl="0" eaLnBrk="1" fontAlgn="auto" latinLnBrk="1" hangingPunct="1">
-              <a:lnSpc>
-                <a:spcPct val="100000"/>
-              </a:lnSpc>
-              <a:spcBef>
-                <a:spcPts val="0"/>
-              </a:spcBef>
-              <a:spcAft>
-                <a:spcPts val="0"/>
-              </a:spcAft>
-              <a:buClrTx/>
-              <a:buSzTx/>
-              <a:buFontTx/>
-              <a:buNone/>
-              <a:tabLst/>
-              <a:defRPr/>
-            </a:pPr>
-            <a:r>
-              <a:rPr lang="ko-KR" altLang="en-US" dirty="0"/>
-              <a:t>단점으로는 추후에 설명드릴 </a:t>
-            </a:r>
-            <a:r>
-              <a:rPr lang="ko-KR" altLang="en-US" dirty="0" err="1"/>
-              <a:t>하이퍼파라미터에</a:t>
-            </a:r>
-            <a:r>
-              <a:rPr lang="ko-KR" altLang="en-US" dirty="0"/>
-              <a:t> 대한 다양한 조합을 테스트해야 하기 때문에 학습 속도가 느리다는 점이 있습니다</a:t>
-            </a:r>
-            <a:r>
-              <a:rPr lang="en-US" altLang="ko-KR" dirty="0"/>
-              <a:t>.</a:t>
-            </a:r>
-            <a:endParaRPr lang="ko-KR" altLang="en-US" dirty="0"/>
           </a:p>
         </p:txBody>
       </p:sp>
@@ -8765,23 +7878,15 @@
             </a:pPr>
             <a:r>
               <a:rPr lang="ko-KR" altLang="en-US" dirty="0"/>
-              <a:t>서포트 벡터 </a:t>
+              <a:t>다음으로는 </a:t>
             </a:r>
             <a:r>
               <a:rPr lang="ko-KR" altLang="en-US" dirty="0" err="1"/>
-              <a:t>머신은</a:t>
-            </a:r>
-            <a:r>
-              <a:rPr lang="ko-KR" altLang="en-US" dirty="0"/>
-              <a:t> 선형</a:t>
-            </a:r>
-            <a:r>
-              <a:rPr lang="en-US" altLang="ko-KR" dirty="0"/>
-              <a:t>, </a:t>
-            </a:r>
-            <a:r>
-              <a:rPr lang="ko-KR" altLang="en-US" dirty="0"/>
-              <a:t>비선형의 데이터셋에 대한 분류와 회귀 모델로 사용될 수 있습니다</a:t>
+              <a:t>매니폴드가</a:t>
+            </a:r>
+            <a:r>
+              <a:rPr lang="ko-KR" altLang="en-US" dirty="0"/>
+              <a:t> 있습니다</a:t>
             </a:r>
             <a:r>
               <a:rPr lang="en-US" altLang="ko-KR" dirty="0"/>
@@ -8807,24 +7912,20 @@
               <a:defRPr/>
             </a:pPr>
             <a:r>
-              <a:rPr lang="ko-KR" altLang="en-US" dirty="0"/>
-              <a:t>또한</a:t>
-            </a:r>
-            <a:r>
-              <a:rPr lang="en-US" altLang="ko-KR" dirty="0"/>
-              <a:t>, </a:t>
-            </a:r>
-            <a:r>
-              <a:rPr lang="ko-KR" altLang="en-US" dirty="0"/>
-              <a:t>이상치 탐지 등에도 사용이 가능한 다목적 </a:t>
-            </a:r>
-            <a:r>
               <a:rPr lang="ko-KR" altLang="en-US" dirty="0" err="1"/>
-              <a:t>머신러닝</a:t>
-            </a:r>
-            <a:r>
-              <a:rPr lang="ko-KR" altLang="en-US" dirty="0"/>
-              <a:t> 모델입니다</a:t>
+              <a:t>매니폴드는</a:t>
+            </a:r>
+            <a:r>
+              <a:rPr lang="ko-KR" altLang="en-US" dirty="0"/>
+              <a:t> </a:t>
+            </a:r>
+            <a:r>
+              <a:rPr lang="ko-KR" altLang="en-US" dirty="0" err="1"/>
+              <a:t>저차원</a:t>
+            </a:r>
+            <a:r>
+              <a:rPr lang="ko-KR" altLang="en-US" dirty="0"/>
+              <a:t> 공간상의 샘플들이 휘거나 뒤틀린 모양을 갖고 고차원 공간에서 표현되는 것을 의미합니다</a:t>
             </a:r>
             <a:r>
               <a:rPr lang="en-US" altLang="ko-KR" dirty="0"/>
@@ -8851,15 +7952,35 @@
             </a:pPr>
             <a:r>
               <a:rPr lang="ko-KR" altLang="en-US" dirty="0"/>
-              <a:t>서포트 벡터 </a:t>
+              <a:t>다음 데이터셋은 </a:t>
             </a:r>
             <a:r>
               <a:rPr lang="ko-KR" altLang="en-US" dirty="0" err="1"/>
-              <a:t>머신의</a:t>
-            </a:r>
-            <a:r>
-              <a:rPr lang="ko-KR" altLang="en-US" dirty="0"/>
-              <a:t> 가장 기본 컨셉은 왼쪽 그림에서 나타난 것처럼 클래스 사이에 마진을 설정하는 것입니다</a:t>
+              <a:t>스위스롤</a:t>
+            </a:r>
+            <a:r>
+              <a:rPr lang="ko-KR" altLang="en-US" dirty="0"/>
+              <a:t> </a:t>
+            </a:r>
+            <a:r>
+              <a:rPr lang="ko-KR" altLang="en-US" dirty="0" err="1"/>
+              <a:t>데이터셋인데</a:t>
+            </a:r>
+            <a:r>
+              <a:rPr lang="en-US" altLang="ko-KR" dirty="0"/>
+              <a:t>, 2</a:t>
+            </a:r>
+            <a:r>
+              <a:rPr lang="ko-KR" altLang="en-US" dirty="0"/>
+              <a:t>차원의 샘플들이 말려서 </a:t>
+            </a:r>
+            <a:r>
+              <a:rPr lang="en-US" altLang="ko-KR" dirty="0"/>
+              <a:t>3</a:t>
+            </a:r>
+            <a:r>
+              <a:rPr lang="ko-KR" altLang="en-US" dirty="0"/>
+              <a:t>차원 공간에 위치해 있습니다</a:t>
             </a:r>
             <a:r>
               <a:rPr lang="en-US" altLang="ko-KR" dirty="0"/>
@@ -8885,8 +8006,20 @@
               <a:defRPr/>
             </a:pPr>
             <a:r>
-              <a:rPr lang="en-US" altLang="ko-KR" dirty="0"/>
-              <a:t>(click)</a:t>
+              <a:rPr lang="ko-KR" altLang="en-US" dirty="0"/>
+              <a:t>이 경우에 단순히 </a:t>
+            </a:r>
+            <a:r>
+              <a:rPr lang="en-US" altLang="ko-KR" dirty="0"/>
+              <a:t>2</a:t>
+            </a:r>
+            <a:r>
+              <a:rPr lang="ko-KR" altLang="en-US" dirty="0"/>
+              <a:t>차원으로 투영을 하게 되면 오른쪽 위의 그림처럼 원본 데이터셋의 성질을 잘 유지하지 못합니다</a:t>
+            </a:r>
+            <a:r>
+              <a:rPr lang="en-US" altLang="ko-KR" dirty="0"/>
+              <a:t>.</a:t>
             </a:r>
           </a:p>
           <a:p>
@@ -8909,27 +8042,7 @@
             </a:pPr>
             <a:r>
               <a:rPr lang="ko-KR" altLang="en-US" dirty="0"/>
-              <a:t>서포트 벡터 </a:t>
-            </a:r>
-            <a:r>
-              <a:rPr lang="ko-KR" altLang="en-US" dirty="0" err="1"/>
-              <a:t>머신의</a:t>
-            </a:r>
-            <a:r>
-              <a:rPr lang="ko-KR" altLang="en-US" dirty="0"/>
-              <a:t> 장점으로는 이상치에 대한 영향이 적고</a:t>
-            </a:r>
-            <a:r>
-              <a:rPr lang="en-US" altLang="ko-KR" dirty="0"/>
-              <a:t>, </a:t>
-            </a:r>
-            <a:r>
-              <a:rPr lang="ko-KR" altLang="en-US" dirty="0" err="1"/>
-              <a:t>오버피팅의</a:t>
-            </a:r>
-            <a:r>
-              <a:rPr lang="ko-KR" altLang="en-US" dirty="0"/>
-              <a:t> 가능성이 낮다는 점이 있습니다</a:t>
+              <a:t>그러나 말려 있는 것을 펼치게 되면 아래 그림처럼 원본 데이터셋의 성질을 보존 할 수 있습니다</a:t>
             </a:r>
             <a:r>
               <a:rPr lang="en-US" altLang="ko-KR" dirty="0"/>
@@ -8956,15 +8069,15 @@
             </a:pPr>
             <a:r>
               <a:rPr lang="ko-KR" altLang="en-US" dirty="0"/>
-              <a:t>단점으로는 추후에 설명드릴 </a:t>
+              <a:t>이와 같이 휘어져 있거나 뒤틀린 데이터셋을 펼치는 것을 </a:t>
             </a:r>
             <a:r>
               <a:rPr lang="ko-KR" altLang="en-US" dirty="0" err="1"/>
-              <a:t>하이퍼파라미터에</a:t>
-            </a:r>
-            <a:r>
-              <a:rPr lang="ko-KR" altLang="en-US" dirty="0"/>
-              <a:t> 대한 다양한 조합을 테스트해야 하기 때문에 학습 속도가 느리다는 점이 있습니다</a:t>
+              <a:t>매니폴드</a:t>
+            </a:r>
+            <a:r>
+              <a:rPr lang="ko-KR" altLang="en-US" dirty="0"/>
+              <a:t> 학습이라고 합니다</a:t>
             </a:r>
             <a:r>
               <a:rPr lang="en-US" altLang="ko-KR" dirty="0"/>
@@ -9076,27 +8189,35 @@
             </a:pPr>
             <a:r>
               <a:rPr lang="ko-KR" altLang="en-US" dirty="0"/>
-              <a:t>서포트 벡터 </a:t>
+              <a:t>앞서 설명 드린 것처럼</a:t>
+            </a:r>
+            <a:r>
+              <a:rPr lang="en-US" altLang="ko-KR" dirty="0"/>
+              <a:t>, </a:t>
+            </a:r>
+            <a:r>
+              <a:rPr lang="ko-KR" altLang="en-US" dirty="0"/>
+              <a:t>차원을 축소할 때에 </a:t>
             </a:r>
             <a:r>
               <a:rPr lang="ko-KR" altLang="en-US" dirty="0" err="1"/>
-              <a:t>머신은</a:t>
-            </a:r>
-            <a:r>
-              <a:rPr lang="ko-KR" altLang="en-US" dirty="0"/>
-              <a:t> 선형</a:t>
-            </a:r>
-            <a:r>
-              <a:rPr lang="en-US" altLang="ko-KR" dirty="0"/>
-              <a:t>, </a:t>
-            </a:r>
-            <a:r>
-              <a:rPr lang="ko-KR" altLang="en-US" dirty="0"/>
-              <a:t>비선형의 데이터셋에 대한 분류와 회귀 모델로 사용될 수 있습니다</a:t>
-            </a:r>
-            <a:r>
-              <a:rPr lang="en-US" altLang="ko-KR" dirty="0"/>
-              <a:t>.</a:t>
+              <a:t>매니폴드</a:t>
+            </a:r>
+            <a:r>
+              <a:rPr lang="ko-KR" altLang="en-US" dirty="0"/>
+              <a:t> 기법을 사용하면 좋은 성능을 보인다는 가정을 </a:t>
+            </a:r>
+            <a:r>
+              <a:rPr lang="ko-KR" altLang="en-US" dirty="0" err="1"/>
+              <a:t>매니폴드</a:t>
+            </a:r>
+            <a:r>
+              <a:rPr lang="ko-KR" altLang="en-US" dirty="0"/>
+              <a:t> 가정이라고 합니다</a:t>
+            </a:r>
+            <a:r>
+              <a:rPr lang="en-US" altLang="ko-KR" dirty="0"/>
+              <a:t>. </a:t>
             </a:r>
           </a:p>
           <a:p>
@@ -9119,23 +8240,15 @@
             </a:pPr>
             <a:r>
               <a:rPr lang="ko-KR" altLang="en-US" dirty="0"/>
-              <a:t>또한</a:t>
-            </a:r>
-            <a:r>
-              <a:rPr lang="en-US" altLang="ko-KR" dirty="0"/>
-              <a:t>, </a:t>
-            </a:r>
-            <a:r>
-              <a:rPr lang="ko-KR" altLang="en-US" dirty="0"/>
-              <a:t>이상치 탐지 등에도 사용이 가능한 다목적 </a:t>
+              <a:t>대부분의 차원 축소 알고리즘은 이 </a:t>
             </a:r>
             <a:r>
               <a:rPr lang="ko-KR" altLang="en-US" dirty="0" err="1"/>
-              <a:t>머신러닝</a:t>
-            </a:r>
-            <a:r>
-              <a:rPr lang="ko-KR" altLang="en-US" dirty="0"/>
-              <a:t> 모델입니다</a:t>
+              <a:t>매니폴드</a:t>
+            </a:r>
+            <a:r>
+              <a:rPr lang="ko-KR" altLang="en-US" dirty="0"/>
+              <a:t> 가정을 바탕으로 차원축소를 진행합니다</a:t>
             </a:r>
             <a:r>
               <a:rPr lang="en-US" altLang="ko-KR" dirty="0"/>
@@ -9162,19 +8275,27 @@
             </a:pPr>
             <a:r>
               <a:rPr lang="ko-KR" altLang="en-US" dirty="0"/>
-              <a:t>서포트 벡터 </a:t>
+              <a:t>하지만</a:t>
+            </a:r>
+            <a:r>
+              <a:rPr lang="en-US" altLang="ko-KR" dirty="0"/>
+              <a:t>, </a:t>
+            </a:r>
+            <a:r>
+              <a:rPr lang="ko-KR" altLang="en-US" dirty="0"/>
+              <a:t>이 </a:t>
             </a:r>
             <a:r>
               <a:rPr lang="ko-KR" altLang="en-US" dirty="0" err="1"/>
-              <a:t>머신의</a:t>
-            </a:r>
-            <a:r>
-              <a:rPr lang="ko-KR" altLang="en-US" dirty="0"/>
-              <a:t> 가장 기본 컨셉은 왼쪽 그림에서 나타난 것처럼 클래스 사이에 마진을 설정하는 것입니다</a:t>
-            </a:r>
-            <a:r>
-              <a:rPr lang="en-US" altLang="ko-KR" dirty="0"/>
-              <a:t>.</a:t>
+              <a:t>매니폴드</a:t>
+            </a:r>
+            <a:r>
+              <a:rPr lang="ko-KR" altLang="en-US" dirty="0"/>
+              <a:t> 가정이 항상 유효한 것은 아닙니다</a:t>
+            </a:r>
+            <a:r>
+              <a:rPr lang="en-US" altLang="ko-KR" dirty="0"/>
+              <a:t>. </a:t>
             </a:r>
           </a:p>
           <a:p>
@@ -9196,8 +8317,40 @@
               <a:defRPr/>
             </a:pPr>
             <a:r>
-              <a:rPr lang="en-US" altLang="ko-KR" dirty="0"/>
-              <a:t>(click)</a:t>
+              <a:rPr lang="ko-KR" altLang="en-US" dirty="0"/>
+              <a:t>위의 데이터셋은 </a:t>
+            </a:r>
+            <a:r>
+              <a:rPr lang="ko-KR" altLang="en-US" dirty="0" err="1"/>
+              <a:t>매니폴드</a:t>
+            </a:r>
+            <a:r>
+              <a:rPr lang="ko-KR" altLang="en-US" dirty="0"/>
+              <a:t> 학습을 통해 차원을 축소시키면 </a:t>
+            </a:r>
+            <a:r>
+              <a:rPr lang="en-US" altLang="ko-KR" dirty="0"/>
+              <a:t>2</a:t>
+            </a:r>
+            <a:r>
+              <a:rPr lang="ko-KR" altLang="en-US" dirty="0"/>
+              <a:t>차원에서 대각선의 단순한 결정경계를 얻을 수 있으므로</a:t>
+            </a:r>
+            <a:r>
+              <a:rPr lang="en-US" altLang="ko-KR" dirty="0"/>
+              <a:t>, </a:t>
+            </a:r>
+            <a:r>
+              <a:rPr lang="ko-KR" altLang="en-US" dirty="0" err="1"/>
+              <a:t>매니폴드</a:t>
+            </a:r>
+            <a:r>
+              <a:rPr lang="ko-KR" altLang="en-US" dirty="0"/>
+              <a:t> 가정이 유효합니다</a:t>
+            </a:r>
+            <a:r>
+              <a:rPr lang="en-US" altLang="ko-KR" dirty="0"/>
+              <a:t>.</a:t>
             </a:r>
           </a:p>
           <a:p>
@@ -9220,27 +8373,75 @@
             </a:pPr>
             <a:r>
               <a:rPr lang="ko-KR" altLang="en-US" dirty="0"/>
-              <a:t>서포트 벡터 </a:t>
+              <a:t>그러나</a:t>
+            </a:r>
+            <a:r>
+              <a:rPr lang="en-US" altLang="ko-KR" dirty="0"/>
+              <a:t>, </a:t>
+            </a:r>
+            <a:r>
+              <a:rPr lang="ko-KR" altLang="en-US" dirty="0"/>
+              <a:t>아래의 데이터셋은 </a:t>
+            </a:r>
+            <a:r>
+              <a:rPr lang="en-US" altLang="ko-KR" dirty="0"/>
+              <a:t>3</a:t>
+            </a:r>
+            <a:r>
+              <a:rPr lang="ko-KR" altLang="en-US" dirty="0"/>
+              <a:t>차원 상에서는 하나의 초평면으로 결정 경계를 형성할 수 있지만</a:t>
+            </a:r>
+            <a:r>
+              <a:rPr lang="en-US" altLang="ko-KR" dirty="0"/>
+              <a:t>, </a:t>
             </a:r>
             <a:r>
               <a:rPr lang="ko-KR" altLang="en-US" dirty="0" err="1"/>
-              <a:t>머신의</a:t>
-            </a:r>
-            <a:r>
-              <a:rPr lang="ko-KR" altLang="en-US" dirty="0"/>
-              <a:t> 장점으로는 이상치에 대한 영향이 적고</a:t>
-            </a:r>
-            <a:r>
-              <a:rPr lang="en-US" altLang="ko-KR" dirty="0"/>
-              <a:t>, </a:t>
+              <a:t>매니폴드</a:t>
+            </a:r>
+            <a:r>
+              <a:rPr lang="ko-KR" altLang="en-US" dirty="0"/>
+              <a:t> 학습을 통해 </a:t>
+            </a:r>
+            <a:r>
+              <a:rPr lang="en-US" altLang="ko-KR" dirty="0"/>
+              <a:t>2</a:t>
+            </a:r>
+            <a:r>
+              <a:rPr lang="ko-KR" altLang="en-US" dirty="0"/>
+              <a:t>차원으로 차원을 축소시키면 결정경계를 이루기 위해 </a:t>
+            </a:r>
+            <a:r>
+              <a:rPr lang="en-US" altLang="ko-KR" dirty="0"/>
+              <a:t>4</a:t>
+            </a:r>
+            <a:r>
+              <a:rPr lang="ko-KR" altLang="en-US" dirty="0"/>
+              <a:t>개의 직선이 필요하기 때문에</a:t>
+            </a:r>
+            <a:r>
+              <a:rPr lang="en-US" altLang="ko-KR" dirty="0"/>
+              <a:t>,</a:t>
+            </a:r>
+            <a:r>
+              <a:rPr lang="ko-KR" altLang="en-US" dirty="0"/>
+              <a:t> 더 복잡해 진다고 할 수 있습니다</a:t>
+            </a:r>
+            <a:r>
+              <a:rPr lang="en-US" altLang="ko-KR" dirty="0"/>
+              <a:t>. </a:t>
+            </a:r>
+            <a:r>
+              <a:rPr lang="ko-KR" altLang="en-US" dirty="0"/>
+              <a:t>이러한 경우에는 </a:t>
             </a:r>
             <a:r>
               <a:rPr lang="ko-KR" altLang="en-US" dirty="0" err="1"/>
-              <a:t>오버피팅의</a:t>
-            </a:r>
-            <a:r>
-              <a:rPr lang="ko-KR" altLang="en-US" dirty="0"/>
-              <a:t> 가능성이 낮다는 점이 있습니다</a:t>
+              <a:t>매니폴드</a:t>
+            </a:r>
+            <a:r>
+              <a:rPr lang="ko-KR" altLang="en-US" dirty="0"/>
+              <a:t> 가정이 유효하지 않습니다</a:t>
             </a:r>
             <a:r>
               <a:rPr lang="en-US" altLang="ko-KR" dirty="0"/>
@@ -9267,15 +8468,19 @@
             </a:pPr>
             <a:r>
               <a:rPr lang="ko-KR" altLang="en-US" dirty="0"/>
-              <a:t>단점으로는 추후에 설명드릴 </a:t>
+              <a:t>이처럼</a:t>
+            </a:r>
+            <a:r>
+              <a:rPr lang="en-US" altLang="ko-KR" dirty="0"/>
+              <a:t>, </a:t>
             </a:r>
             <a:r>
               <a:rPr lang="ko-KR" altLang="en-US" dirty="0" err="1"/>
-              <a:t>하이퍼파라미터에</a:t>
-            </a:r>
-            <a:r>
-              <a:rPr lang="ko-KR" altLang="en-US" dirty="0"/>
-              <a:t> 대한 다양한 조합을 테스트해야 하기 때문에 학습 속도가 느리다는 점이 있습니다</a:t>
+              <a:t>매니폴드</a:t>
+            </a:r>
+            <a:r>
+              <a:rPr lang="ko-KR" altLang="en-US" dirty="0"/>
+              <a:t> 가정은 전적으로 데이터셋에 의존한다는 것을 확인 할 수 있었습니다</a:t>
             </a:r>
             <a:r>
               <a:rPr lang="en-US" altLang="ko-KR" dirty="0"/>
@@ -9387,15 +8592,7 @@
             </a:pPr>
             <a:r>
               <a:rPr lang="ko-KR" altLang="en-US" dirty="0"/>
-              <a:t>서포트 벡터 </a:t>
-            </a:r>
-            <a:r>
-              <a:rPr lang="ko-KR" altLang="en-US" dirty="0" err="1"/>
-              <a:t>머신은</a:t>
-            </a:r>
-            <a:r>
-              <a:rPr lang="ko-KR" altLang="en-US" dirty="0"/>
-              <a:t> 선형</a:t>
+              <a:t>다음으로는</a:t>
             </a:r>
             <a:r>
               <a:rPr lang="en-US" altLang="ko-KR" dirty="0"/>
@@ -9403,7 +8600,15 @@
             </a:r>
             <a:r>
               <a:rPr lang="ko-KR" altLang="en-US" dirty="0"/>
-              <a:t>비선형의 데이터셋에 대한 분류와 회귀 모델로 사용될 수 있습니다</a:t>
+              <a:t>대표적인 차원 축소 알고리즘인 </a:t>
+            </a:r>
+            <a:r>
+              <a:rPr lang="en-US" altLang="ko-KR" dirty="0"/>
+              <a:t>PCA</a:t>
+            </a:r>
+            <a:r>
+              <a:rPr lang="ko-KR" altLang="en-US" dirty="0"/>
+              <a:t>에 대해 알아보겠습니다</a:t>
             </a:r>
             <a:r>
               <a:rPr lang="en-US" altLang="ko-KR" dirty="0"/>
@@ -9429,24 +8634,12 @@
               <a:defRPr/>
             </a:pPr>
             <a:r>
-              <a:rPr lang="ko-KR" altLang="en-US" dirty="0"/>
-              <a:t>또한</a:t>
-            </a:r>
-            <a:r>
-              <a:rPr lang="en-US" altLang="ko-KR" dirty="0"/>
-              <a:t>, </a:t>
-            </a:r>
-            <a:r>
-              <a:rPr lang="ko-KR" altLang="en-US" dirty="0"/>
-              <a:t>이상치 탐지 등에도 사용이 가능한 다목적 </a:t>
-            </a:r>
-            <a:r>
-              <a:rPr lang="ko-KR" altLang="en-US" dirty="0" err="1"/>
-              <a:t>머신러닝</a:t>
-            </a:r>
-            <a:r>
-              <a:rPr lang="ko-KR" altLang="en-US" dirty="0"/>
-              <a:t> 모델입니다</a:t>
+              <a:rPr lang="en-US" altLang="ko-KR" dirty="0"/>
+              <a:t>PCA</a:t>
+            </a:r>
+            <a:r>
+              <a:rPr lang="ko-KR" altLang="en-US" dirty="0"/>
+              <a:t>는 샘플들을 가장 가까운 초평면에 투영시켜서 차원을 하나씩 축소하는 방식으로 동작합니다</a:t>
             </a:r>
             <a:r>
               <a:rPr lang="en-US" altLang="ko-KR" dirty="0"/>
@@ -9473,120 +8666,7 @@
             </a:pPr>
             <a:r>
               <a:rPr lang="ko-KR" altLang="en-US" dirty="0"/>
-              <a:t>서포트 벡터 </a:t>
-            </a:r>
-            <a:r>
-              <a:rPr lang="ko-KR" altLang="en-US" dirty="0" err="1"/>
-              <a:t>머신의</a:t>
-            </a:r>
-            <a:r>
-              <a:rPr lang="ko-KR" altLang="en-US" dirty="0"/>
-              <a:t> 가장 기본 컨셉은 왼쪽 그림에서 나타난 것처럼 클래스 사이에 마진을 설정하는 것입니다</a:t>
-            </a:r>
-            <a:r>
-              <a:rPr lang="en-US" altLang="ko-KR" dirty="0"/>
-              <a:t>.</a:t>
-            </a:r>
-          </a:p>
-          <a:p>
-            <a:pPr marL="0" marR="0" indent="0" algn="l" defTabSz="914400" rtl="0" eaLnBrk="1" fontAlgn="auto" latinLnBrk="1" hangingPunct="1">
-              <a:lnSpc>
-                <a:spcPct val="100000"/>
-              </a:lnSpc>
-              <a:spcBef>
-                <a:spcPts val="0"/>
-              </a:spcBef>
-              <a:spcAft>
-                <a:spcPts val="0"/>
-              </a:spcAft>
-              <a:buClrTx/>
-              <a:buSzTx/>
-              <a:buFontTx/>
-              <a:buNone/>
-              <a:tabLst/>
-              <a:defRPr/>
-            </a:pPr>
-            <a:r>
-              <a:rPr lang="en-US" altLang="ko-KR" dirty="0"/>
-              <a:t>(click)</a:t>
-            </a:r>
-          </a:p>
-          <a:p>
-            <a:pPr marL="0" marR="0" indent="0" algn="l" defTabSz="914400" rtl="0" eaLnBrk="1" fontAlgn="auto" latinLnBrk="1" hangingPunct="1">
-              <a:lnSpc>
-                <a:spcPct val="100000"/>
-              </a:lnSpc>
-              <a:spcBef>
-                <a:spcPts val="0"/>
-              </a:spcBef>
-              <a:spcAft>
-                <a:spcPts val="0"/>
-              </a:spcAft>
-              <a:buClrTx/>
-              <a:buSzTx/>
-              <a:buFontTx/>
-              <a:buNone/>
-              <a:tabLst/>
-              <a:defRPr/>
-            </a:pPr>
-            <a:r>
-              <a:rPr lang="ko-KR" altLang="en-US" dirty="0"/>
-              <a:t>서포트 벡터 </a:t>
-            </a:r>
-            <a:r>
-              <a:rPr lang="ko-KR" altLang="en-US" dirty="0" err="1"/>
-              <a:t>머신의</a:t>
-            </a:r>
-            <a:r>
-              <a:rPr lang="ko-KR" altLang="en-US" dirty="0"/>
-              <a:t> 장점으로는 이상치에 대한 영향이 적고</a:t>
-            </a:r>
-            <a:r>
-              <a:rPr lang="en-US" altLang="ko-KR" dirty="0"/>
-              <a:t>, </a:t>
-            </a:r>
-            <a:r>
-              <a:rPr lang="ko-KR" altLang="en-US" dirty="0" err="1"/>
-              <a:t>오버피팅의</a:t>
-            </a:r>
-            <a:r>
-              <a:rPr lang="ko-KR" altLang="en-US" dirty="0"/>
-              <a:t> 가능성이 낮다는 점이 있습니다</a:t>
-            </a:r>
-            <a:r>
-              <a:rPr lang="en-US" altLang="ko-KR" dirty="0"/>
-              <a:t>.</a:t>
-            </a:r>
-          </a:p>
-          <a:p>
-            <a:pPr marL="0" marR="0" indent="0" algn="l" defTabSz="914400" rtl="0" eaLnBrk="1" fontAlgn="auto" latinLnBrk="1" hangingPunct="1">
-              <a:lnSpc>
-                <a:spcPct val="100000"/>
-              </a:lnSpc>
-              <a:spcBef>
-                <a:spcPts val="0"/>
-              </a:spcBef>
-              <a:spcAft>
-                <a:spcPts val="0"/>
-              </a:spcAft>
-              <a:buClrTx/>
-              <a:buSzTx/>
-              <a:buFontTx/>
-              <a:buNone/>
-              <a:tabLst/>
-              <a:defRPr/>
-            </a:pPr>
-            <a:r>
-              <a:rPr lang="ko-KR" altLang="en-US" dirty="0"/>
-              <a:t>단점으로는 추후에 설명드릴 </a:t>
-            </a:r>
-            <a:r>
-              <a:rPr lang="ko-KR" altLang="en-US" dirty="0" err="1"/>
-              <a:t>하이퍼파라미터에</a:t>
-            </a:r>
-            <a:r>
-              <a:rPr lang="ko-KR" altLang="en-US" dirty="0"/>
-              <a:t> 대한 다양한 조합을 테스트해야 하기 때문에 학습 속도가 느리다는 점이 있습니다</a:t>
+              <a:t>여기서 샘플들과 가장 가까운 초평면은 데이터셋의 분산을 가장 많이 보존하는 초평면을 의미합니다</a:t>
             </a:r>
             <a:r>
               <a:rPr lang="en-US" altLang="ko-KR" dirty="0"/>
@@ -9698,15 +8778,7 @@
             </a:pPr>
             <a:r>
               <a:rPr lang="ko-KR" altLang="en-US" dirty="0"/>
-              <a:t>서포트 벡터 </a:t>
-            </a:r>
-            <a:r>
-              <a:rPr lang="ko-KR" altLang="en-US" dirty="0" err="1"/>
-              <a:t>머신은</a:t>
-            </a:r>
-            <a:r>
-              <a:rPr lang="ko-KR" altLang="en-US" dirty="0"/>
-              <a:t> 선형</a:t>
+              <a:t>앞서 말씀드린</a:t>
             </a:r>
             <a:r>
               <a:rPr lang="en-US" altLang="ko-KR" dirty="0"/>
@@ -9714,7 +8786,7 @@
             </a:r>
             <a:r>
               <a:rPr lang="ko-KR" altLang="en-US" dirty="0"/>
-              <a:t>비선형의 데이터셋에 대한 분류와 회귀 모델로 사용될 수 있습니다</a:t>
+              <a:t>분산을 가장 많이 보존하는 초평면에 대해 좀 더 자세히 설명 드리겠습니다</a:t>
             </a:r>
             <a:r>
               <a:rPr lang="en-US" altLang="ko-KR" dirty="0"/>
@@ -9741,7 +8813,7 @@
             </a:pPr>
             <a:r>
               <a:rPr lang="ko-KR" altLang="en-US" dirty="0"/>
-              <a:t>또한</a:t>
+              <a:t>우리는 차원을 축소시키면서 학습을 진행했을 때</a:t>
             </a:r>
             <a:r>
               <a:rPr lang="en-US" altLang="ko-KR" dirty="0"/>
@@ -9749,15 +8821,7 @@
             </a:r>
             <a:r>
               <a:rPr lang="ko-KR" altLang="en-US" dirty="0"/>
-              <a:t>이상치 탐지 등에도 사용이 가능한 다목적 </a:t>
-            </a:r>
-            <a:r>
-              <a:rPr lang="ko-KR" altLang="en-US" dirty="0" err="1"/>
-              <a:t>머신러닝</a:t>
-            </a:r>
-            <a:r>
-              <a:rPr lang="ko-KR" altLang="en-US" dirty="0"/>
-              <a:t> 모델입니다</a:t>
+              <a:t>모델의 성능은 유지되기를 희망합니다</a:t>
             </a:r>
             <a:r>
               <a:rPr lang="en-US" altLang="ko-KR" dirty="0"/>
@@ -9784,19 +8848,27 @@
             </a:pPr>
             <a:r>
               <a:rPr lang="ko-KR" altLang="en-US" dirty="0"/>
-              <a:t>서포트 벡터 </a:t>
+              <a:t>그렇기 때문에</a:t>
+            </a:r>
+            <a:r>
+              <a:rPr lang="en-US" altLang="ko-KR" dirty="0"/>
+              <a:t>,</a:t>
+            </a:r>
+            <a:r>
+              <a:rPr lang="ko-KR" altLang="en-US" dirty="0"/>
+              <a:t> </a:t>
             </a:r>
             <a:r>
               <a:rPr lang="ko-KR" altLang="en-US" dirty="0" err="1"/>
-              <a:t>머신의</a:t>
-            </a:r>
-            <a:r>
-              <a:rPr lang="ko-KR" altLang="en-US" dirty="0"/>
-              <a:t> 가장 기본 컨셉은 왼쪽 그림에서 나타난 것처럼 클래스 사이에 마진을 설정하는 것입니다</a:t>
-            </a:r>
-            <a:r>
-              <a:rPr lang="en-US" altLang="ko-KR" dirty="0"/>
-              <a:t>.</a:t>
+              <a:t>아무렇게나</a:t>
+            </a:r>
+            <a:r>
+              <a:rPr lang="ko-KR" altLang="en-US" dirty="0"/>
+              <a:t> 차원을 줄일 수는 없습니다</a:t>
+            </a:r>
+            <a:r>
+              <a:rPr lang="en-US" altLang="ko-KR" dirty="0"/>
+              <a:t>. </a:t>
             </a:r>
           </a:p>
           <a:p>
@@ -9818,8 +8890,36 @@
               <a:defRPr/>
             </a:pPr>
             <a:r>
-              <a:rPr lang="en-US" altLang="ko-KR" dirty="0"/>
-              <a:t>(click)</a:t>
+              <a:rPr lang="ko-KR" altLang="en-US" dirty="0"/>
+              <a:t>다음 </a:t>
+            </a:r>
+            <a:r>
+              <a:rPr lang="en-US" altLang="ko-KR" dirty="0"/>
+              <a:t>2</a:t>
+            </a:r>
+            <a:r>
+              <a:rPr lang="ko-KR" altLang="en-US" dirty="0"/>
+              <a:t>차원의 데이터셋을 </a:t>
+            </a:r>
+            <a:r>
+              <a:rPr lang="en-US" altLang="ko-KR" dirty="0"/>
+              <a:t>1</a:t>
+            </a:r>
+            <a:r>
+              <a:rPr lang="ko-KR" altLang="en-US" dirty="0"/>
+              <a:t>차원으로 축소시킬 때</a:t>
+            </a:r>
+            <a:r>
+              <a:rPr lang="en-US" altLang="ko-KR" dirty="0"/>
+              <a:t>, </a:t>
+            </a:r>
+            <a:r>
+              <a:rPr lang="ko-KR" altLang="en-US" dirty="0"/>
+              <a:t>어떤 직선 위에 샘플들을 투영 시켜야 합니다</a:t>
+            </a:r>
+            <a:r>
+              <a:rPr lang="en-US" altLang="ko-KR" dirty="0"/>
+              <a:t>.</a:t>
             </a:r>
           </a:p>
           <a:p>
@@ -9841,32 +8941,8 @@
               <a:defRPr/>
             </a:pPr>
             <a:r>
-              <a:rPr lang="ko-KR" altLang="en-US" dirty="0"/>
-              <a:t>서포트 벡터 </a:t>
-            </a:r>
-            <a:r>
-              <a:rPr lang="ko-KR" altLang="en-US" dirty="0" err="1"/>
-              <a:t>머신의</a:t>
-            </a:r>
-            <a:r>
-              <a:rPr lang="ko-KR" altLang="en-US" dirty="0"/>
-              <a:t> 장점으로는 이상치에 대한 영향이 적고</a:t>
-            </a:r>
-            <a:r>
-              <a:rPr lang="en-US" altLang="ko-KR" dirty="0"/>
-              <a:t>, </a:t>
-            </a:r>
-            <a:r>
-              <a:rPr lang="ko-KR" altLang="en-US" dirty="0" err="1"/>
-              <a:t>오버피팅의</a:t>
-            </a:r>
-            <a:r>
-              <a:rPr lang="ko-KR" altLang="en-US" dirty="0"/>
-              <a:t> 가능성이 낮다는 점이 있습니다</a:t>
-            </a:r>
-            <a:r>
-              <a:rPr lang="en-US" altLang="ko-KR" dirty="0"/>
-              <a:t>.</a:t>
+              <a:rPr lang="en-US" altLang="ko-KR" dirty="0"/>
+              <a:t>(click)</a:t>
             </a:r>
           </a:p>
           <a:p>
@@ -9889,21 +8965,145 @@
             </a:pPr>
             <a:r>
               <a:rPr lang="ko-KR" altLang="en-US" dirty="0"/>
-              <a:t>단점으로는 추후에 설명드릴 </a:t>
-            </a:r>
-            <a:r>
-              <a:rPr lang="ko-KR" altLang="en-US" dirty="0" err="1"/>
-              <a:t>하이퍼파라미터에</a:t>
-            </a:r>
-            <a:r>
-              <a:rPr lang="ko-KR" altLang="en-US" dirty="0"/>
-              <a:t> 대한 다양한 조합을 테스트해야 하기 때문에 학습 속도가 느리다는 점이 있습니다</a:t>
+              <a:t>만약</a:t>
+            </a:r>
+            <a:r>
+              <a:rPr lang="en-US" altLang="ko-KR" dirty="0"/>
+              <a:t>, </a:t>
+            </a:r>
+            <a:r>
+              <a:rPr lang="ko-KR" altLang="en-US" dirty="0"/>
+              <a:t>직선 </a:t>
+            </a:r>
+            <a:r>
+              <a:rPr lang="en-US" altLang="ko-KR" dirty="0"/>
+              <a:t>c1</a:t>
+            </a:r>
+            <a:r>
+              <a:rPr lang="ko-KR" altLang="en-US" dirty="0"/>
+              <a:t>에 샘플을 투영시키면 </a:t>
+            </a:r>
+            <a:r>
+              <a:rPr lang="en-US" altLang="ko-KR" dirty="0"/>
+              <a:t>2</a:t>
+            </a:r>
+            <a:r>
+              <a:rPr lang="ko-KR" altLang="en-US" dirty="0"/>
+              <a:t>차원 데이터셋의 분포를 가장 많이 유지할 것입니다</a:t>
             </a:r>
             <a:r>
               <a:rPr lang="en-US" altLang="ko-KR" dirty="0"/>
               <a:t>.</a:t>
             </a:r>
-            <a:endParaRPr lang="ko-KR" altLang="en-US" dirty="0"/>
+          </a:p>
+          <a:p>
+            <a:pPr marL="0" marR="0" lvl="0" indent="0" algn="l" defTabSz="914400" rtl="0" eaLnBrk="1" fontAlgn="auto" latinLnBrk="1" hangingPunct="1">
+              <a:lnSpc>
+                <a:spcPct val="100000"/>
+              </a:lnSpc>
+              <a:spcBef>
+                <a:spcPts val="0"/>
+              </a:spcBef>
+              <a:spcAft>
+                <a:spcPts val="0"/>
+              </a:spcAft>
+              <a:buClrTx/>
+              <a:buSzTx/>
+              <a:buFontTx/>
+              <a:buNone/>
+              <a:tabLst/>
+              <a:defRPr/>
+            </a:pPr>
+            <a:r>
+              <a:rPr lang="en-US" altLang="ko-KR" dirty="0"/>
+              <a:t>(click)</a:t>
+            </a:r>
+          </a:p>
+          <a:p>
+            <a:pPr marL="0" marR="0" indent="0" algn="l" defTabSz="914400" rtl="0" eaLnBrk="1" fontAlgn="auto" latinLnBrk="1" hangingPunct="1">
+              <a:lnSpc>
+                <a:spcPct val="100000"/>
+              </a:lnSpc>
+              <a:spcBef>
+                <a:spcPts val="0"/>
+              </a:spcBef>
+              <a:spcAft>
+                <a:spcPts val="0"/>
+              </a:spcAft>
+              <a:buClrTx/>
+              <a:buSzTx/>
+              <a:buFontTx/>
+              <a:buNone/>
+              <a:tabLst/>
+              <a:defRPr/>
+            </a:pPr>
+            <a:r>
+              <a:rPr lang="ko-KR" altLang="en-US" dirty="0"/>
+              <a:t>반면에</a:t>
+            </a:r>
+            <a:r>
+              <a:rPr lang="en-US" altLang="ko-KR" dirty="0"/>
+              <a:t>, </a:t>
+            </a:r>
+            <a:r>
+              <a:rPr lang="ko-KR" altLang="en-US" dirty="0"/>
+              <a:t>직선 </a:t>
+            </a:r>
+            <a:r>
+              <a:rPr lang="en-US" altLang="ko-KR" dirty="0"/>
+              <a:t>c2</a:t>
+            </a:r>
+            <a:r>
+              <a:rPr lang="ko-KR" altLang="en-US" dirty="0"/>
+              <a:t>에 샘플을 투영시키면 원본 데이터셋의 분포를 거의 보존 할 수 없습니다</a:t>
+            </a:r>
+            <a:r>
+              <a:rPr lang="en-US" altLang="ko-KR" dirty="0"/>
+              <a:t>.</a:t>
+            </a:r>
+          </a:p>
+          <a:p>
+            <a:pPr marL="0" marR="0" indent="0" algn="l" defTabSz="914400" rtl="0" eaLnBrk="1" fontAlgn="auto" latinLnBrk="1" hangingPunct="1">
+              <a:lnSpc>
+                <a:spcPct val="100000"/>
+              </a:lnSpc>
+              <a:spcBef>
+                <a:spcPts val="0"/>
+              </a:spcBef>
+              <a:spcAft>
+                <a:spcPts val="0"/>
+              </a:spcAft>
+              <a:buClrTx/>
+              <a:buSzTx/>
+              <a:buFontTx/>
+              <a:buNone/>
+              <a:tabLst/>
+              <a:defRPr/>
+            </a:pPr>
+            <a:r>
+              <a:rPr lang="ko-KR" altLang="en-US" dirty="0"/>
+              <a:t>여기서 직선 </a:t>
+            </a:r>
+            <a:r>
+              <a:rPr lang="en-US" altLang="ko-KR" dirty="0"/>
+              <a:t>c1</a:t>
+            </a:r>
+            <a:r>
+              <a:rPr lang="ko-KR" altLang="en-US" dirty="0"/>
+              <a:t>처럼 투영을 시켰을 때</a:t>
+            </a:r>
+            <a:r>
+              <a:rPr lang="en-US" altLang="ko-KR" dirty="0"/>
+              <a:t>,</a:t>
+            </a:r>
+            <a:r>
+              <a:rPr lang="ko-KR" altLang="en-US" dirty="0"/>
+              <a:t> 원본 데이터셋의 성질을 가장 많이 보존할 수 있는 초평면을 분산을 가장 많이 보존하는 초평면이라고 합니다</a:t>
+            </a:r>
+            <a:r>
+              <a:rPr lang="en-US" altLang="ko-KR" dirty="0"/>
+              <a:t>.</a:t>
+            </a:r>
           </a:p>
         </p:txBody>
       </p:sp>
@@ -10124,7 +9324,7 @@
             <a:fld id="{A22FE722-38C7-4231-8BB5-7A27D4E5977D}" type="datetimeFigureOut">
               <a:rPr lang="ko-KR" altLang="en-US" smtClean="0"/>
               <a:pPr/>
-              <a:t>2021-02-20</a:t>
+              <a:t>2021-02-23</a:t>
             </a:fld>
             <a:endParaRPr lang="ko-KR" altLang="en-US"/>
           </a:p>
@@ -10289,7 +9489,7 @@
             <a:fld id="{A22FE722-38C7-4231-8BB5-7A27D4E5977D}" type="datetimeFigureOut">
               <a:rPr lang="ko-KR" altLang="en-US" smtClean="0"/>
               <a:pPr/>
-              <a:t>2021-02-20</a:t>
+              <a:t>2021-02-23</a:t>
             </a:fld>
             <a:endParaRPr lang="ko-KR" altLang="en-US"/>
           </a:p>
@@ -10464,7 +9664,7 @@
             <a:fld id="{A22FE722-38C7-4231-8BB5-7A27D4E5977D}" type="datetimeFigureOut">
               <a:rPr lang="ko-KR" altLang="en-US" smtClean="0"/>
               <a:pPr/>
-              <a:t>2021-02-20</a:t>
+              <a:t>2021-02-23</a:t>
             </a:fld>
             <a:endParaRPr lang="ko-KR" altLang="en-US"/>
           </a:p>
@@ -10629,7 +9829,7 @@
             <a:fld id="{A22FE722-38C7-4231-8BB5-7A27D4E5977D}" type="datetimeFigureOut">
               <a:rPr lang="ko-KR" altLang="en-US" smtClean="0"/>
               <a:pPr/>
-              <a:t>2021-02-20</a:t>
+              <a:t>2021-02-23</a:t>
             </a:fld>
             <a:endParaRPr lang="ko-KR" altLang="en-US"/>
           </a:p>
@@ -10871,7 +10071,7 @@
             <a:fld id="{A22FE722-38C7-4231-8BB5-7A27D4E5977D}" type="datetimeFigureOut">
               <a:rPr lang="ko-KR" altLang="en-US" smtClean="0"/>
               <a:pPr/>
-              <a:t>2021-02-20</a:t>
+              <a:t>2021-02-23</a:t>
             </a:fld>
             <a:endParaRPr lang="ko-KR" altLang="en-US"/>
           </a:p>
@@ -11153,7 +10353,7 @@
             <a:fld id="{A22FE722-38C7-4231-8BB5-7A27D4E5977D}" type="datetimeFigureOut">
               <a:rPr lang="ko-KR" altLang="en-US" smtClean="0"/>
               <a:pPr/>
-              <a:t>2021-02-20</a:t>
+              <a:t>2021-02-23</a:t>
             </a:fld>
             <a:endParaRPr lang="ko-KR" altLang="en-US"/>
           </a:p>
@@ -11569,7 +10769,7 @@
             <a:fld id="{A22FE722-38C7-4231-8BB5-7A27D4E5977D}" type="datetimeFigureOut">
               <a:rPr lang="ko-KR" altLang="en-US" smtClean="0"/>
               <a:pPr/>
-              <a:t>2021-02-20</a:t>
+              <a:t>2021-02-23</a:t>
             </a:fld>
             <a:endParaRPr lang="ko-KR" altLang="en-US"/>
           </a:p>
@@ -11683,7 +10883,7 @@
             <a:fld id="{A22FE722-38C7-4231-8BB5-7A27D4E5977D}" type="datetimeFigureOut">
               <a:rPr lang="ko-KR" altLang="en-US" smtClean="0"/>
               <a:pPr/>
-              <a:t>2021-02-20</a:t>
+              <a:t>2021-02-23</a:t>
             </a:fld>
             <a:endParaRPr lang="ko-KR" altLang="en-US"/>
           </a:p>
@@ -11775,7 +10975,7 @@
             <a:fld id="{A22FE722-38C7-4231-8BB5-7A27D4E5977D}" type="datetimeFigureOut">
               <a:rPr lang="ko-KR" altLang="en-US" smtClean="0"/>
               <a:pPr/>
-              <a:t>2021-02-20</a:t>
+              <a:t>2021-02-23</a:t>
             </a:fld>
             <a:endParaRPr lang="ko-KR" altLang="en-US"/>
           </a:p>
@@ -12047,7 +11247,7 @@
             <a:fld id="{A22FE722-38C7-4231-8BB5-7A27D4E5977D}" type="datetimeFigureOut">
               <a:rPr lang="ko-KR" altLang="en-US" smtClean="0"/>
               <a:pPr/>
-              <a:t>2021-02-20</a:t>
+              <a:t>2021-02-23</a:t>
             </a:fld>
             <a:endParaRPr lang="ko-KR" altLang="en-US"/>
           </a:p>
@@ -12296,7 +11496,7 @@
             <a:fld id="{A22FE722-38C7-4231-8BB5-7A27D4E5977D}" type="datetimeFigureOut">
               <a:rPr lang="ko-KR" altLang="en-US" smtClean="0"/>
               <a:pPr/>
-              <a:t>2021-02-20</a:t>
+              <a:t>2021-02-23</a:t>
             </a:fld>
             <a:endParaRPr lang="ko-KR" altLang="en-US"/>
           </a:p>
@@ -12509,7 +11709,7 @@
             <a:fld id="{A22FE722-38C7-4231-8BB5-7A27D4E5977D}" type="datetimeFigureOut">
               <a:rPr lang="ko-KR" altLang="en-US" smtClean="0"/>
               <a:pPr/>
-              <a:t>2021-02-20</a:t>
+              <a:t>2021-02-23</a:t>
             </a:fld>
             <a:endParaRPr lang="ko-KR" altLang="en-US"/>
           </a:p>
@@ -13931,6 +13131,147 @@
                       </p:childTnLst>
                     </p:cTn>
                   </p:par>
+                  <p:par>
+                    <p:cTn id="8" fill="hold">
+                      <p:stCondLst>
+                        <p:cond delay="indefinite"/>
+                      </p:stCondLst>
+                      <p:childTnLst>
+                        <p:par>
+                          <p:cTn id="9" fill="hold">
+                            <p:stCondLst>
+                              <p:cond delay="0"/>
+                            </p:stCondLst>
+                            <p:childTnLst>
+                              <p:par>
+                                <p:cTn id="10" presetID="10" presetClass="entr" presetSubtype="0" fill="hold" nodeType="clickEffect">
+                                  <p:stCondLst>
+                                    <p:cond delay="0"/>
+                                  </p:stCondLst>
+                                  <p:childTnLst>
+                                    <p:set>
+                                      <p:cBhvr>
+                                        <p:cTn id="11" dur="1" fill="hold">
+                                          <p:stCondLst>
+                                            <p:cond delay="0"/>
+                                          </p:stCondLst>
+                                        </p:cTn>
+                                        <p:tgtEl>
+                                          <p:spTgt spid="7"/>
+                                        </p:tgtEl>
+                                        <p:attrNameLst>
+                                          <p:attrName>style.visibility</p:attrName>
+                                        </p:attrNameLst>
+                                      </p:cBhvr>
+                                      <p:to>
+                                        <p:strVal val="visible"/>
+                                      </p:to>
+                                    </p:set>
+                                    <p:animEffect transition="in" filter="fade">
+                                      <p:cBhvr>
+                                        <p:cTn id="12" dur="500"/>
+                                        <p:tgtEl>
+                                          <p:spTgt spid="7"/>
+                                        </p:tgtEl>
+                                      </p:cBhvr>
+                                    </p:animEffect>
+                                  </p:childTnLst>
+                                </p:cTn>
+                              </p:par>
+                              <p:par>
+                                <p:cTn id="13" presetID="10" presetClass="entr" presetSubtype="0" fill="hold" nodeType="withEffect">
+                                  <p:stCondLst>
+                                    <p:cond delay="0"/>
+                                  </p:stCondLst>
+                                  <p:childTnLst>
+                                    <p:set>
+                                      <p:cBhvr>
+                                        <p:cTn id="14" dur="1" fill="hold">
+                                          <p:stCondLst>
+                                            <p:cond delay="0"/>
+                                          </p:stCondLst>
+                                        </p:cTn>
+                                        <p:tgtEl>
+                                          <p:spTgt spid="10"/>
+                                        </p:tgtEl>
+                                        <p:attrNameLst>
+                                          <p:attrName>style.visibility</p:attrName>
+                                        </p:attrNameLst>
+                                      </p:cBhvr>
+                                      <p:to>
+                                        <p:strVal val="visible"/>
+                                      </p:to>
+                                    </p:set>
+                                    <p:animEffect transition="in" filter="fade">
+                                      <p:cBhvr>
+                                        <p:cTn id="15" dur="500"/>
+                                        <p:tgtEl>
+                                          <p:spTgt spid="10"/>
+                                        </p:tgtEl>
+                                      </p:cBhvr>
+                                    </p:animEffect>
+                                  </p:childTnLst>
+                                </p:cTn>
+                              </p:par>
+                            </p:childTnLst>
+                          </p:cTn>
+                        </p:par>
+                      </p:childTnLst>
+                    </p:cTn>
+                  </p:par>
+                  <p:par>
+                    <p:cTn id="16" fill="hold">
+                      <p:stCondLst>
+                        <p:cond delay="indefinite"/>
+                      </p:stCondLst>
+                      <p:childTnLst>
+                        <p:par>
+                          <p:cTn id="17" fill="hold">
+                            <p:stCondLst>
+                              <p:cond delay="0"/>
+                            </p:stCondLst>
+                            <p:childTnLst>
+                              <p:par>
+                                <p:cTn id="18" presetID="10" presetClass="entr" presetSubtype="0" fill="hold" nodeType="clickEffect">
+                                  <p:stCondLst>
+                                    <p:cond delay="0"/>
+                                  </p:stCondLst>
+                                  <p:childTnLst>
+                                    <p:set>
+                                      <p:cBhvr>
+                                        <p:cTn id="19" dur="1" fill="hold">
+                                          <p:stCondLst>
+                                            <p:cond delay="0"/>
+                                          </p:stCondLst>
+                                        </p:cTn>
+                                        <p:tgtEl>
+                                          <p:spTgt spid="11"/>
+                                        </p:tgtEl>
+                                        <p:attrNameLst>
+                                          <p:attrName>style.visibility</p:attrName>
+                                        </p:attrNameLst>
+                                      </p:cBhvr>
+                                      <p:to>
+                                        <p:strVal val="visible"/>
+                                      </p:to>
+                                    </p:set>
+                                    <p:animEffect transition="in" filter="fade">
+                                      <p:cBhvr>
+                                        <p:cTn id="20" dur="500"/>
+                                        <p:tgtEl>
+                                          <p:spTgt spid="11"/>
+                                        </p:tgtEl>
+                                      </p:cBhvr>
+                                    </p:animEffect>
+                                  </p:childTnLst>
+                                </p:cTn>
+                              </p:par>
+                            </p:childTnLst>
+                          </p:cTn>
+                        </p:par>
+                      </p:childTnLst>
+                    </p:cTn>
+                  </p:par>
                 </p:childTnLst>
               </p:cTn>
               <p:prevCondLst>
@@ -14476,8 +13817,8 @@
           </a:p>
         </p:txBody>
       </p:sp>
-      <mc:AlternateContent xmlns:mc="http://schemas.openxmlformats.org/markup-compatibility/2006">
-        <mc:Choice xmlns:a14="http://schemas.microsoft.com/office/drawing/2010/main" Requires="a14">
+      <mc:AlternateContent xmlns:mc="http://schemas.openxmlformats.org/markup-compatibility/2006" xmlns:a14="http://schemas.microsoft.com/office/drawing/2010/main">
+        <mc:Choice Requires="a14">
           <p:sp>
             <p:nvSpPr>
               <p:cNvPr id="26" name="TextBox 25">
@@ -14645,7 +13986,7 @@
             </p:txBody>
           </p:sp>
         </mc:Choice>
-        <mc:Fallback>
+        <mc:Fallback xmlns="">
           <p:sp>
             <p:nvSpPr>
               <p:cNvPr id="26" name="TextBox 25">
@@ -15059,8 +14400,8 @@
           </a:p>
         </p:txBody>
       </p:sp>
-      <mc:AlternateContent xmlns:mc="http://schemas.openxmlformats.org/markup-compatibility/2006">
-        <mc:Choice xmlns:a14="http://schemas.microsoft.com/office/drawing/2010/main" Requires="a14">
+      <mc:AlternateContent xmlns:mc="http://schemas.openxmlformats.org/markup-compatibility/2006" xmlns:a14="http://schemas.microsoft.com/office/drawing/2010/main">
+        <mc:Choice Requires="a14">
           <p:sp>
             <p:nvSpPr>
               <p:cNvPr id="26" name="TextBox 25">
@@ -15263,7 +14604,7 @@
                   <a:buFontTx/>
                   <a:buChar char="-"/>
                 </a:pPr>
-                <a14:m/>
+                <a:endParaRPr lang="en-US" altLang="ko-KR" b="1" dirty="0"/>
               </a:p>
               <a:p>
                 <a:pPr marL="285750" indent="-285750">
@@ -15329,7 +14670,7 @@
             </p:txBody>
           </p:sp>
         </mc:Choice>
-        <mc:Fallback>
+        <mc:Fallback xmlns="">
           <p:sp>
             <p:nvSpPr>
               <p:cNvPr id="26" name="TextBox 25">
@@ -15945,10 +15286,40 @@
       </p:pic>
       <p:pic>
         <p:nvPicPr>
-          <p:cNvPr id="2052" name="Picture 4">
+          <p:cNvPr id="5" name="그림 4">
             <a:extLst>
               <a:ext uri="{FF2B5EF4-FFF2-40B4-BE49-F238E27FC236}">
-                <a16:creationId xmlns:a16="http://schemas.microsoft.com/office/drawing/2014/main" id="{7BEDC6E9-05EC-468C-9D33-E4792C9D0C84}"/>
+                <a16:creationId xmlns:a16="http://schemas.microsoft.com/office/drawing/2014/main" id="{B4824EF7-1C1F-4D27-8707-C94ECE314773}"/>
+              </a:ext>
+            </a:extLst>
+          </p:cNvPr>
+          <p:cNvPicPr>
+            <a:picLocks noChangeAspect="1"/>
+          </p:cNvPicPr>
+          <p:nvPr/>
+        </p:nvPicPr>
+        <p:blipFill>
+          <a:blip r:embed="rId4"/>
+          <a:stretch>
+            <a:fillRect/>
+          </a:stretch>
+        </p:blipFill>
+        <p:spPr>
+          <a:xfrm>
+            <a:off x="414277" y="2676485"/>
+            <a:ext cx="4275128" cy="1205805"/>
+          </a:xfrm>
+          <a:prstGeom prst="rect">
+            <a:avLst/>
+          </a:prstGeom>
+        </p:spPr>
+      </p:pic>
+      <p:pic>
+        <p:nvPicPr>
+          <p:cNvPr id="1028" name="Picture 4">
+            <a:extLst>
+              <a:ext uri="{FF2B5EF4-FFF2-40B4-BE49-F238E27FC236}">
+                <a16:creationId xmlns:a16="http://schemas.microsoft.com/office/drawing/2014/main" id="{669299BC-514C-47CF-82E8-BB5629FF0382}"/>
               </a:ext>
             </a:extLst>
           </p:cNvPr>
@@ -15958,7 +15329,7 @@
           <p:nvPr/>
         </p:nvPicPr>
         <p:blipFill>
-          <a:blip r:embed="rId4">
+          <a:blip r:embed="rId5">
             <a:extLst>
               <a:ext uri="{28A0092B-C50C-407E-A947-70E740481C1C}">
                 <a14:useLocalDpi xmlns:a14="http://schemas.microsoft.com/office/drawing/2010/main" val="0"/>
@@ -15972,7 +15343,7 @@
         </p:blipFill>
         <p:spPr bwMode="auto">
           <a:xfrm>
-            <a:off x="4891794" y="1628799"/>
+            <a:off x="4891794" y="1628800"/>
             <a:ext cx="3676650" cy="2657475"/>
           </a:xfrm>
           <a:prstGeom prst="rect">
@@ -15988,36 +15359,6 @@
               </a14:hiddenFill>
             </a:ext>
           </a:extLst>
-        </p:spPr>
-      </p:pic>
-      <p:pic>
-        <p:nvPicPr>
-          <p:cNvPr id="14" name="그림 13">
-            <a:extLst>
-              <a:ext uri="{FF2B5EF4-FFF2-40B4-BE49-F238E27FC236}">
-                <a16:creationId xmlns:a16="http://schemas.microsoft.com/office/drawing/2014/main" id="{53530466-9805-4635-89E8-75FB281D953D}"/>
-              </a:ext>
-            </a:extLst>
-          </p:cNvPr>
-          <p:cNvPicPr>
-            <a:picLocks noChangeAspect="1"/>
-          </p:cNvPicPr>
-          <p:nvPr/>
-        </p:nvPicPr>
-        <p:blipFill>
-          <a:blip r:embed="rId5"/>
-          <a:stretch>
-            <a:fillRect/>
-          </a:stretch>
-        </p:blipFill>
-        <p:spPr>
-          <a:xfrm>
-            <a:off x="428194" y="2714807"/>
-            <a:ext cx="4115374" cy="1362265"/>
-          </a:xfrm>
-          <a:prstGeom prst="rect">
-            <a:avLst/>
-          </a:prstGeom>
         </p:spPr>
       </p:pic>
     </p:spTree>
@@ -18751,8 +18092,8 @@
           </a:p>
         </p:txBody>
       </p:sp>
-      <mc:AlternateContent xmlns:mc="http://schemas.openxmlformats.org/markup-compatibility/2006">
-        <mc:Choice xmlns:a14="http://schemas.microsoft.com/office/drawing/2010/main" Requires="a14">
+      <mc:AlternateContent xmlns:mc="http://schemas.openxmlformats.org/markup-compatibility/2006" xmlns:a14="http://schemas.microsoft.com/office/drawing/2010/main">
+        <mc:Choice Requires="a14">
           <p:sp>
             <p:nvSpPr>
               <p:cNvPr id="13" name="TextBox 12">
@@ -18959,7 +18300,7 @@
             </p:txBody>
           </p:sp>
         </mc:Choice>
-        <mc:Fallback>
+        <mc:Fallback xmlns="">
           <p:sp>
             <p:nvSpPr>
               <p:cNvPr id="13" name="TextBox 12">
@@ -20499,10 +19840,10 @@
       </p:sp>
       <p:pic>
         <p:nvPicPr>
-          <p:cNvPr id="5122" name="Picture 2">
+          <p:cNvPr id="5124" name="Picture 4">
             <a:extLst>
               <a:ext uri="{FF2B5EF4-FFF2-40B4-BE49-F238E27FC236}">
-                <a16:creationId xmlns:a16="http://schemas.microsoft.com/office/drawing/2014/main" id="{6652AA60-4E4B-45BD-A202-21DB71ABCA3F}"/>
+                <a16:creationId xmlns:a16="http://schemas.microsoft.com/office/drawing/2014/main" id="{92E488BA-F97B-4C8B-8E9F-B058377EB408}"/>
               </a:ext>
             </a:extLst>
           </p:cNvPr>
@@ -20526,8 +19867,8 @@
         </p:blipFill>
         <p:spPr bwMode="auto">
           <a:xfrm>
-            <a:off x="2627784" y="1135630"/>
-            <a:ext cx="3676650" cy="2657475"/>
+            <a:off x="2608349" y="4002641"/>
+            <a:ext cx="3826249" cy="2398067"/>
           </a:xfrm>
           <a:prstGeom prst="rect">
             <a:avLst/>
@@ -20546,10 +19887,10 @@
       </p:pic>
       <p:pic>
         <p:nvPicPr>
-          <p:cNvPr id="5124" name="Picture 4">
+          <p:cNvPr id="10" name="Picture 4">
             <a:extLst>
               <a:ext uri="{FF2B5EF4-FFF2-40B4-BE49-F238E27FC236}">
-                <a16:creationId xmlns:a16="http://schemas.microsoft.com/office/drawing/2014/main" id="{92E488BA-F97B-4C8B-8E9F-B058377EB408}"/>
+                <a16:creationId xmlns:a16="http://schemas.microsoft.com/office/drawing/2014/main" id="{EEADDA29-F8F8-4158-B432-F268EEDF42FA}"/>
               </a:ext>
             </a:extLst>
           </p:cNvPr>
@@ -20573,8 +19914,8 @@
         </p:blipFill>
         <p:spPr bwMode="auto">
           <a:xfrm>
-            <a:off x="2608349" y="4002641"/>
-            <a:ext cx="3826249" cy="2398067"/>
+            <a:off x="2756672" y="1142451"/>
+            <a:ext cx="3676650" cy="2657475"/>
           </a:xfrm>
           <a:prstGeom prst="rect">
             <a:avLst/>
@@ -25144,7 +24485,7 @@
         </p:blipFill>
         <p:spPr bwMode="auto">
           <a:xfrm>
-            <a:off x="899592" y="1628800"/>
+            <a:off x="899592" y="1418523"/>
             <a:ext cx="3279793" cy="3594653"/>
           </a:xfrm>
           <a:prstGeom prst="rect">
@@ -25191,7 +24532,7 @@
         </p:blipFill>
         <p:spPr bwMode="auto">
           <a:xfrm>
-            <a:off x="4964616" y="1628801"/>
+            <a:off x="4964616" y="1418524"/>
             <a:ext cx="3279792" cy="3594652"/>
           </a:xfrm>
           <a:prstGeom prst="rect">
@@ -25209,6 +24550,355 @@
           </a:extLst>
         </p:spPr>
       </p:pic>
+      <p:sp>
+        <p:nvSpPr>
+          <p:cNvPr id="10" name="TextBox 9">
+            <a:extLst>
+              <a:ext uri="{FF2B5EF4-FFF2-40B4-BE49-F238E27FC236}">
+                <a16:creationId xmlns:a16="http://schemas.microsoft.com/office/drawing/2014/main" id="{3D60DB3F-E812-462F-BC19-D7193A684706}"/>
+              </a:ext>
+            </a:extLst>
+          </p:cNvPr>
+          <p:cNvSpPr txBox="1"/>
+          <p:nvPr/>
+        </p:nvSpPr>
+        <p:spPr>
+          <a:xfrm>
+            <a:off x="808246" y="1141001"/>
+            <a:ext cx="7436161" cy="4832092"/>
+          </a:xfrm>
+          <a:prstGeom prst="rect">
+            <a:avLst/>
+          </a:prstGeom>
+          <a:noFill/>
+        </p:spPr>
+        <p:txBody>
+          <a:bodyPr wrap="square" rtlCol="0">
+            <a:spAutoFit/>
+          </a:bodyPr>
+          <a:lstStyle/>
+          <a:p>
+            <a:endParaRPr lang="en-US" altLang="ko-KR" sz="1600" b="1" dirty="0"/>
+          </a:p>
+          <a:p>
+            <a:endParaRPr lang="en-US" altLang="ko-KR" sz="1600" b="1" dirty="0"/>
+          </a:p>
+          <a:p>
+            <a:endParaRPr lang="en-US" altLang="ko-KR" sz="1600" b="1" dirty="0"/>
+          </a:p>
+          <a:p>
+            <a:endParaRPr lang="en-US" altLang="ko-KR" sz="1600" b="1" dirty="0"/>
+          </a:p>
+          <a:p>
+            <a:endParaRPr lang="en-US" altLang="ko-KR" sz="1600" b="1" dirty="0"/>
+          </a:p>
+          <a:p>
+            <a:endParaRPr lang="en-US" altLang="ko-KR" sz="1600" b="1" dirty="0"/>
+          </a:p>
+          <a:p>
+            <a:endParaRPr lang="en-US" altLang="ko-KR" sz="1600" b="1" dirty="0"/>
+          </a:p>
+          <a:p>
+            <a:endParaRPr lang="en-US" altLang="ko-KR" sz="1600" b="1" dirty="0"/>
+          </a:p>
+          <a:p>
+            <a:endParaRPr lang="en-US" altLang="ko-KR" sz="1600" b="1" dirty="0"/>
+          </a:p>
+          <a:p>
+            <a:endParaRPr lang="en-US" altLang="ko-KR" sz="1600" b="1" dirty="0"/>
+          </a:p>
+          <a:p>
+            <a:endParaRPr lang="en-US" altLang="ko-KR" sz="1000" b="1" dirty="0"/>
+          </a:p>
+          <a:p>
+            <a:endParaRPr lang="en-US" altLang="ko-KR" sz="1000" b="1" dirty="0"/>
+          </a:p>
+          <a:p>
+            <a:endParaRPr lang="en-US" altLang="ko-KR" sz="1000" b="1" dirty="0"/>
+          </a:p>
+          <a:p>
+            <a:endParaRPr lang="en-US" altLang="ko-KR" sz="1000" b="1" dirty="0"/>
+          </a:p>
+          <a:p>
+            <a:endParaRPr lang="en-US" altLang="ko-KR" sz="1000" b="1" dirty="0"/>
+          </a:p>
+          <a:p>
+            <a:endParaRPr lang="en-US" altLang="ko-KR" sz="1000" b="1" dirty="0"/>
+          </a:p>
+          <a:p>
+            <a:endParaRPr lang="en-US" altLang="ko-KR" sz="1000" b="1" dirty="0"/>
+          </a:p>
+          <a:p>
+            <a:endParaRPr lang="en-US" altLang="ko-KR" sz="1000" b="1" dirty="0"/>
+          </a:p>
+          <a:p>
+            <a:endParaRPr lang="en-US" altLang="ko-KR" sz="1000" b="1" dirty="0"/>
+          </a:p>
+          <a:p>
+            <a:endParaRPr lang="en-US" altLang="ko-KR" sz="1000" b="1" dirty="0"/>
+          </a:p>
+          <a:p>
+            <a:endParaRPr lang="en-US" altLang="ko-KR" sz="1000" b="1" dirty="0"/>
+          </a:p>
+          <a:p>
+            <a:endParaRPr lang="en-US" altLang="ko-KR" sz="1000" b="1" dirty="0"/>
+          </a:p>
+          <a:p>
+            <a:endParaRPr lang="en-US" altLang="ko-KR" sz="1000" b="1" dirty="0"/>
+          </a:p>
+          <a:p>
+            <a:pPr marL="285750" lvl="0" indent="-285750">
+              <a:buFontTx/>
+              <a:buChar char="-"/>
+            </a:pPr>
+            <a:r>
+              <a:rPr lang="ko-KR" altLang="en-US" b="1" dirty="0"/>
+              <a:t>개미</a:t>
+            </a:r>
+            <a:r>
+              <a:rPr lang="en-US" altLang="ko-KR" b="1" dirty="0"/>
+              <a:t>(0), </a:t>
+            </a:r>
+            <a:r>
+              <a:rPr lang="ko-KR" altLang="en-US" b="1" dirty="0"/>
+              <a:t>낙타</a:t>
+            </a:r>
+            <a:r>
+              <a:rPr lang="en-US" altLang="ko-KR" b="1" dirty="0"/>
+              <a:t>(4), </a:t>
+            </a:r>
+            <a:r>
+              <a:rPr lang="ko-KR" altLang="en-US" b="1" dirty="0"/>
+              <a:t>소</a:t>
+            </a:r>
+            <a:r>
+              <a:rPr lang="en-US" altLang="ko-KR" b="1" dirty="0"/>
+              <a:t>(6)</a:t>
+            </a:r>
+            <a:r>
+              <a:rPr lang="ko-KR" altLang="en-US" b="1" dirty="0"/>
+              <a:t> 클래스에 대해 잘못 분류하는 경우가 발생</a:t>
+            </a:r>
+            <a:endParaRPr lang="en-US" altLang="ko-KR" b="1" dirty="0"/>
+          </a:p>
+        </p:txBody>
+      </p:sp>
+      <p:sp>
+        <p:nvSpPr>
+          <p:cNvPr id="5" name="화살표: 오른쪽 4">
+            <a:extLst>
+              <a:ext uri="{FF2B5EF4-FFF2-40B4-BE49-F238E27FC236}">
+                <a16:creationId xmlns:a16="http://schemas.microsoft.com/office/drawing/2014/main" id="{1E2BBAB1-1D36-44F5-9A51-9E88F9C79DDD}"/>
+              </a:ext>
+            </a:extLst>
+          </p:cNvPr>
+          <p:cNvSpPr/>
+          <p:nvPr/>
+        </p:nvSpPr>
+        <p:spPr>
+          <a:xfrm>
+            <a:off x="513218" y="3489277"/>
+            <a:ext cx="340701" cy="144016"/>
+          </a:xfrm>
+          <a:prstGeom prst="rightArrow">
+            <a:avLst/>
+          </a:prstGeom>
+          <a:solidFill>
+            <a:srgbClr val="FF0000"/>
+          </a:solidFill>
+          <a:ln>
+            <a:solidFill>
+              <a:srgbClr val="FF0000"/>
+            </a:solidFill>
+          </a:ln>
+        </p:spPr>
+        <p:style>
+          <a:lnRef idx="2">
+            <a:schemeClr val="accent1">
+              <a:shade val="50000"/>
+            </a:schemeClr>
+          </a:lnRef>
+          <a:fillRef idx="1">
+            <a:schemeClr val="accent1"/>
+          </a:fillRef>
+          <a:effectRef idx="0">
+            <a:schemeClr val="accent1"/>
+          </a:effectRef>
+          <a:fontRef idx="minor">
+            <a:schemeClr val="lt1"/>
+          </a:fontRef>
+        </p:style>
+        <p:txBody>
+          <a:bodyPr rtlCol="0" anchor="ctr"/>
+          <a:lstStyle/>
+          <a:p>
+            <a:pPr algn="ctr"/>
+            <a:endParaRPr lang="ko-KR" altLang="en-US"/>
+          </a:p>
+        </p:txBody>
+      </p:sp>
+      <p:sp>
+        <p:nvSpPr>
+          <p:cNvPr id="13" name="화살표: 오른쪽 12">
+            <a:extLst>
+              <a:ext uri="{FF2B5EF4-FFF2-40B4-BE49-F238E27FC236}">
+                <a16:creationId xmlns:a16="http://schemas.microsoft.com/office/drawing/2014/main" id="{B53D5A53-4C80-4EB3-B670-F5D41F95A2AE}"/>
+              </a:ext>
+            </a:extLst>
+          </p:cNvPr>
+          <p:cNvSpPr/>
+          <p:nvPr/>
+        </p:nvSpPr>
+        <p:spPr>
+          <a:xfrm>
+            <a:off x="508655" y="4247054"/>
+            <a:ext cx="340701" cy="144016"/>
+          </a:xfrm>
+          <a:prstGeom prst="rightArrow">
+            <a:avLst/>
+          </a:prstGeom>
+          <a:solidFill>
+            <a:srgbClr val="FF0000"/>
+          </a:solidFill>
+          <a:ln>
+            <a:solidFill>
+              <a:srgbClr val="FF0000"/>
+            </a:solidFill>
+          </a:ln>
+        </p:spPr>
+        <p:style>
+          <a:lnRef idx="2">
+            <a:schemeClr val="accent1">
+              <a:shade val="50000"/>
+            </a:schemeClr>
+          </a:lnRef>
+          <a:fillRef idx="1">
+            <a:schemeClr val="accent1"/>
+          </a:fillRef>
+          <a:effectRef idx="0">
+            <a:schemeClr val="accent1"/>
+          </a:effectRef>
+          <a:fontRef idx="minor">
+            <a:schemeClr val="lt1"/>
+          </a:fontRef>
+        </p:style>
+        <p:txBody>
+          <a:bodyPr rtlCol="0" anchor="ctr"/>
+          <a:lstStyle/>
+          <a:p>
+            <a:pPr algn="ctr"/>
+            <a:endParaRPr lang="ko-KR" altLang="en-US"/>
+          </a:p>
+        </p:txBody>
+      </p:sp>
+      <p:sp>
+        <p:nvSpPr>
+          <p:cNvPr id="14" name="화살표: 오른쪽 13">
+            <a:extLst>
+              <a:ext uri="{FF2B5EF4-FFF2-40B4-BE49-F238E27FC236}">
+                <a16:creationId xmlns:a16="http://schemas.microsoft.com/office/drawing/2014/main" id="{F743149D-0FDB-4D6D-B374-9223B1DFAC1A}"/>
+              </a:ext>
+            </a:extLst>
+          </p:cNvPr>
+          <p:cNvSpPr/>
+          <p:nvPr/>
+        </p:nvSpPr>
+        <p:spPr>
+          <a:xfrm rot="5400000">
+            <a:off x="3393537" y="1176164"/>
+            <a:ext cx="340701" cy="144016"/>
+          </a:xfrm>
+          <a:prstGeom prst="rightArrow">
+            <a:avLst/>
+          </a:prstGeom>
+          <a:solidFill>
+            <a:srgbClr val="FF0000"/>
+          </a:solidFill>
+          <a:ln>
+            <a:solidFill>
+              <a:srgbClr val="FF0000"/>
+            </a:solidFill>
+          </a:ln>
+        </p:spPr>
+        <p:style>
+          <a:lnRef idx="2">
+            <a:schemeClr val="accent1">
+              <a:shade val="50000"/>
+            </a:schemeClr>
+          </a:lnRef>
+          <a:fillRef idx="1">
+            <a:schemeClr val="accent1"/>
+          </a:fillRef>
+          <a:effectRef idx="0">
+            <a:schemeClr val="accent1"/>
+          </a:effectRef>
+          <a:fontRef idx="minor">
+            <a:schemeClr val="lt1"/>
+          </a:fontRef>
+        </p:style>
+        <p:txBody>
+          <a:bodyPr rtlCol="0" anchor="ctr"/>
+          <a:lstStyle/>
+          <a:p>
+            <a:pPr algn="ctr"/>
+            <a:endParaRPr lang="ko-KR" altLang="en-US"/>
+          </a:p>
+        </p:txBody>
+      </p:sp>
+      <p:sp>
+        <p:nvSpPr>
+          <p:cNvPr id="15" name="화살표: 오른쪽 14">
+            <a:extLst>
+              <a:ext uri="{FF2B5EF4-FFF2-40B4-BE49-F238E27FC236}">
+                <a16:creationId xmlns:a16="http://schemas.microsoft.com/office/drawing/2014/main" id="{6CFB77FD-DB51-4E57-9EAF-96320E039E69}"/>
+              </a:ext>
+            </a:extLst>
+          </p:cNvPr>
+          <p:cNvSpPr/>
+          <p:nvPr/>
+        </p:nvSpPr>
+        <p:spPr>
+          <a:xfrm rot="5400000">
+            <a:off x="2640797" y="1176165"/>
+            <a:ext cx="340701" cy="144016"/>
+          </a:xfrm>
+          <a:prstGeom prst="rightArrow">
+            <a:avLst/>
+          </a:prstGeom>
+          <a:solidFill>
+            <a:srgbClr val="FF0000"/>
+          </a:solidFill>
+          <a:ln>
+            <a:solidFill>
+              <a:srgbClr val="FF0000"/>
+            </a:solidFill>
+          </a:ln>
+        </p:spPr>
+        <p:style>
+          <a:lnRef idx="2">
+            <a:schemeClr val="accent1">
+              <a:shade val="50000"/>
+            </a:schemeClr>
+          </a:lnRef>
+          <a:fillRef idx="1">
+            <a:schemeClr val="accent1"/>
+          </a:fillRef>
+          <a:effectRef idx="0">
+            <a:schemeClr val="accent1"/>
+          </a:effectRef>
+          <a:fontRef idx="minor">
+            <a:schemeClr val="lt1"/>
+          </a:fontRef>
+        </p:style>
+        <p:txBody>
+          <a:bodyPr rtlCol="0" anchor="ctr"/>
+          <a:lstStyle/>
+          <a:p>
+            <a:pPr algn="ctr"/>
+            <a:endParaRPr lang="ko-KR" altLang="en-US"/>
+          </a:p>
+        </p:txBody>
+      </p:sp>
     </p:spTree>
     <p:extLst>
       <p:ext uri="{BB962C8B-B14F-4D97-AF65-F5344CB8AC3E}">
@@ -25219,6 +24909,236 @@
   <p:clrMapOvr>
     <a:masterClrMapping/>
   </p:clrMapOvr>
+  <p:timing>
+    <p:tnLst>
+      <p:par>
+        <p:cTn id="1" dur="indefinite" restart="never" nodeType="tmRoot">
+          <p:childTnLst>
+            <p:seq concurrent="1" nextAc="seek">
+              <p:cTn id="2" dur="indefinite" nodeType="mainSeq">
+                <p:childTnLst>
+                  <p:par>
+                    <p:cTn id="3" fill="hold">
+                      <p:stCondLst>
+                        <p:cond delay="indefinite"/>
+                      </p:stCondLst>
+                      <p:childTnLst>
+                        <p:par>
+                          <p:cTn id="4" fill="hold">
+                            <p:stCondLst>
+                              <p:cond delay="0"/>
+                            </p:stCondLst>
+                            <p:childTnLst>
+                              <p:par>
+                                <p:cTn id="5" presetID="10" presetClass="entr" presetSubtype="0" fill="hold" grpId="0" nodeType="clickEffect">
+                                  <p:stCondLst>
+                                    <p:cond delay="0"/>
+                                  </p:stCondLst>
+                                  <p:childTnLst>
+                                    <p:set>
+                                      <p:cBhvr>
+                                        <p:cTn id="6" dur="1" fill="hold">
+                                          <p:stCondLst>
+                                            <p:cond delay="0"/>
+                                          </p:stCondLst>
+                                        </p:cTn>
+                                        <p:tgtEl>
+                                          <p:spTgt spid="5"/>
+                                        </p:tgtEl>
+                                        <p:attrNameLst>
+                                          <p:attrName>style.visibility</p:attrName>
+                                        </p:attrNameLst>
+                                      </p:cBhvr>
+                                      <p:to>
+                                        <p:strVal val="visible"/>
+                                      </p:to>
+                                    </p:set>
+                                    <p:animEffect transition="in" filter="fade">
+                                      <p:cBhvr>
+                                        <p:cTn id="7" dur="500"/>
+                                        <p:tgtEl>
+                                          <p:spTgt spid="5"/>
+                                        </p:tgtEl>
+                                      </p:cBhvr>
+                                    </p:animEffect>
+                                  </p:childTnLst>
+                                </p:cTn>
+                              </p:par>
+                              <p:par>
+                                <p:cTn id="8" presetID="10" presetClass="entr" presetSubtype="0" fill="hold" grpId="0" nodeType="withEffect">
+                                  <p:stCondLst>
+                                    <p:cond delay="0"/>
+                                  </p:stCondLst>
+                                  <p:childTnLst>
+                                    <p:set>
+                                      <p:cBhvr>
+                                        <p:cTn id="9" dur="1" fill="hold">
+                                          <p:stCondLst>
+                                            <p:cond delay="0"/>
+                                          </p:stCondLst>
+                                        </p:cTn>
+                                        <p:tgtEl>
+                                          <p:spTgt spid="13"/>
+                                        </p:tgtEl>
+                                        <p:attrNameLst>
+                                          <p:attrName>style.visibility</p:attrName>
+                                        </p:attrNameLst>
+                                      </p:cBhvr>
+                                      <p:to>
+                                        <p:strVal val="visible"/>
+                                      </p:to>
+                                    </p:set>
+                                    <p:animEffect transition="in" filter="fade">
+                                      <p:cBhvr>
+                                        <p:cTn id="10" dur="500"/>
+                                        <p:tgtEl>
+                                          <p:spTgt spid="13"/>
+                                        </p:tgtEl>
+                                      </p:cBhvr>
+                                    </p:animEffect>
+                                  </p:childTnLst>
+                                </p:cTn>
+                              </p:par>
+                              <p:par>
+                                <p:cTn id="11" presetID="10" presetClass="entr" presetSubtype="0" fill="hold" grpId="0" nodeType="withEffect">
+                                  <p:stCondLst>
+                                    <p:cond delay="0"/>
+                                  </p:stCondLst>
+                                  <p:childTnLst>
+                                    <p:set>
+                                      <p:cBhvr>
+                                        <p:cTn id="12" dur="1" fill="hold">
+                                          <p:stCondLst>
+                                            <p:cond delay="0"/>
+                                          </p:stCondLst>
+                                        </p:cTn>
+                                        <p:tgtEl>
+                                          <p:spTgt spid="14"/>
+                                        </p:tgtEl>
+                                        <p:attrNameLst>
+                                          <p:attrName>style.visibility</p:attrName>
+                                        </p:attrNameLst>
+                                      </p:cBhvr>
+                                      <p:to>
+                                        <p:strVal val="visible"/>
+                                      </p:to>
+                                    </p:set>
+                                    <p:animEffect transition="in" filter="fade">
+                                      <p:cBhvr>
+                                        <p:cTn id="13" dur="500"/>
+                                        <p:tgtEl>
+                                          <p:spTgt spid="14"/>
+                                        </p:tgtEl>
+                                      </p:cBhvr>
+                                    </p:animEffect>
+                                  </p:childTnLst>
+                                </p:cTn>
+                              </p:par>
+                              <p:par>
+                                <p:cTn id="14" presetID="10" presetClass="entr" presetSubtype="0" fill="hold" grpId="0" nodeType="withEffect">
+                                  <p:stCondLst>
+                                    <p:cond delay="0"/>
+                                  </p:stCondLst>
+                                  <p:childTnLst>
+                                    <p:set>
+                                      <p:cBhvr>
+                                        <p:cTn id="15" dur="1" fill="hold">
+                                          <p:stCondLst>
+                                            <p:cond delay="0"/>
+                                          </p:stCondLst>
+                                        </p:cTn>
+                                        <p:tgtEl>
+                                          <p:spTgt spid="15"/>
+                                        </p:tgtEl>
+                                        <p:attrNameLst>
+                                          <p:attrName>style.visibility</p:attrName>
+                                        </p:attrNameLst>
+                                      </p:cBhvr>
+                                      <p:to>
+                                        <p:strVal val="visible"/>
+                                      </p:to>
+                                    </p:set>
+                                    <p:animEffect transition="in" filter="fade">
+                                      <p:cBhvr>
+                                        <p:cTn id="16" dur="500"/>
+                                        <p:tgtEl>
+                                          <p:spTgt spid="15"/>
+                                        </p:tgtEl>
+                                      </p:cBhvr>
+                                    </p:animEffect>
+                                  </p:childTnLst>
+                                </p:cTn>
+                              </p:par>
+                              <p:par>
+                                <p:cTn id="17" presetID="10" presetClass="entr" presetSubtype="0" fill="hold" grpId="0" nodeType="withEffect">
+                                  <p:stCondLst>
+                                    <p:cond delay="0"/>
+                                  </p:stCondLst>
+                                  <p:childTnLst>
+                                    <p:set>
+                                      <p:cBhvr>
+                                        <p:cTn id="18" dur="1" fill="hold">
+                                          <p:stCondLst>
+                                            <p:cond delay="0"/>
+                                          </p:stCondLst>
+                                        </p:cTn>
+                                        <p:tgtEl>
+                                          <p:spTgt spid="10"/>
+                                        </p:tgtEl>
+                                        <p:attrNameLst>
+                                          <p:attrName>style.visibility</p:attrName>
+                                        </p:attrNameLst>
+                                      </p:cBhvr>
+                                      <p:to>
+                                        <p:strVal val="visible"/>
+                                      </p:to>
+                                    </p:set>
+                                    <p:animEffect transition="in" filter="fade">
+                                      <p:cBhvr>
+                                        <p:cTn id="19" dur="500"/>
+                                        <p:tgtEl>
+                                          <p:spTgt spid="10"/>
+                                        </p:tgtEl>
+                                      </p:cBhvr>
+                                    </p:animEffect>
+                                  </p:childTnLst>
+                                </p:cTn>
+                              </p:par>
+                            </p:childTnLst>
+                          </p:cTn>
+                        </p:par>
+                      </p:childTnLst>
+                    </p:cTn>
+                  </p:par>
+                </p:childTnLst>
+              </p:cTn>
+              <p:prevCondLst>
+                <p:cond evt="onPrev" delay="0">
+                  <p:tgtEl>
+                    <p:sldTgt/>
+                  </p:tgtEl>
+                </p:cond>
+              </p:prevCondLst>
+              <p:nextCondLst>
+                <p:cond evt="onNext" delay="0">
+                  <p:tgtEl>
+                    <p:sldTgt/>
+                  </p:tgtEl>
+                </p:cond>
+              </p:nextCondLst>
+            </p:seq>
+          </p:childTnLst>
+        </p:cTn>
+      </p:par>
+    </p:tnLst>
+    <p:bldLst>
+      <p:bldP spid="10" grpId="0"/>
+      <p:bldP spid="5" grpId="0" animBg="1"/>
+      <p:bldP spid="13" grpId="0" animBg="1"/>
+      <p:bldP spid="14" grpId="0" animBg="1"/>
+      <p:bldP spid="15" grpId="0" animBg="1"/>
+    </p:bldLst>
+  </p:timing>
 </p:sld>
 </file>
 
@@ -25814,12 +25734,12 @@
           <a:p>
             <a:pPr algn="dist"/>
             <a:r>
-              <a:rPr lang="en-US" altLang="ko-KR" sz="1200" b="1" dirty="0">
+              <a:rPr lang="en-US" altLang="ko-KR" sz="1200" b="1">
                 <a:solidFill>
                   <a:schemeClr val="bg1"/>
                 </a:solidFill>
               </a:rPr>
-              <a:t>ML Support Vector Machine</a:t>
+              <a:t>ML Dimensionality Reduction</a:t>
             </a:r>
             <a:endParaRPr lang="ko-KR" altLang="en-US" sz="1200" b="1" dirty="0">
               <a:solidFill>
@@ -26796,7 +26716,7 @@
             </a:pPr>
             <a:r>
               <a:rPr lang="ko-KR" altLang="en-US" b="1" dirty="0"/>
-              <a:t>샘플을 고차원 공간에 속하는 </a:t>
+              <a:t>고차원 공간에 속하는 샘플을 </a:t>
             </a:r>
             <a:r>
               <a:rPr lang="ko-KR" altLang="en-US" b="1" dirty="0" err="1"/>
@@ -29105,7 +29025,15 @@
             </a:pPr>
             <a:r>
               <a:rPr lang="ko-KR" altLang="en-US" b="1" dirty="0"/>
-              <a:t>올바른 초평면은 원래 훈련 세트의 분산을 가장 많이 보존하는 초평면이다</a:t>
+              <a:t>데이터의 분산을 가장 많이 보존하는 초평면이</a:t>
+            </a:r>
+            <a:r>
+              <a:rPr lang="en-US" altLang="ko-KR" b="1" dirty="0"/>
+              <a:t> </a:t>
+            </a:r>
+            <a:r>
+              <a:rPr lang="ko-KR" altLang="en-US" b="1" dirty="0"/>
+              <a:t>데이터의 성질을 가장 많이 보존하는 초평면이다</a:t>
             </a:r>
             <a:r>
               <a:rPr lang="en-US" altLang="ko-KR" b="1" dirty="0"/>
@@ -29144,6 +29072,138 @@
           </a:prstGeom>
         </p:spPr>
       </p:pic>
+      <p:sp>
+        <p:nvSpPr>
+          <p:cNvPr id="4" name="화살표: 아래쪽 3">
+            <a:extLst>
+              <a:ext uri="{FF2B5EF4-FFF2-40B4-BE49-F238E27FC236}">
+                <a16:creationId xmlns:a16="http://schemas.microsoft.com/office/drawing/2014/main" id="{1D0F08F9-46DA-4290-8A0D-935AB292659E}"/>
+              </a:ext>
+            </a:extLst>
+          </p:cNvPr>
+          <p:cNvSpPr/>
+          <p:nvPr/>
+        </p:nvSpPr>
+        <p:spPr>
+          <a:xfrm>
+            <a:off x="3712097" y="2027767"/>
+            <a:ext cx="144016" cy="504056"/>
+          </a:xfrm>
+          <a:prstGeom prst="downArrow">
+            <a:avLst/>
+          </a:prstGeom>
+          <a:solidFill>
+            <a:srgbClr val="FF0000"/>
+          </a:solidFill>
+          <a:ln>
+            <a:solidFill>
+              <a:srgbClr val="FF0000"/>
+            </a:solidFill>
+          </a:ln>
+        </p:spPr>
+        <p:style>
+          <a:lnRef idx="2">
+            <a:schemeClr val="accent2">
+              <a:shade val="50000"/>
+            </a:schemeClr>
+          </a:lnRef>
+          <a:fillRef idx="1">
+            <a:schemeClr val="accent2"/>
+          </a:fillRef>
+          <a:effectRef idx="0">
+            <a:schemeClr val="accent2"/>
+          </a:effectRef>
+          <a:fontRef idx="minor">
+            <a:schemeClr val="lt1"/>
+          </a:fontRef>
+        </p:style>
+        <p:txBody>
+          <a:bodyPr rtlCol="0" anchor="ctr"/>
+          <a:lstStyle/>
+          <a:p>
+            <a:pPr algn="ctr"/>
+            <a:endParaRPr lang="ko-KR" altLang="en-US">
+              <a:ln w="0"/>
+              <a:solidFill>
+                <a:schemeClr val="tx1"/>
+              </a:solidFill>
+              <a:effectLst>
+                <a:outerShdw blurRad="38100" dist="19050" dir="2700000" algn="tl" rotWithShape="0">
+                  <a:schemeClr val="dk1">
+                    <a:alpha val="40000"/>
+                  </a:schemeClr>
+                </a:outerShdw>
+              </a:effectLst>
+            </a:endParaRPr>
+          </a:p>
+        </p:txBody>
+      </p:sp>
+      <p:sp>
+        <p:nvSpPr>
+          <p:cNvPr id="10" name="화살표: 아래쪽 9">
+            <a:extLst>
+              <a:ext uri="{FF2B5EF4-FFF2-40B4-BE49-F238E27FC236}">
+                <a16:creationId xmlns:a16="http://schemas.microsoft.com/office/drawing/2014/main" id="{38CFBFD6-6193-4CDA-8857-C7116D8B95E5}"/>
+              </a:ext>
+            </a:extLst>
+          </p:cNvPr>
+          <p:cNvSpPr/>
+          <p:nvPr/>
+        </p:nvSpPr>
+        <p:spPr>
+          <a:xfrm rot="16200000">
+            <a:off x="3239852" y="3284984"/>
+            <a:ext cx="144016" cy="504056"/>
+          </a:xfrm>
+          <a:prstGeom prst="downArrow">
+            <a:avLst/>
+          </a:prstGeom>
+          <a:solidFill>
+            <a:srgbClr val="FF0000"/>
+          </a:solidFill>
+          <a:ln>
+            <a:solidFill>
+              <a:srgbClr val="FF0000"/>
+            </a:solidFill>
+          </a:ln>
+        </p:spPr>
+        <p:style>
+          <a:lnRef idx="2">
+            <a:schemeClr val="accent2">
+              <a:shade val="50000"/>
+            </a:schemeClr>
+          </a:lnRef>
+          <a:fillRef idx="1">
+            <a:schemeClr val="accent2"/>
+          </a:fillRef>
+          <a:effectRef idx="0">
+            <a:schemeClr val="accent2"/>
+          </a:effectRef>
+          <a:fontRef idx="minor">
+            <a:schemeClr val="lt1"/>
+          </a:fontRef>
+        </p:style>
+        <p:txBody>
+          <a:bodyPr rtlCol="0" anchor="ctr"/>
+          <a:lstStyle/>
+          <a:p>
+            <a:pPr algn="ctr"/>
+            <a:endParaRPr lang="ko-KR" altLang="en-US">
+              <a:ln w="0"/>
+              <a:solidFill>
+                <a:schemeClr val="tx1"/>
+              </a:solidFill>
+              <a:effectLst>
+                <a:outerShdw blurRad="38100" dist="19050" dir="2700000" algn="tl" rotWithShape="0">
+                  <a:schemeClr val="dk1">
+                    <a:alpha val="40000"/>
+                  </a:schemeClr>
+                </a:outerShdw>
+              </a:effectLst>
+            </a:endParaRPr>
+          </a:p>
+        </p:txBody>
+      </p:sp>
     </p:spTree>
     <p:extLst>
       <p:ext uri="{BB962C8B-B14F-4D97-AF65-F5344CB8AC3E}">
@@ -29218,6 +29278,96 @@
                       </p:childTnLst>
                     </p:cTn>
                   </p:par>
+                  <p:par>
+                    <p:cTn id="8" fill="hold">
+                      <p:stCondLst>
+                        <p:cond delay="indefinite"/>
+                      </p:stCondLst>
+                      <p:childTnLst>
+                        <p:par>
+                          <p:cTn id="9" fill="hold">
+                            <p:stCondLst>
+                              <p:cond delay="0"/>
+                            </p:stCondLst>
+                            <p:childTnLst>
+                              <p:par>
+                                <p:cTn id="10" presetID="1" presetClass="entr" presetSubtype="0" fill="hold" grpId="0" nodeType="clickEffect">
+                                  <p:stCondLst>
+                                    <p:cond delay="0"/>
+                                  </p:stCondLst>
+                                  <p:childTnLst>
+                                    <p:set>
+                                      <p:cBhvr>
+                                        <p:cTn id="11" dur="1" fill="hold">
+                                          <p:stCondLst>
+                                            <p:cond delay="0"/>
+                                          </p:stCondLst>
+                                        </p:cTn>
+                                        <p:tgtEl>
+                                          <p:spTgt spid="4"/>
+                                        </p:tgtEl>
+                                        <p:attrNameLst>
+                                          <p:attrName>style.visibility</p:attrName>
+                                        </p:attrNameLst>
+                                      </p:cBhvr>
+                                      <p:to>
+                                        <p:strVal val="visible"/>
+                                      </p:to>
+                                    </p:set>
+                                  </p:childTnLst>
+                                </p:cTn>
+                              </p:par>
+                            </p:childTnLst>
+                          </p:cTn>
+                        </p:par>
+                      </p:childTnLst>
+                    </p:cTn>
+                  </p:par>
+                  <p:par>
+                    <p:cTn id="12" fill="hold">
+                      <p:stCondLst>
+                        <p:cond delay="indefinite"/>
+                      </p:stCondLst>
+                      <p:childTnLst>
+                        <p:par>
+                          <p:cTn id="13" fill="hold">
+                            <p:stCondLst>
+                              <p:cond delay="0"/>
+                            </p:stCondLst>
+                            <p:childTnLst>
+                              <p:par>
+                                <p:cTn id="14" presetID="1" presetClass="entr" presetSubtype="0" fill="hold" grpId="0" nodeType="clickEffect">
+                                  <p:stCondLst>
+                                    <p:cond delay="0"/>
+                                  </p:stCondLst>
+                                  <p:childTnLst>
+                                    <p:set>
+                                      <p:cBhvr>
+                                        <p:cTn id="15" dur="1" fill="hold">
+                                          <p:stCondLst>
+                                            <p:cond delay="0"/>
+                                          </p:stCondLst>
+                                        </p:cTn>
+                                        <p:tgtEl>
+                                          <p:spTgt spid="10"/>
+                                        </p:tgtEl>
+                                        <p:attrNameLst>
+                                          <p:attrName>style.visibility</p:attrName>
+                                        </p:attrNameLst>
+                                      </p:cBhvr>
+                                      <p:to>
+                                        <p:strVal val="visible"/>
+                                      </p:to>
+                                    </p:set>
+                                  </p:childTnLst>
+                                </p:cTn>
+                              </p:par>
+                            </p:childTnLst>
+                          </p:cTn>
+                        </p:par>
+                      </p:childTnLst>
+                    </p:cTn>
+                  </p:par>
                 </p:childTnLst>
               </p:cTn>
               <p:prevCondLst>
@@ -29241,6 +29391,8 @@
     </p:tnLst>
     <p:bldLst>
       <p:bldP spid="13" grpId="0"/>
+      <p:bldP spid="4" grpId="0" animBg="1"/>
+      <p:bldP spid="10" grpId="0" animBg="1"/>
     </p:bldLst>
   </p:timing>
 </p:sld>
